--- a/Schemas.pptx
+++ b/Schemas.pptx
@@ -10,6 +10,8 @@
     <p:sldId id="258" r:id="rId4"/>
     <p:sldId id="259" r:id="rId5"/>
     <p:sldId id="260" r:id="rId6"/>
+    <p:sldId id="261" r:id="rId7"/>
+    <p:sldId id="262" r:id="rId8"/>
   </p:sldIdLst>
   <p:sldSz cx="12192000" cy="6858000"/>
   <p:notesSz cx="6858000" cy="9144000"/>
@@ -265,7 +267,7 @@
           <a:p>
             <a:fld id="{B57FDF2F-3811-43EF-B385-B34B7A385512}" type="datetimeFigureOut">
               <a:rPr lang="fr-BE" smtClean="0"/>
-              <a:t>31-10-19</a:t>
+              <a:t>01-11-19</a:t>
             </a:fld>
             <a:endParaRPr lang="fr-BE"/>
           </a:p>
@@ -465,7 +467,7 @@
           <a:p>
             <a:fld id="{B57FDF2F-3811-43EF-B385-B34B7A385512}" type="datetimeFigureOut">
               <a:rPr lang="fr-BE" smtClean="0"/>
-              <a:t>31-10-19</a:t>
+              <a:t>01-11-19</a:t>
             </a:fld>
             <a:endParaRPr lang="fr-BE"/>
           </a:p>
@@ -675,7 +677,7 @@
           <a:p>
             <a:fld id="{B57FDF2F-3811-43EF-B385-B34B7A385512}" type="datetimeFigureOut">
               <a:rPr lang="fr-BE" smtClean="0"/>
-              <a:t>31-10-19</a:t>
+              <a:t>01-11-19</a:t>
             </a:fld>
             <a:endParaRPr lang="fr-BE"/>
           </a:p>
@@ -875,7 +877,7 @@
           <a:p>
             <a:fld id="{B57FDF2F-3811-43EF-B385-B34B7A385512}" type="datetimeFigureOut">
               <a:rPr lang="fr-BE" smtClean="0"/>
-              <a:t>31-10-19</a:t>
+              <a:t>01-11-19</a:t>
             </a:fld>
             <a:endParaRPr lang="fr-BE"/>
           </a:p>
@@ -1151,7 +1153,7 @@
           <a:p>
             <a:fld id="{B57FDF2F-3811-43EF-B385-B34B7A385512}" type="datetimeFigureOut">
               <a:rPr lang="fr-BE" smtClean="0"/>
-              <a:t>31-10-19</a:t>
+              <a:t>01-11-19</a:t>
             </a:fld>
             <a:endParaRPr lang="fr-BE"/>
           </a:p>
@@ -1419,7 +1421,7 @@
           <a:p>
             <a:fld id="{B57FDF2F-3811-43EF-B385-B34B7A385512}" type="datetimeFigureOut">
               <a:rPr lang="fr-BE" smtClean="0"/>
-              <a:t>31-10-19</a:t>
+              <a:t>01-11-19</a:t>
             </a:fld>
             <a:endParaRPr lang="fr-BE"/>
           </a:p>
@@ -1834,7 +1836,7 @@
           <a:p>
             <a:fld id="{B57FDF2F-3811-43EF-B385-B34B7A385512}" type="datetimeFigureOut">
               <a:rPr lang="fr-BE" smtClean="0"/>
-              <a:t>31-10-19</a:t>
+              <a:t>01-11-19</a:t>
             </a:fld>
             <a:endParaRPr lang="fr-BE"/>
           </a:p>
@@ -1976,7 +1978,7 @@
           <a:p>
             <a:fld id="{B57FDF2F-3811-43EF-B385-B34B7A385512}" type="datetimeFigureOut">
               <a:rPr lang="fr-BE" smtClean="0"/>
-              <a:t>31-10-19</a:t>
+              <a:t>01-11-19</a:t>
             </a:fld>
             <a:endParaRPr lang="fr-BE"/>
           </a:p>
@@ -2089,7 +2091,7 @@
           <a:p>
             <a:fld id="{B57FDF2F-3811-43EF-B385-B34B7A385512}" type="datetimeFigureOut">
               <a:rPr lang="fr-BE" smtClean="0"/>
-              <a:t>31-10-19</a:t>
+              <a:t>01-11-19</a:t>
             </a:fld>
             <a:endParaRPr lang="fr-BE"/>
           </a:p>
@@ -2402,7 +2404,7 @@
           <a:p>
             <a:fld id="{B57FDF2F-3811-43EF-B385-B34B7A385512}" type="datetimeFigureOut">
               <a:rPr lang="fr-BE" smtClean="0"/>
-              <a:t>31-10-19</a:t>
+              <a:t>01-11-19</a:t>
             </a:fld>
             <a:endParaRPr lang="fr-BE"/>
           </a:p>
@@ -2691,7 +2693,7 @@
           <a:p>
             <a:fld id="{B57FDF2F-3811-43EF-B385-B34B7A385512}" type="datetimeFigureOut">
               <a:rPr lang="fr-BE" smtClean="0"/>
-              <a:t>31-10-19</a:t>
+              <a:t>01-11-19</a:t>
             </a:fld>
             <a:endParaRPr lang="fr-BE"/>
           </a:p>
@@ -2934,7 +2936,7 @@
           <a:p>
             <a:fld id="{B57FDF2F-3811-43EF-B385-B34B7A385512}" type="datetimeFigureOut">
               <a:rPr lang="fr-BE" smtClean="0"/>
-              <a:t>31-10-19</a:t>
+              <a:t>01-11-19</a:t>
             </a:fld>
             <a:endParaRPr lang="fr-BE"/>
           </a:p>
@@ -8927,6 +8929,1364 @@
 </p:sld>
 </file>
 
+<file path=ppt/slides/slide6.xml><?xml version="1.0" encoding="utf-8"?>
+<p:sld xmlns:a="http://schemas.openxmlformats.org/drawingml/2006/main" xmlns:r="http://schemas.openxmlformats.org/officeDocument/2006/relationships" xmlns:p="http://schemas.openxmlformats.org/presentationml/2006/main">
+  <p:cSld>
+    <p:spTree>
+      <p:nvGrpSpPr>
+        <p:cNvPr id="1" name=""/>
+        <p:cNvGrpSpPr/>
+        <p:nvPr/>
+      </p:nvGrpSpPr>
+      <p:grpSpPr>
+        <a:xfrm>
+          <a:off x="0" y="0"/>
+          <a:ext cx="0" cy="0"/>
+          <a:chOff x="0" y="0"/>
+          <a:chExt cx="0" cy="0"/>
+        </a:xfrm>
+      </p:grpSpPr>
+      <p:grpSp>
+        <p:nvGrpSpPr>
+          <p:cNvPr id="4" name="Groupe 3">
+            <a:extLst>
+              <a:ext uri="{FF2B5EF4-FFF2-40B4-BE49-F238E27FC236}">
+                <a16:creationId xmlns:a16="http://schemas.microsoft.com/office/drawing/2014/main" id="{6C31D1FA-23B0-4280-A72E-CF5B282AFB67}"/>
+              </a:ext>
+            </a:extLst>
+          </p:cNvPr>
+          <p:cNvGrpSpPr/>
+          <p:nvPr/>
+        </p:nvGrpSpPr>
+        <p:grpSpPr>
+          <a:xfrm>
+            <a:off x="4085211" y="2496973"/>
+            <a:ext cx="1228725" cy="1099185"/>
+            <a:chOff x="4085211" y="2496973"/>
+            <a:chExt cx="1228725" cy="1099185"/>
+          </a:xfrm>
+        </p:grpSpPr>
+        <p:sp>
+          <p:nvSpPr>
+            <p:cNvPr id="5" name="Rectangle 4">
+              <a:extLst>
+                <a:ext uri="{FF2B5EF4-FFF2-40B4-BE49-F238E27FC236}">
+                  <a16:creationId xmlns:a16="http://schemas.microsoft.com/office/drawing/2014/main" id="{38543574-5962-4B6A-B500-15BB4D46F327}"/>
+                </a:ext>
+              </a:extLst>
+            </p:cNvPr>
+            <p:cNvSpPr/>
+            <p:nvPr/>
+          </p:nvSpPr>
+          <p:spPr>
+            <a:xfrm>
+              <a:off x="4085211" y="2496973"/>
+              <a:ext cx="1228725" cy="1099185"/>
+            </a:xfrm>
+            <a:prstGeom prst="rect">
+              <a:avLst/>
+            </a:prstGeom>
+            <a:noFill/>
+            <a:ln>
+              <a:solidFill>
+                <a:schemeClr val="tx1"/>
+              </a:solidFill>
+            </a:ln>
+          </p:spPr>
+          <p:style>
+            <a:lnRef idx="2">
+              <a:schemeClr val="accent1">
+                <a:shade val="50000"/>
+              </a:schemeClr>
+            </a:lnRef>
+            <a:fillRef idx="1">
+              <a:schemeClr val="accent1"/>
+            </a:fillRef>
+            <a:effectRef idx="0">
+              <a:schemeClr val="accent1"/>
+            </a:effectRef>
+            <a:fontRef idx="minor">
+              <a:schemeClr val="lt1"/>
+            </a:fontRef>
+          </p:style>
+          <p:txBody>
+            <a:bodyPr rot="0" spcFirstLastPara="0" vert="horz" wrap="square" lIns="91440" tIns="45720" rIns="91440" bIns="45720" numCol="1" spcCol="0" rtlCol="0" fromWordArt="0" anchor="b" anchorCtr="0" forceAA="0" compatLnSpc="1">
+              <a:prstTxWarp prst="textNoShape">
+                <a:avLst/>
+              </a:prstTxWarp>
+              <a:noAutofit/>
+            </a:bodyPr>
+            <a:lstStyle/>
+            <a:p>
+              <a:pPr algn="ctr"/>
+              <a:r>
+                <a:rPr lang="en-US" sz="1600" dirty="0">
+                  <a:solidFill>
+                    <a:schemeClr val="tx1"/>
+                  </a:solidFill>
+                </a:rPr>
+                <a:t>Users API</a:t>
+              </a:r>
+            </a:p>
+          </p:txBody>
+        </p:sp>
+        <p:pic>
+          <p:nvPicPr>
+            <p:cNvPr id="6" name="Picture 2" descr="Résultat de recherche d'images pour &quot;asp.net core logo svg&quot;&quot;">
+              <a:extLst>
+                <a:ext uri="{FF2B5EF4-FFF2-40B4-BE49-F238E27FC236}">
+                  <a16:creationId xmlns:a16="http://schemas.microsoft.com/office/drawing/2014/main" id="{EC13D5D7-8A3C-49C0-B481-5809F0AFE125}"/>
+                </a:ext>
+              </a:extLst>
+            </p:cNvPr>
+            <p:cNvPicPr>
+              <a:picLocks noChangeAspect="1" noChangeArrowheads="1"/>
+            </p:cNvPicPr>
+            <p:nvPr/>
+          </p:nvPicPr>
+          <p:blipFill>
+            <a:blip r:embed="rId2">
+              <a:extLst>
+                <a:ext uri="{28A0092B-C50C-407E-A947-70E740481C1C}">
+                  <a14:useLocalDpi xmlns:a14="http://schemas.microsoft.com/office/drawing/2010/main" val="0"/>
+                </a:ext>
+              </a:extLst>
+            </a:blip>
+            <a:srcRect/>
+            <a:stretch>
+              <a:fillRect/>
+            </a:stretch>
+          </p:blipFill>
+          <p:spPr bwMode="auto">
+            <a:xfrm>
+              <a:off x="4136347" y="2753957"/>
+              <a:ext cx="1103929" cy="292608"/>
+            </a:xfrm>
+            <a:prstGeom prst="rect">
+              <a:avLst/>
+            </a:prstGeom>
+            <a:noFill/>
+            <a:extLst>
+              <a:ext uri="{909E8E84-426E-40DD-AFC4-6F175D3DCCD1}">
+                <a14:hiddenFill xmlns:a14="http://schemas.microsoft.com/office/drawing/2010/main">
+                  <a:solidFill>
+                    <a:srgbClr val="FFFFFF"/>
+                  </a:solidFill>
+                </a14:hiddenFill>
+              </a:ext>
+            </a:extLst>
+          </p:spPr>
+        </p:pic>
+      </p:grpSp>
+      <p:grpSp>
+        <p:nvGrpSpPr>
+          <p:cNvPr id="10" name="Groupe 9">
+            <a:extLst>
+              <a:ext uri="{FF2B5EF4-FFF2-40B4-BE49-F238E27FC236}">
+                <a16:creationId xmlns:a16="http://schemas.microsoft.com/office/drawing/2014/main" id="{281B76BA-4AC6-4AB9-8D04-1CF4D6F42053}"/>
+              </a:ext>
+            </a:extLst>
+          </p:cNvPr>
+          <p:cNvGrpSpPr/>
+          <p:nvPr/>
+        </p:nvGrpSpPr>
+        <p:grpSpPr>
+          <a:xfrm>
+            <a:off x="4085211" y="4648861"/>
+            <a:ext cx="1228725" cy="1099185"/>
+            <a:chOff x="4085211" y="4648861"/>
+            <a:chExt cx="1228725" cy="1099185"/>
+          </a:xfrm>
+        </p:grpSpPr>
+        <p:sp>
+          <p:nvSpPr>
+            <p:cNvPr id="8" name="Rectangle 7">
+              <a:extLst>
+                <a:ext uri="{FF2B5EF4-FFF2-40B4-BE49-F238E27FC236}">
+                  <a16:creationId xmlns:a16="http://schemas.microsoft.com/office/drawing/2014/main" id="{61F00722-52E5-4587-A1BC-07E3519C520C}"/>
+                </a:ext>
+              </a:extLst>
+            </p:cNvPr>
+            <p:cNvSpPr/>
+            <p:nvPr/>
+          </p:nvSpPr>
+          <p:spPr>
+            <a:xfrm>
+              <a:off x="4085211" y="4648861"/>
+              <a:ext cx="1228725" cy="1099185"/>
+            </a:xfrm>
+            <a:prstGeom prst="rect">
+              <a:avLst/>
+            </a:prstGeom>
+            <a:noFill/>
+            <a:ln>
+              <a:solidFill>
+                <a:schemeClr val="tx1"/>
+              </a:solidFill>
+            </a:ln>
+          </p:spPr>
+          <p:style>
+            <a:lnRef idx="2">
+              <a:schemeClr val="accent1">
+                <a:shade val="50000"/>
+              </a:schemeClr>
+            </a:lnRef>
+            <a:fillRef idx="1">
+              <a:schemeClr val="accent1"/>
+            </a:fillRef>
+            <a:effectRef idx="0">
+              <a:schemeClr val="accent1"/>
+            </a:effectRef>
+            <a:fontRef idx="minor">
+              <a:schemeClr val="lt1"/>
+            </a:fontRef>
+          </p:style>
+          <p:txBody>
+            <a:bodyPr rot="0" spcFirstLastPara="0" vert="horz" wrap="square" lIns="91440" tIns="45720" rIns="91440" bIns="45720" numCol="1" spcCol="0" rtlCol="0" fromWordArt="0" anchor="b" anchorCtr="0" forceAA="0" compatLnSpc="1">
+              <a:prstTxWarp prst="textNoShape">
+                <a:avLst/>
+              </a:prstTxWarp>
+              <a:noAutofit/>
+            </a:bodyPr>
+            <a:lstStyle/>
+            <a:p>
+              <a:pPr algn="ctr"/>
+              <a:r>
+                <a:rPr lang="en-US" sz="1600" dirty="0">
+                  <a:solidFill>
+                    <a:schemeClr val="tx1"/>
+                  </a:solidFill>
+                </a:rPr>
+                <a:t>Client</a:t>
+              </a:r>
+            </a:p>
+          </p:txBody>
+        </p:sp>
+        <p:pic>
+          <p:nvPicPr>
+            <p:cNvPr id="1026" name="Picture 2">
+              <a:extLst>
+                <a:ext uri="{FF2B5EF4-FFF2-40B4-BE49-F238E27FC236}">
+                  <a16:creationId xmlns:a16="http://schemas.microsoft.com/office/drawing/2014/main" id="{BF0E47B6-5751-4A5F-A6EE-ABA6FAF808E0}"/>
+                </a:ext>
+              </a:extLst>
+            </p:cNvPr>
+            <p:cNvPicPr>
+              <a:picLocks noChangeAspect="1" noChangeArrowheads="1"/>
+            </p:cNvPicPr>
+            <p:nvPr/>
+          </p:nvPicPr>
+          <p:blipFill>
+            <a:blip r:embed="rId3">
+              <a:extLst>
+                <a:ext uri="{28A0092B-C50C-407E-A947-70E740481C1C}">
+                  <a14:useLocalDpi xmlns:a14="http://schemas.microsoft.com/office/drawing/2010/main" val="0"/>
+                </a:ext>
+              </a:extLst>
+            </a:blip>
+            <a:srcRect/>
+            <a:stretch>
+              <a:fillRect/>
+            </a:stretch>
+          </p:blipFill>
+          <p:spPr bwMode="auto">
+            <a:xfrm>
+              <a:off x="4427018" y="4768685"/>
+              <a:ext cx="547318" cy="547318"/>
+            </a:xfrm>
+            <a:prstGeom prst="rect">
+              <a:avLst/>
+            </a:prstGeom>
+            <a:noFill/>
+            <a:extLst>
+              <a:ext uri="{909E8E84-426E-40DD-AFC4-6F175D3DCCD1}">
+                <a14:hiddenFill xmlns:a14="http://schemas.microsoft.com/office/drawing/2010/main">
+                  <a:solidFill>
+                    <a:srgbClr val="FFFFFF"/>
+                  </a:solidFill>
+                </a14:hiddenFill>
+              </a:ext>
+            </a:extLst>
+          </p:spPr>
+        </p:pic>
+      </p:grpSp>
+      <p:grpSp>
+        <p:nvGrpSpPr>
+          <p:cNvPr id="12" name="Groupe 37">
+            <a:extLst>
+              <a:ext uri="{FF2B5EF4-FFF2-40B4-BE49-F238E27FC236}">
+                <a16:creationId xmlns:a16="http://schemas.microsoft.com/office/drawing/2014/main" id="{24FD72D1-8841-496B-ABA0-ED6FC2C57607}"/>
+              </a:ext>
+            </a:extLst>
+          </p:cNvPr>
+          <p:cNvGrpSpPr/>
+          <p:nvPr/>
+        </p:nvGrpSpPr>
+        <p:grpSpPr>
+          <a:xfrm>
+            <a:off x="4073948" y="345085"/>
+            <a:ext cx="1228725" cy="1099185"/>
+            <a:chOff x="3419872" y="1700808"/>
+            <a:chExt cx="1228725" cy="1099185"/>
+          </a:xfrm>
+        </p:grpSpPr>
+        <p:pic>
+          <p:nvPicPr>
+            <p:cNvPr id="13" name="Picture 2" descr="RÃ©sultat de recherche d'images pour &quot;oauth 2.0&quot;">
+              <a:extLst>
+                <a:ext uri="{FF2B5EF4-FFF2-40B4-BE49-F238E27FC236}">
+                  <a16:creationId xmlns:a16="http://schemas.microsoft.com/office/drawing/2014/main" id="{55B0FCB6-D2B2-4E9D-B94B-200838B2D49C}"/>
+                </a:ext>
+              </a:extLst>
+            </p:cNvPr>
+            <p:cNvPicPr>
+              <a:picLocks noChangeAspect="1" noChangeArrowheads="1"/>
+            </p:cNvPicPr>
+            <p:nvPr/>
+          </p:nvPicPr>
+          <p:blipFill>
+            <a:blip r:embed="rId4" cstate="print">
+              <a:extLst>
+                <a:ext uri="{28A0092B-C50C-407E-A947-70E740481C1C}">
+                  <a14:useLocalDpi xmlns:a14="http://schemas.microsoft.com/office/drawing/2010/main" val="0"/>
+                </a:ext>
+              </a:extLst>
+            </a:blip>
+            <a:srcRect/>
+            <a:stretch>
+              <a:fillRect/>
+            </a:stretch>
+          </p:blipFill>
+          <p:spPr bwMode="auto">
+            <a:xfrm>
+              <a:off x="3674194" y="1772816"/>
+              <a:ext cx="720080" cy="717165"/>
+            </a:xfrm>
+            <a:prstGeom prst="rect">
+              <a:avLst/>
+            </a:prstGeom>
+            <a:noFill/>
+            <a:extLst>
+              <a:ext uri="{909E8E84-426E-40DD-AFC4-6F175D3DCCD1}">
+                <a14:hiddenFill xmlns:a14="http://schemas.microsoft.com/office/drawing/2010/main">
+                  <a:solidFill>
+                    <a:srgbClr val="FFFFFF"/>
+                  </a:solidFill>
+                </a14:hiddenFill>
+              </a:ext>
+            </a:extLst>
+          </p:spPr>
+        </p:pic>
+        <p:sp>
+          <p:nvSpPr>
+            <p:cNvPr id="14" name="Rectangle 13">
+              <a:extLst>
+                <a:ext uri="{FF2B5EF4-FFF2-40B4-BE49-F238E27FC236}">
+                  <a16:creationId xmlns:a16="http://schemas.microsoft.com/office/drawing/2014/main" id="{3EF4960B-37CB-47D5-802F-59098C9F18DB}"/>
+                </a:ext>
+              </a:extLst>
+            </p:cNvPr>
+            <p:cNvSpPr/>
+            <p:nvPr/>
+          </p:nvSpPr>
+          <p:spPr>
+            <a:xfrm>
+              <a:off x="3419872" y="1700808"/>
+              <a:ext cx="1228725" cy="1099185"/>
+            </a:xfrm>
+            <a:prstGeom prst="rect">
+              <a:avLst/>
+            </a:prstGeom>
+            <a:noFill/>
+            <a:ln>
+              <a:solidFill>
+                <a:schemeClr val="tx1"/>
+              </a:solidFill>
+            </a:ln>
+          </p:spPr>
+          <p:style>
+            <a:lnRef idx="2">
+              <a:schemeClr val="accent1">
+                <a:shade val="50000"/>
+              </a:schemeClr>
+            </a:lnRef>
+            <a:fillRef idx="1">
+              <a:schemeClr val="accent1"/>
+            </a:fillRef>
+            <a:effectRef idx="0">
+              <a:schemeClr val="accent1"/>
+            </a:effectRef>
+            <a:fontRef idx="minor">
+              <a:schemeClr val="lt1"/>
+            </a:fontRef>
+          </p:style>
+          <p:txBody>
+            <a:bodyPr rot="0" spcFirstLastPara="0" vert="horz" wrap="square" lIns="91440" tIns="45720" rIns="91440" bIns="45720" numCol="1" spcCol="0" rtlCol="0" fromWordArt="0" anchor="b" anchorCtr="0" forceAA="0" compatLnSpc="1">
+              <a:prstTxWarp prst="textNoShape">
+                <a:avLst/>
+              </a:prstTxWarp>
+              <a:noAutofit/>
+            </a:bodyPr>
+            <a:lstStyle/>
+            <a:p>
+              <a:pPr algn="ctr"/>
+              <a:r>
+                <a:rPr lang="en-US" sz="1600" dirty="0">
+                  <a:solidFill>
+                    <a:schemeClr val="tx1"/>
+                  </a:solidFill>
+                </a:rPr>
+                <a:t>OAUTH2.0</a:t>
+              </a:r>
+            </a:p>
+          </p:txBody>
+        </p:sp>
+      </p:grpSp>
+    </p:spTree>
+    <p:extLst>
+      <p:ext uri="{BB962C8B-B14F-4D97-AF65-F5344CB8AC3E}">
+        <p14:creationId xmlns:p14="http://schemas.microsoft.com/office/powerpoint/2010/main" val="491694015"/>
+      </p:ext>
+    </p:extLst>
+  </p:cSld>
+  <p:clrMapOvr>
+    <a:masterClrMapping/>
+  </p:clrMapOvr>
+</p:sld>
+</file>
+
+<file path=ppt/slides/slide7.xml><?xml version="1.0" encoding="utf-8"?>
+<p:sld xmlns:a="http://schemas.openxmlformats.org/drawingml/2006/main" xmlns:r="http://schemas.openxmlformats.org/officeDocument/2006/relationships" xmlns:p="http://schemas.openxmlformats.org/presentationml/2006/main">
+  <p:cSld>
+    <p:spTree>
+      <p:nvGrpSpPr>
+        <p:cNvPr id="1" name=""/>
+        <p:cNvGrpSpPr/>
+        <p:nvPr/>
+      </p:nvGrpSpPr>
+      <p:grpSpPr>
+        <a:xfrm>
+          <a:off x="0" y="0"/>
+          <a:ext cx="0" cy="0"/>
+          <a:chOff x="0" y="0"/>
+          <a:chExt cx="0" cy="0"/>
+        </a:xfrm>
+      </p:grpSpPr>
+      <p:grpSp>
+        <p:nvGrpSpPr>
+          <p:cNvPr id="4" name="Groupe 3">
+            <a:extLst>
+              <a:ext uri="{FF2B5EF4-FFF2-40B4-BE49-F238E27FC236}">
+                <a16:creationId xmlns:a16="http://schemas.microsoft.com/office/drawing/2014/main" id="{7C2107D0-8F3A-4DC2-8E69-0964E8CB7163}"/>
+              </a:ext>
+            </a:extLst>
+          </p:cNvPr>
+          <p:cNvGrpSpPr/>
+          <p:nvPr/>
+        </p:nvGrpSpPr>
+        <p:grpSpPr>
+          <a:xfrm>
+            <a:off x="4085211" y="2496973"/>
+            <a:ext cx="1228725" cy="1099185"/>
+            <a:chOff x="4085211" y="2496973"/>
+            <a:chExt cx="1228725" cy="1099185"/>
+          </a:xfrm>
+        </p:grpSpPr>
+        <p:sp>
+          <p:nvSpPr>
+            <p:cNvPr id="5" name="Rectangle 4">
+              <a:extLst>
+                <a:ext uri="{FF2B5EF4-FFF2-40B4-BE49-F238E27FC236}">
+                  <a16:creationId xmlns:a16="http://schemas.microsoft.com/office/drawing/2014/main" id="{6851D926-B23A-4ADB-B40F-A5218F8E25F5}"/>
+                </a:ext>
+              </a:extLst>
+            </p:cNvPr>
+            <p:cNvSpPr/>
+            <p:nvPr/>
+          </p:nvSpPr>
+          <p:spPr>
+            <a:xfrm>
+              <a:off x="4085211" y="2496973"/>
+              <a:ext cx="1228725" cy="1099185"/>
+            </a:xfrm>
+            <a:prstGeom prst="rect">
+              <a:avLst/>
+            </a:prstGeom>
+            <a:noFill/>
+            <a:ln>
+              <a:solidFill>
+                <a:schemeClr val="tx1"/>
+              </a:solidFill>
+            </a:ln>
+          </p:spPr>
+          <p:style>
+            <a:lnRef idx="2">
+              <a:schemeClr val="accent1">
+                <a:shade val="50000"/>
+              </a:schemeClr>
+            </a:lnRef>
+            <a:fillRef idx="1">
+              <a:schemeClr val="accent1"/>
+            </a:fillRef>
+            <a:effectRef idx="0">
+              <a:schemeClr val="accent1"/>
+            </a:effectRef>
+            <a:fontRef idx="minor">
+              <a:schemeClr val="lt1"/>
+            </a:fontRef>
+          </p:style>
+          <p:txBody>
+            <a:bodyPr rot="0" spcFirstLastPara="0" vert="horz" wrap="square" lIns="91440" tIns="45720" rIns="91440" bIns="45720" numCol="1" spcCol="0" rtlCol="0" fromWordArt="0" anchor="b" anchorCtr="0" forceAA="0" compatLnSpc="1">
+              <a:prstTxWarp prst="textNoShape">
+                <a:avLst/>
+              </a:prstTxWarp>
+              <a:noAutofit/>
+            </a:bodyPr>
+            <a:lstStyle/>
+            <a:p>
+              <a:pPr algn="ctr"/>
+              <a:r>
+                <a:rPr lang="en-US" sz="1600" dirty="0">
+                  <a:solidFill>
+                    <a:schemeClr val="tx1"/>
+                  </a:solidFill>
+                </a:rPr>
+                <a:t>Users API</a:t>
+              </a:r>
+            </a:p>
+          </p:txBody>
+        </p:sp>
+        <p:pic>
+          <p:nvPicPr>
+            <p:cNvPr id="6" name="Picture 2" descr="Résultat de recherche d'images pour &quot;asp.net core logo svg&quot;&quot;">
+              <a:extLst>
+                <a:ext uri="{FF2B5EF4-FFF2-40B4-BE49-F238E27FC236}">
+                  <a16:creationId xmlns:a16="http://schemas.microsoft.com/office/drawing/2014/main" id="{513B62D8-2E17-41E1-8B38-E65123DDD302}"/>
+                </a:ext>
+              </a:extLst>
+            </p:cNvPr>
+            <p:cNvPicPr>
+              <a:picLocks noChangeAspect="1" noChangeArrowheads="1"/>
+            </p:cNvPicPr>
+            <p:nvPr/>
+          </p:nvPicPr>
+          <p:blipFill>
+            <a:blip r:embed="rId2">
+              <a:extLst>
+                <a:ext uri="{28A0092B-C50C-407E-A947-70E740481C1C}">
+                  <a14:useLocalDpi xmlns:a14="http://schemas.microsoft.com/office/drawing/2010/main" val="0"/>
+                </a:ext>
+              </a:extLst>
+            </a:blip>
+            <a:srcRect/>
+            <a:stretch>
+              <a:fillRect/>
+            </a:stretch>
+          </p:blipFill>
+          <p:spPr bwMode="auto">
+            <a:xfrm>
+              <a:off x="4136347" y="2753957"/>
+              <a:ext cx="1103929" cy="292608"/>
+            </a:xfrm>
+            <a:prstGeom prst="rect">
+              <a:avLst/>
+            </a:prstGeom>
+            <a:noFill/>
+            <a:extLst>
+              <a:ext uri="{909E8E84-426E-40DD-AFC4-6F175D3DCCD1}">
+                <a14:hiddenFill xmlns:a14="http://schemas.microsoft.com/office/drawing/2010/main">
+                  <a:solidFill>
+                    <a:srgbClr val="FFFFFF"/>
+                  </a:solidFill>
+                </a14:hiddenFill>
+              </a:ext>
+            </a:extLst>
+          </p:spPr>
+        </p:pic>
+      </p:grpSp>
+      <p:grpSp>
+        <p:nvGrpSpPr>
+          <p:cNvPr id="7" name="Groupe 6">
+            <a:extLst>
+              <a:ext uri="{FF2B5EF4-FFF2-40B4-BE49-F238E27FC236}">
+                <a16:creationId xmlns:a16="http://schemas.microsoft.com/office/drawing/2014/main" id="{20292F33-B7D2-49D9-B48A-B6A505B9584B}"/>
+              </a:ext>
+            </a:extLst>
+          </p:cNvPr>
+          <p:cNvGrpSpPr/>
+          <p:nvPr/>
+        </p:nvGrpSpPr>
+        <p:grpSpPr>
+          <a:xfrm>
+            <a:off x="4085211" y="4648861"/>
+            <a:ext cx="1228725" cy="1099185"/>
+            <a:chOff x="4085211" y="4648861"/>
+            <a:chExt cx="1228725" cy="1099185"/>
+          </a:xfrm>
+        </p:grpSpPr>
+        <p:sp>
+          <p:nvSpPr>
+            <p:cNvPr id="8" name="Rectangle 7">
+              <a:extLst>
+                <a:ext uri="{FF2B5EF4-FFF2-40B4-BE49-F238E27FC236}">
+                  <a16:creationId xmlns:a16="http://schemas.microsoft.com/office/drawing/2014/main" id="{900AEFAC-075C-463C-AD57-8F2E1A91D8D0}"/>
+                </a:ext>
+              </a:extLst>
+            </p:cNvPr>
+            <p:cNvSpPr/>
+            <p:nvPr/>
+          </p:nvSpPr>
+          <p:spPr>
+            <a:xfrm>
+              <a:off x="4085211" y="4648861"/>
+              <a:ext cx="1228725" cy="1099185"/>
+            </a:xfrm>
+            <a:prstGeom prst="rect">
+              <a:avLst/>
+            </a:prstGeom>
+            <a:noFill/>
+            <a:ln>
+              <a:solidFill>
+                <a:schemeClr val="tx1"/>
+              </a:solidFill>
+            </a:ln>
+          </p:spPr>
+          <p:style>
+            <a:lnRef idx="2">
+              <a:schemeClr val="accent1">
+                <a:shade val="50000"/>
+              </a:schemeClr>
+            </a:lnRef>
+            <a:fillRef idx="1">
+              <a:schemeClr val="accent1"/>
+            </a:fillRef>
+            <a:effectRef idx="0">
+              <a:schemeClr val="accent1"/>
+            </a:effectRef>
+            <a:fontRef idx="minor">
+              <a:schemeClr val="lt1"/>
+            </a:fontRef>
+          </p:style>
+          <p:txBody>
+            <a:bodyPr rot="0" spcFirstLastPara="0" vert="horz" wrap="square" lIns="91440" tIns="45720" rIns="91440" bIns="45720" numCol="1" spcCol="0" rtlCol="0" fromWordArt="0" anchor="b" anchorCtr="0" forceAA="0" compatLnSpc="1">
+              <a:prstTxWarp prst="textNoShape">
+                <a:avLst/>
+              </a:prstTxWarp>
+              <a:noAutofit/>
+            </a:bodyPr>
+            <a:lstStyle/>
+            <a:p>
+              <a:pPr algn="ctr"/>
+              <a:r>
+                <a:rPr lang="en-US" sz="1600" dirty="0">
+                  <a:solidFill>
+                    <a:schemeClr val="tx1"/>
+                  </a:solidFill>
+                </a:rPr>
+                <a:t>Client</a:t>
+              </a:r>
+            </a:p>
+          </p:txBody>
+        </p:sp>
+        <p:pic>
+          <p:nvPicPr>
+            <p:cNvPr id="9" name="Picture 2">
+              <a:extLst>
+                <a:ext uri="{FF2B5EF4-FFF2-40B4-BE49-F238E27FC236}">
+                  <a16:creationId xmlns:a16="http://schemas.microsoft.com/office/drawing/2014/main" id="{C8C0F850-772F-4EB5-B210-1B1F10E8DD9E}"/>
+                </a:ext>
+              </a:extLst>
+            </p:cNvPr>
+            <p:cNvPicPr>
+              <a:picLocks noChangeAspect="1" noChangeArrowheads="1"/>
+            </p:cNvPicPr>
+            <p:nvPr/>
+          </p:nvPicPr>
+          <p:blipFill>
+            <a:blip r:embed="rId3">
+              <a:extLst>
+                <a:ext uri="{28A0092B-C50C-407E-A947-70E740481C1C}">
+                  <a14:useLocalDpi xmlns:a14="http://schemas.microsoft.com/office/drawing/2010/main" val="0"/>
+                </a:ext>
+              </a:extLst>
+            </a:blip>
+            <a:srcRect/>
+            <a:stretch>
+              <a:fillRect/>
+            </a:stretch>
+          </p:blipFill>
+          <p:spPr bwMode="auto">
+            <a:xfrm>
+              <a:off x="4427018" y="4768685"/>
+              <a:ext cx="547318" cy="547318"/>
+            </a:xfrm>
+            <a:prstGeom prst="rect">
+              <a:avLst/>
+            </a:prstGeom>
+            <a:noFill/>
+            <a:extLst>
+              <a:ext uri="{909E8E84-426E-40DD-AFC4-6F175D3DCCD1}">
+                <a14:hiddenFill xmlns:a14="http://schemas.microsoft.com/office/drawing/2010/main">
+                  <a:solidFill>
+                    <a:srgbClr val="FFFFFF"/>
+                  </a:solidFill>
+                </a14:hiddenFill>
+              </a:ext>
+            </a:extLst>
+          </p:spPr>
+        </p:pic>
+      </p:grpSp>
+      <p:grpSp>
+        <p:nvGrpSpPr>
+          <p:cNvPr id="10" name="Groupe 37">
+            <a:extLst>
+              <a:ext uri="{FF2B5EF4-FFF2-40B4-BE49-F238E27FC236}">
+                <a16:creationId xmlns:a16="http://schemas.microsoft.com/office/drawing/2014/main" id="{5E93AE40-18E4-45E5-9D30-8B71B8B70C60}"/>
+              </a:ext>
+            </a:extLst>
+          </p:cNvPr>
+          <p:cNvGrpSpPr/>
+          <p:nvPr/>
+        </p:nvGrpSpPr>
+        <p:grpSpPr>
+          <a:xfrm>
+            <a:off x="4073948" y="345085"/>
+            <a:ext cx="1228725" cy="1099185"/>
+            <a:chOff x="3419872" y="1700808"/>
+            <a:chExt cx="1228725" cy="1099185"/>
+          </a:xfrm>
+        </p:grpSpPr>
+        <p:pic>
+          <p:nvPicPr>
+            <p:cNvPr id="11" name="Picture 2" descr="RÃ©sultat de recherche d'images pour &quot;oauth 2.0&quot;">
+              <a:extLst>
+                <a:ext uri="{FF2B5EF4-FFF2-40B4-BE49-F238E27FC236}">
+                  <a16:creationId xmlns:a16="http://schemas.microsoft.com/office/drawing/2014/main" id="{0D6F4E4B-486B-4BAE-8FD8-61829B36F779}"/>
+                </a:ext>
+              </a:extLst>
+            </p:cNvPr>
+            <p:cNvPicPr>
+              <a:picLocks noChangeAspect="1" noChangeArrowheads="1"/>
+            </p:cNvPicPr>
+            <p:nvPr/>
+          </p:nvPicPr>
+          <p:blipFill>
+            <a:blip r:embed="rId4" cstate="print">
+              <a:extLst>
+                <a:ext uri="{28A0092B-C50C-407E-A947-70E740481C1C}">
+                  <a14:useLocalDpi xmlns:a14="http://schemas.microsoft.com/office/drawing/2010/main" val="0"/>
+                </a:ext>
+              </a:extLst>
+            </a:blip>
+            <a:srcRect/>
+            <a:stretch>
+              <a:fillRect/>
+            </a:stretch>
+          </p:blipFill>
+          <p:spPr bwMode="auto">
+            <a:xfrm>
+              <a:off x="3674194" y="1772816"/>
+              <a:ext cx="720080" cy="717165"/>
+            </a:xfrm>
+            <a:prstGeom prst="rect">
+              <a:avLst/>
+            </a:prstGeom>
+            <a:noFill/>
+            <a:extLst>
+              <a:ext uri="{909E8E84-426E-40DD-AFC4-6F175D3DCCD1}">
+                <a14:hiddenFill xmlns:a14="http://schemas.microsoft.com/office/drawing/2010/main">
+                  <a:solidFill>
+                    <a:srgbClr val="FFFFFF"/>
+                  </a:solidFill>
+                </a14:hiddenFill>
+              </a:ext>
+            </a:extLst>
+          </p:spPr>
+        </p:pic>
+        <p:sp>
+          <p:nvSpPr>
+            <p:cNvPr id="12" name="Rectangle 11">
+              <a:extLst>
+                <a:ext uri="{FF2B5EF4-FFF2-40B4-BE49-F238E27FC236}">
+                  <a16:creationId xmlns:a16="http://schemas.microsoft.com/office/drawing/2014/main" id="{E42B968D-F207-46B4-A07C-E8F735674CBD}"/>
+                </a:ext>
+              </a:extLst>
+            </p:cNvPr>
+            <p:cNvSpPr/>
+            <p:nvPr/>
+          </p:nvSpPr>
+          <p:spPr>
+            <a:xfrm>
+              <a:off x="3419872" y="1700808"/>
+              <a:ext cx="1228725" cy="1099185"/>
+            </a:xfrm>
+            <a:prstGeom prst="rect">
+              <a:avLst/>
+            </a:prstGeom>
+            <a:noFill/>
+            <a:ln>
+              <a:solidFill>
+                <a:schemeClr val="tx1"/>
+              </a:solidFill>
+            </a:ln>
+          </p:spPr>
+          <p:style>
+            <a:lnRef idx="2">
+              <a:schemeClr val="accent1">
+                <a:shade val="50000"/>
+              </a:schemeClr>
+            </a:lnRef>
+            <a:fillRef idx="1">
+              <a:schemeClr val="accent1"/>
+            </a:fillRef>
+            <a:effectRef idx="0">
+              <a:schemeClr val="accent1"/>
+            </a:effectRef>
+            <a:fontRef idx="minor">
+              <a:schemeClr val="lt1"/>
+            </a:fontRef>
+          </p:style>
+          <p:txBody>
+            <a:bodyPr rot="0" spcFirstLastPara="0" vert="horz" wrap="square" lIns="91440" tIns="45720" rIns="91440" bIns="45720" numCol="1" spcCol="0" rtlCol="0" fromWordArt="0" anchor="b" anchorCtr="0" forceAA="0" compatLnSpc="1">
+              <a:prstTxWarp prst="textNoShape">
+                <a:avLst/>
+              </a:prstTxWarp>
+              <a:noAutofit/>
+            </a:bodyPr>
+            <a:lstStyle/>
+            <a:p>
+              <a:pPr algn="ctr"/>
+              <a:r>
+                <a:rPr lang="en-US" sz="1600" dirty="0">
+                  <a:solidFill>
+                    <a:schemeClr val="tx1"/>
+                  </a:solidFill>
+                </a:rPr>
+                <a:t>OAUTH2.0</a:t>
+              </a:r>
+            </a:p>
+          </p:txBody>
+        </p:sp>
+      </p:grpSp>
+      <p:cxnSp>
+        <p:nvCxnSpPr>
+          <p:cNvPr id="17" name="Connecteur : en angle 16">
+            <a:extLst>
+              <a:ext uri="{FF2B5EF4-FFF2-40B4-BE49-F238E27FC236}">
+                <a16:creationId xmlns:a16="http://schemas.microsoft.com/office/drawing/2014/main" id="{5AABE693-5528-4D9A-B7CA-BADCFE5D86FD}"/>
+              </a:ext>
+            </a:extLst>
+          </p:cNvPr>
+          <p:cNvCxnSpPr>
+            <a:stCxn id="8" idx="1"/>
+            <a:endCxn id="12" idx="1"/>
+          </p:cNvCxnSpPr>
+          <p:nvPr/>
+        </p:nvCxnSpPr>
+        <p:spPr>
+          <a:xfrm rot="10800000">
+            <a:off x="4073949" y="894678"/>
+            <a:ext cx="11263" cy="4303776"/>
+          </a:xfrm>
+          <a:prstGeom prst="bentConnector3">
+            <a:avLst>
+              <a:gd name="adj1" fmla="val 3897709"/>
+            </a:avLst>
+          </a:prstGeom>
+          <a:ln>
+            <a:solidFill>
+              <a:schemeClr val="tx1"/>
+            </a:solidFill>
+            <a:headEnd type="triangle"/>
+            <a:tailEnd type="triangle"/>
+          </a:ln>
+        </p:spPr>
+        <p:style>
+          <a:lnRef idx="1">
+            <a:schemeClr val="accent1"/>
+          </a:lnRef>
+          <a:fillRef idx="0">
+            <a:schemeClr val="accent1"/>
+          </a:fillRef>
+          <a:effectRef idx="0">
+            <a:schemeClr val="accent1"/>
+          </a:effectRef>
+          <a:fontRef idx="minor">
+            <a:schemeClr val="tx1"/>
+          </a:fontRef>
+        </p:style>
+      </p:cxnSp>
+      <p:sp>
+        <p:nvSpPr>
+          <p:cNvPr id="19" name="Flowchart: Connector 48">
+            <a:extLst>
+              <a:ext uri="{FF2B5EF4-FFF2-40B4-BE49-F238E27FC236}">
+                <a16:creationId xmlns:a16="http://schemas.microsoft.com/office/drawing/2014/main" id="{FB13C4FA-342C-485B-8024-D372E1759A3F}"/>
+              </a:ext>
+            </a:extLst>
+          </p:cNvPr>
+          <p:cNvSpPr>
+            <a:spLocks noChangeAspect="1"/>
+          </p:cNvSpPr>
+          <p:nvPr/>
+        </p:nvSpPr>
+        <p:spPr>
+          <a:xfrm>
+            <a:off x="3560733" y="2960860"/>
+            <a:ext cx="171409" cy="171409"/>
+          </a:xfrm>
+          <a:prstGeom prst="flowChartConnector">
+            <a:avLst/>
+          </a:prstGeom>
+          <a:solidFill>
+            <a:schemeClr val="tx1"/>
+          </a:solidFill>
+          <a:ln>
+            <a:solidFill>
+              <a:schemeClr val="tx1"/>
+            </a:solidFill>
+          </a:ln>
+        </p:spPr>
+        <p:style>
+          <a:lnRef idx="2">
+            <a:schemeClr val="accent1">
+              <a:shade val="50000"/>
+            </a:schemeClr>
+          </a:lnRef>
+          <a:fillRef idx="1">
+            <a:schemeClr val="accent1"/>
+          </a:fillRef>
+          <a:effectRef idx="0">
+            <a:schemeClr val="accent1"/>
+          </a:effectRef>
+          <a:fontRef idx="minor">
+            <a:schemeClr val="lt1"/>
+          </a:fontRef>
+        </p:style>
+        <p:txBody>
+          <a:bodyPr rtlCol="0" anchor="ctr"/>
+          <a:lstStyle>
+            <a:defPPr>
+              <a:defRPr lang="en-US"/>
+            </a:defPPr>
+            <a:lvl1pPr marL="0" algn="l" defTabSz="914400" rtl="0" eaLnBrk="1" latinLnBrk="0" hangingPunct="1">
+              <a:defRPr sz="1800" kern="1200">
+                <a:solidFill>
+                  <a:schemeClr val="lt1"/>
+                </a:solidFill>
+                <a:latin typeface="+mn-lt"/>
+                <a:ea typeface="+mn-ea"/>
+                <a:cs typeface="+mn-cs"/>
+              </a:defRPr>
+            </a:lvl1pPr>
+            <a:lvl2pPr marL="457200" algn="l" defTabSz="914400" rtl="0" eaLnBrk="1" latinLnBrk="0" hangingPunct="1">
+              <a:defRPr sz="1800" kern="1200">
+                <a:solidFill>
+                  <a:schemeClr val="lt1"/>
+                </a:solidFill>
+                <a:latin typeface="+mn-lt"/>
+                <a:ea typeface="+mn-ea"/>
+                <a:cs typeface="+mn-cs"/>
+              </a:defRPr>
+            </a:lvl2pPr>
+            <a:lvl3pPr marL="914400" algn="l" defTabSz="914400" rtl="0" eaLnBrk="1" latinLnBrk="0" hangingPunct="1">
+              <a:defRPr sz="1800" kern="1200">
+                <a:solidFill>
+                  <a:schemeClr val="lt1"/>
+                </a:solidFill>
+                <a:latin typeface="+mn-lt"/>
+                <a:ea typeface="+mn-ea"/>
+                <a:cs typeface="+mn-cs"/>
+              </a:defRPr>
+            </a:lvl3pPr>
+            <a:lvl4pPr marL="1371600" algn="l" defTabSz="914400" rtl="0" eaLnBrk="1" latinLnBrk="0" hangingPunct="1">
+              <a:defRPr sz="1800" kern="1200">
+                <a:solidFill>
+                  <a:schemeClr val="lt1"/>
+                </a:solidFill>
+                <a:latin typeface="+mn-lt"/>
+                <a:ea typeface="+mn-ea"/>
+                <a:cs typeface="+mn-cs"/>
+              </a:defRPr>
+            </a:lvl4pPr>
+            <a:lvl5pPr marL="1828800" algn="l" defTabSz="914400" rtl="0" eaLnBrk="1" latinLnBrk="0" hangingPunct="1">
+              <a:defRPr sz="1800" kern="1200">
+                <a:solidFill>
+                  <a:schemeClr val="lt1"/>
+                </a:solidFill>
+                <a:latin typeface="+mn-lt"/>
+                <a:ea typeface="+mn-ea"/>
+                <a:cs typeface="+mn-cs"/>
+              </a:defRPr>
+            </a:lvl5pPr>
+            <a:lvl6pPr marL="2286000" algn="l" defTabSz="914400" rtl="0" eaLnBrk="1" latinLnBrk="0" hangingPunct="1">
+              <a:defRPr sz="1800" kern="1200">
+                <a:solidFill>
+                  <a:schemeClr val="lt1"/>
+                </a:solidFill>
+                <a:latin typeface="+mn-lt"/>
+                <a:ea typeface="+mn-ea"/>
+                <a:cs typeface="+mn-cs"/>
+              </a:defRPr>
+            </a:lvl6pPr>
+            <a:lvl7pPr marL="2743200" algn="l" defTabSz="914400" rtl="0" eaLnBrk="1" latinLnBrk="0" hangingPunct="1">
+              <a:defRPr sz="1800" kern="1200">
+                <a:solidFill>
+                  <a:schemeClr val="lt1"/>
+                </a:solidFill>
+                <a:latin typeface="+mn-lt"/>
+                <a:ea typeface="+mn-ea"/>
+                <a:cs typeface="+mn-cs"/>
+              </a:defRPr>
+            </a:lvl7pPr>
+            <a:lvl8pPr marL="3200400" algn="l" defTabSz="914400" rtl="0" eaLnBrk="1" latinLnBrk="0" hangingPunct="1">
+              <a:defRPr sz="1800" kern="1200">
+                <a:solidFill>
+                  <a:schemeClr val="lt1"/>
+                </a:solidFill>
+                <a:latin typeface="+mn-lt"/>
+                <a:ea typeface="+mn-ea"/>
+                <a:cs typeface="+mn-cs"/>
+              </a:defRPr>
+            </a:lvl8pPr>
+            <a:lvl9pPr marL="3657600" algn="l" defTabSz="914400" rtl="0" eaLnBrk="1" latinLnBrk="0" hangingPunct="1">
+              <a:defRPr sz="1800" kern="1200">
+                <a:solidFill>
+                  <a:schemeClr val="lt1"/>
+                </a:solidFill>
+                <a:latin typeface="+mn-lt"/>
+                <a:ea typeface="+mn-ea"/>
+                <a:cs typeface="+mn-cs"/>
+              </a:defRPr>
+            </a:lvl9pPr>
+          </a:lstStyle>
+          <a:p>
+            <a:pPr algn="ctr"/>
+            <a:r>
+              <a:rPr lang="en-US" sz="1200" b="1" dirty="0"/>
+              <a:t>1</a:t>
+            </a:r>
+            <a:endParaRPr lang="en-US" b="1" dirty="0"/>
+          </a:p>
+        </p:txBody>
+      </p:sp>
+      <p:sp>
+        <p:nvSpPr>
+          <p:cNvPr id="21" name="TextBox 64">
+            <a:extLst>
+              <a:ext uri="{FF2B5EF4-FFF2-40B4-BE49-F238E27FC236}">
+                <a16:creationId xmlns:a16="http://schemas.microsoft.com/office/drawing/2014/main" id="{FE18CAA1-6848-4DFE-A041-93A7BF8F1897}"/>
+              </a:ext>
+            </a:extLst>
+          </p:cNvPr>
+          <p:cNvSpPr txBox="1"/>
+          <p:nvPr/>
+        </p:nvSpPr>
+        <p:spPr>
+          <a:xfrm>
+            <a:off x="2060997" y="3079401"/>
+            <a:ext cx="1769893" cy="1015663"/>
+          </a:xfrm>
+          <a:prstGeom prst="rect">
+            <a:avLst/>
+          </a:prstGeom>
+          <a:noFill/>
+        </p:spPr>
+        <p:txBody>
+          <a:bodyPr wrap="square" rtlCol="0">
+            <a:spAutoFit/>
+          </a:bodyPr>
+          <a:lstStyle/>
+          <a:p>
+            <a:r>
+              <a:rPr lang="en-US" sz="1200" dirty="0"/>
+              <a:t>Use </a:t>
+            </a:r>
+            <a:r>
+              <a:rPr lang="en-US" sz="1200" dirty="0" err="1"/>
+              <a:t>client_credentials</a:t>
+            </a:r>
+            <a:r>
+              <a:rPr lang="en-US" sz="1200" dirty="0"/>
+              <a:t> grant-type to get an access token </a:t>
+            </a:r>
+            <a:r>
+              <a:rPr lang="en-US" sz="1200" dirty="0" err="1"/>
+              <a:t>valids</a:t>
+            </a:r>
+            <a:r>
+              <a:rPr lang="en-US" sz="1200" dirty="0"/>
+              <a:t> on the scopes </a:t>
+            </a:r>
+            <a:r>
+              <a:rPr lang="en-US" sz="1200" dirty="0" err="1"/>
+              <a:t>get_user</a:t>
+            </a:r>
+            <a:r>
+              <a:rPr lang="en-US" sz="1200" dirty="0"/>
+              <a:t> and </a:t>
+            </a:r>
+            <a:r>
+              <a:rPr lang="en-US" sz="1200" dirty="0" err="1"/>
+              <a:t>add_user</a:t>
+            </a:r>
+            <a:endParaRPr lang="en-US" sz="1200" dirty="0"/>
+          </a:p>
+        </p:txBody>
+      </p:sp>
+      <p:cxnSp>
+        <p:nvCxnSpPr>
+          <p:cNvPr id="23" name="Connecteur droit avec flèche 22">
+            <a:extLst>
+              <a:ext uri="{FF2B5EF4-FFF2-40B4-BE49-F238E27FC236}">
+                <a16:creationId xmlns:a16="http://schemas.microsoft.com/office/drawing/2014/main" id="{DC4877C9-2D0E-4612-8CDA-EA32AFC6E6C1}"/>
+              </a:ext>
+            </a:extLst>
+          </p:cNvPr>
+          <p:cNvCxnSpPr>
+            <a:stCxn id="8" idx="0"/>
+            <a:endCxn id="5" idx="2"/>
+          </p:cNvCxnSpPr>
+          <p:nvPr/>
+        </p:nvCxnSpPr>
+        <p:spPr>
+          <a:xfrm flipV="1">
+            <a:off x="4699574" y="3596158"/>
+            <a:ext cx="0" cy="1052703"/>
+          </a:xfrm>
+          <a:prstGeom prst="straightConnector1">
+            <a:avLst/>
+          </a:prstGeom>
+          <a:ln>
+            <a:solidFill>
+              <a:schemeClr val="tx1"/>
+            </a:solidFill>
+            <a:headEnd type="triangle"/>
+            <a:tailEnd type="triangle"/>
+          </a:ln>
+        </p:spPr>
+        <p:style>
+          <a:lnRef idx="1">
+            <a:schemeClr val="accent1"/>
+          </a:lnRef>
+          <a:fillRef idx="0">
+            <a:schemeClr val="accent1"/>
+          </a:fillRef>
+          <a:effectRef idx="0">
+            <a:schemeClr val="accent1"/>
+          </a:effectRef>
+          <a:fontRef idx="minor">
+            <a:schemeClr val="tx1"/>
+          </a:fontRef>
+        </p:style>
+      </p:cxnSp>
+      <p:sp>
+        <p:nvSpPr>
+          <p:cNvPr id="24" name="Flowchart: Connector 48">
+            <a:extLst>
+              <a:ext uri="{FF2B5EF4-FFF2-40B4-BE49-F238E27FC236}">
+                <a16:creationId xmlns:a16="http://schemas.microsoft.com/office/drawing/2014/main" id="{8ADDAD05-D4CC-4683-A439-0234048FFE59}"/>
+              </a:ext>
+            </a:extLst>
+          </p:cNvPr>
+          <p:cNvSpPr>
+            <a:spLocks noChangeAspect="1"/>
+          </p:cNvSpPr>
+          <p:nvPr/>
+        </p:nvSpPr>
+        <p:spPr>
+          <a:xfrm>
+            <a:off x="4613868" y="4045409"/>
+            <a:ext cx="171409" cy="171409"/>
+          </a:xfrm>
+          <a:prstGeom prst="flowChartConnector">
+            <a:avLst/>
+          </a:prstGeom>
+          <a:solidFill>
+            <a:schemeClr val="tx1"/>
+          </a:solidFill>
+          <a:ln>
+            <a:solidFill>
+              <a:schemeClr val="tx1"/>
+            </a:solidFill>
+          </a:ln>
+        </p:spPr>
+        <p:style>
+          <a:lnRef idx="2">
+            <a:schemeClr val="accent1">
+              <a:shade val="50000"/>
+            </a:schemeClr>
+          </a:lnRef>
+          <a:fillRef idx="1">
+            <a:schemeClr val="accent1"/>
+          </a:fillRef>
+          <a:effectRef idx="0">
+            <a:schemeClr val="accent1"/>
+          </a:effectRef>
+          <a:fontRef idx="minor">
+            <a:schemeClr val="lt1"/>
+          </a:fontRef>
+        </p:style>
+        <p:txBody>
+          <a:bodyPr rtlCol="0" anchor="ctr"/>
+          <a:lstStyle>
+            <a:defPPr>
+              <a:defRPr lang="en-US"/>
+            </a:defPPr>
+            <a:lvl1pPr marL="0" algn="l" defTabSz="914400" rtl="0" eaLnBrk="1" latinLnBrk="0" hangingPunct="1">
+              <a:defRPr sz="1800" kern="1200">
+                <a:solidFill>
+                  <a:schemeClr val="lt1"/>
+                </a:solidFill>
+                <a:latin typeface="+mn-lt"/>
+                <a:ea typeface="+mn-ea"/>
+                <a:cs typeface="+mn-cs"/>
+              </a:defRPr>
+            </a:lvl1pPr>
+            <a:lvl2pPr marL="457200" algn="l" defTabSz="914400" rtl="0" eaLnBrk="1" latinLnBrk="0" hangingPunct="1">
+              <a:defRPr sz="1800" kern="1200">
+                <a:solidFill>
+                  <a:schemeClr val="lt1"/>
+                </a:solidFill>
+                <a:latin typeface="+mn-lt"/>
+                <a:ea typeface="+mn-ea"/>
+                <a:cs typeface="+mn-cs"/>
+              </a:defRPr>
+            </a:lvl2pPr>
+            <a:lvl3pPr marL="914400" algn="l" defTabSz="914400" rtl="0" eaLnBrk="1" latinLnBrk="0" hangingPunct="1">
+              <a:defRPr sz="1800" kern="1200">
+                <a:solidFill>
+                  <a:schemeClr val="lt1"/>
+                </a:solidFill>
+                <a:latin typeface="+mn-lt"/>
+                <a:ea typeface="+mn-ea"/>
+                <a:cs typeface="+mn-cs"/>
+              </a:defRPr>
+            </a:lvl3pPr>
+            <a:lvl4pPr marL="1371600" algn="l" defTabSz="914400" rtl="0" eaLnBrk="1" latinLnBrk="0" hangingPunct="1">
+              <a:defRPr sz="1800" kern="1200">
+                <a:solidFill>
+                  <a:schemeClr val="lt1"/>
+                </a:solidFill>
+                <a:latin typeface="+mn-lt"/>
+                <a:ea typeface="+mn-ea"/>
+                <a:cs typeface="+mn-cs"/>
+              </a:defRPr>
+            </a:lvl4pPr>
+            <a:lvl5pPr marL="1828800" algn="l" defTabSz="914400" rtl="0" eaLnBrk="1" latinLnBrk="0" hangingPunct="1">
+              <a:defRPr sz="1800" kern="1200">
+                <a:solidFill>
+                  <a:schemeClr val="lt1"/>
+                </a:solidFill>
+                <a:latin typeface="+mn-lt"/>
+                <a:ea typeface="+mn-ea"/>
+                <a:cs typeface="+mn-cs"/>
+              </a:defRPr>
+            </a:lvl5pPr>
+            <a:lvl6pPr marL="2286000" algn="l" defTabSz="914400" rtl="0" eaLnBrk="1" latinLnBrk="0" hangingPunct="1">
+              <a:defRPr sz="1800" kern="1200">
+                <a:solidFill>
+                  <a:schemeClr val="lt1"/>
+                </a:solidFill>
+                <a:latin typeface="+mn-lt"/>
+                <a:ea typeface="+mn-ea"/>
+                <a:cs typeface="+mn-cs"/>
+              </a:defRPr>
+            </a:lvl6pPr>
+            <a:lvl7pPr marL="2743200" algn="l" defTabSz="914400" rtl="0" eaLnBrk="1" latinLnBrk="0" hangingPunct="1">
+              <a:defRPr sz="1800" kern="1200">
+                <a:solidFill>
+                  <a:schemeClr val="lt1"/>
+                </a:solidFill>
+                <a:latin typeface="+mn-lt"/>
+                <a:ea typeface="+mn-ea"/>
+                <a:cs typeface="+mn-cs"/>
+              </a:defRPr>
+            </a:lvl7pPr>
+            <a:lvl8pPr marL="3200400" algn="l" defTabSz="914400" rtl="0" eaLnBrk="1" latinLnBrk="0" hangingPunct="1">
+              <a:defRPr sz="1800" kern="1200">
+                <a:solidFill>
+                  <a:schemeClr val="lt1"/>
+                </a:solidFill>
+                <a:latin typeface="+mn-lt"/>
+                <a:ea typeface="+mn-ea"/>
+                <a:cs typeface="+mn-cs"/>
+              </a:defRPr>
+            </a:lvl8pPr>
+            <a:lvl9pPr marL="3657600" algn="l" defTabSz="914400" rtl="0" eaLnBrk="1" latinLnBrk="0" hangingPunct="1">
+              <a:defRPr sz="1800" kern="1200">
+                <a:solidFill>
+                  <a:schemeClr val="lt1"/>
+                </a:solidFill>
+                <a:latin typeface="+mn-lt"/>
+                <a:ea typeface="+mn-ea"/>
+                <a:cs typeface="+mn-cs"/>
+              </a:defRPr>
+            </a:lvl9pPr>
+          </a:lstStyle>
+          <a:p>
+            <a:pPr algn="ctr"/>
+            <a:r>
+              <a:rPr lang="en-US" sz="1200" b="1" dirty="0"/>
+              <a:t>2</a:t>
+            </a:r>
+            <a:endParaRPr lang="en-US" b="1" dirty="0"/>
+          </a:p>
+        </p:txBody>
+      </p:sp>
+      <p:sp>
+        <p:nvSpPr>
+          <p:cNvPr id="25" name="TextBox 64">
+            <a:extLst>
+              <a:ext uri="{FF2B5EF4-FFF2-40B4-BE49-F238E27FC236}">
+                <a16:creationId xmlns:a16="http://schemas.microsoft.com/office/drawing/2014/main" id="{D8C7344B-4682-46FD-B5FD-3FB6BE4C5083}"/>
+              </a:ext>
+            </a:extLst>
+          </p:cNvPr>
+          <p:cNvSpPr txBox="1"/>
+          <p:nvPr/>
+        </p:nvSpPr>
+        <p:spPr>
+          <a:xfrm>
+            <a:off x="4876329" y="3614677"/>
+            <a:ext cx="1769893" cy="646331"/>
+          </a:xfrm>
+          <a:prstGeom prst="rect">
+            <a:avLst/>
+          </a:prstGeom>
+          <a:noFill/>
+        </p:spPr>
+        <p:txBody>
+          <a:bodyPr wrap="square" rtlCol="0">
+            <a:spAutoFit/>
+          </a:bodyPr>
+          <a:lstStyle/>
+          <a:p>
+            <a:r>
+              <a:rPr lang="en-US" sz="1200" dirty="0"/>
+              <a:t>Pass the access token in the Authorization header to get and </a:t>
+            </a:r>
+            <a:r>
+              <a:rPr lang="en-US" sz="1200"/>
+              <a:t>add users.</a:t>
+            </a:r>
+            <a:endParaRPr lang="en-US" sz="1200" dirty="0"/>
+          </a:p>
+        </p:txBody>
+      </p:sp>
+    </p:spTree>
+    <p:extLst>
+      <p:ext uri="{BB962C8B-B14F-4D97-AF65-F5344CB8AC3E}">
+        <p14:creationId xmlns:p14="http://schemas.microsoft.com/office/powerpoint/2010/main" val="2764307213"/>
+      </p:ext>
+    </p:extLst>
+  </p:cSld>
+  <p:clrMapOvr>
+    <a:masterClrMapping/>
+  </p:clrMapOvr>
+</p:sld>
+</file>
+
 <file path=ppt/theme/theme1.xml><?xml version="1.0" encoding="utf-8"?>
 <a:theme xmlns:a="http://schemas.openxmlformats.org/drawingml/2006/main" name="Thème Office">
   <a:themeElements>

--- a/Schemas.pptx
+++ b/Schemas.pptx
@@ -12,6 +12,11 @@
     <p:sldId id="260" r:id="rId6"/>
     <p:sldId id="261" r:id="rId7"/>
     <p:sldId id="262" r:id="rId8"/>
+    <p:sldId id="263" r:id="rId9"/>
+    <p:sldId id="264" r:id="rId10"/>
+    <p:sldId id="265" r:id="rId11"/>
+    <p:sldId id="266" r:id="rId12"/>
+    <p:sldId id="267" r:id="rId13"/>
   </p:sldIdLst>
   <p:sldSz cx="12192000" cy="6858000"/>
   <p:notesSz cx="6858000" cy="9144000"/>
@@ -112,7 +117,18 @@
   </p:defaultTextStyle>
   <p:extLst>
     <p:ext uri="{EFAFB233-063F-42B5-8137-9DF3F51BA10A}">
-      <p15:sldGuideLst xmlns:p15="http://schemas.microsoft.com/office/powerpoint/2012/main"/>
+      <p15:sldGuideLst xmlns:p15="http://schemas.microsoft.com/office/powerpoint/2012/main">
+        <p15:guide id="1" orient="horz" pos="2160">
+          <p15:clr>
+            <a:srgbClr val="A4A3A4"/>
+          </p15:clr>
+        </p15:guide>
+        <p15:guide id="2" pos="3840">
+          <p15:clr>
+            <a:srgbClr val="A4A3A4"/>
+          </p15:clr>
+        </p15:guide>
+      </p15:sldGuideLst>
     </p:ext>
   </p:extLst>
 </p:presentation>
@@ -267,7 +283,7 @@
           <a:p>
             <a:fld id="{B57FDF2F-3811-43EF-B385-B34B7A385512}" type="datetimeFigureOut">
               <a:rPr lang="fr-BE" smtClean="0"/>
-              <a:t>01-11-19</a:t>
+              <a:t>05-11-19</a:t>
             </a:fld>
             <a:endParaRPr lang="fr-BE"/>
           </a:p>
@@ -467,7 +483,7 @@
           <a:p>
             <a:fld id="{B57FDF2F-3811-43EF-B385-B34B7A385512}" type="datetimeFigureOut">
               <a:rPr lang="fr-BE" smtClean="0"/>
-              <a:t>01-11-19</a:t>
+              <a:t>05-11-19</a:t>
             </a:fld>
             <a:endParaRPr lang="fr-BE"/>
           </a:p>
@@ -677,7 +693,7 @@
           <a:p>
             <a:fld id="{B57FDF2F-3811-43EF-B385-B34B7A385512}" type="datetimeFigureOut">
               <a:rPr lang="fr-BE" smtClean="0"/>
-              <a:t>01-11-19</a:t>
+              <a:t>05-11-19</a:t>
             </a:fld>
             <a:endParaRPr lang="fr-BE"/>
           </a:p>
@@ -877,7 +893,7 @@
           <a:p>
             <a:fld id="{B57FDF2F-3811-43EF-B385-B34B7A385512}" type="datetimeFigureOut">
               <a:rPr lang="fr-BE" smtClean="0"/>
-              <a:t>01-11-19</a:t>
+              <a:t>05-11-19</a:t>
             </a:fld>
             <a:endParaRPr lang="fr-BE"/>
           </a:p>
@@ -1153,7 +1169,7 @@
           <a:p>
             <a:fld id="{B57FDF2F-3811-43EF-B385-B34B7A385512}" type="datetimeFigureOut">
               <a:rPr lang="fr-BE" smtClean="0"/>
-              <a:t>01-11-19</a:t>
+              <a:t>05-11-19</a:t>
             </a:fld>
             <a:endParaRPr lang="fr-BE"/>
           </a:p>
@@ -1421,7 +1437,7 @@
           <a:p>
             <a:fld id="{B57FDF2F-3811-43EF-B385-B34B7A385512}" type="datetimeFigureOut">
               <a:rPr lang="fr-BE" smtClean="0"/>
-              <a:t>01-11-19</a:t>
+              <a:t>05-11-19</a:t>
             </a:fld>
             <a:endParaRPr lang="fr-BE"/>
           </a:p>
@@ -1836,7 +1852,7 @@
           <a:p>
             <a:fld id="{B57FDF2F-3811-43EF-B385-B34B7A385512}" type="datetimeFigureOut">
               <a:rPr lang="fr-BE" smtClean="0"/>
-              <a:t>01-11-19</a:t>
+              <a:t>05-11-19</a:t>
             </a:fld>
             <a:endParaRPr lang="fr-BE"/>
           </a:p>
@@ -1978,7 +1994,7 @@
           <a:p>
             <a:fld id="{B57FDF2F-3811-43EF-B385-B34B7A385512}" type="datetimeFigureOut">
               <a:rPr lang="fr-BE" smtClean="0"/>
-              <a:t>01-11-19</a:t>
+              <a:t>05-11-19</a:t>
             </a:fld>
             <a:endParaRPr lang="fr-BE"/>
           </a:p>
@@ -2091,7 +2107,7 @@
           <a:p>
             <a:fld id="{B57FDF2F-3811-43EF-B385-B34B7A385512}" type="datetimeFigureOut">
               <a:rPr lang="fr-BE" smtClean="0"/>
-              <a:t>01-11-19</a:t>
+              <a:t>05-11-19</a:t>
             </a:fld>
             <a:endParaRPr lang="fr-BE"/>
           </a:p>
@@ -2404,7 +2420,7 @@
           <a:p>
             <a:fld id="{B57FDF2F-3811-43EF-B385-B34B7A385512}" type="datetimeFigureOut">
               <a:rPr lang="fr-BE" smtClean="0"/>
-              <a:t>01-11-19</a:t>
+              <a:t>05-11-19</a:t>
             </a:fld>
             <a:endParaRPr lang="fr-BE"/>
           </a:p>
@@ -2693,7 +2709,7 @@
           <a:p>
             <a:fld id="{B57FDF2F-3811-43EF-B385-B34B7A385512}" type="datetimeFigureOut">
               <a:rPr lang="fr-BE" smtClean="0"/>
-              <a:t>01-11-19</a:t>
+              <a:t>05-11-19</a:t>
             </a:fld>
             <a:endParaRPr lang="fr-BE"/>
           </a:p>
@@ -2936,7 +2952,7 @@
           <a:p>
             <a:fld id="{B57FDF2F-3811-43EF-B385-B34B7A385512}" type="datetimeFigureOut">
               <a:rPr lang="fr-BE" smtClean="0"/>
-              <a:t>01-11-19</a:t>
+              <a:t>05-11-19</a:t>
             </a:fld>
             <a:endParaRPr lang="fr-BE"/>
           </a:p>
@@ -3708,7 +3724,7 @@
             <p:nvPr/>
           </p:nvPicPr>
           <p:blipFill>
-            <a:blip r:embed="rId4">
+            <a:blip r:embed="rId4" cstate="print">
               <a:extLst>
                 <a:ext uri="{28A0092B-C50C-407E-A947-70E740481C1C}">
                   <a14:useLocalDpi xmlns:a14="http://schemas.microsoft.com/office/drawing/2010/main" val="0"/>
@@ -3840,7 +3856,7 @@
             <p:nvPr/>
           </p:nvPicPr>
           <p:blipFill>
-            <a:blip r:embed="rId4">
+            <a:blip r:embed="rId4" cstate="print">
               <a:extLst>
                 <a:ext uri="{28A0092B-C50C-407E-A947-70E740481C1C}">
                   <a14:useLocalDpi xmlns:a14="http://schemas.microsoft.com/office/drawing/2010/main" val="0"/>
@@ -3877,6 +3893,3240 @@
     <p:extLst>
       <p:ext uri="{BB962C8B-B14F-4D97-AF65-F5344CB8AC3E}">
         <p14:creationId xmlns:p14="http://schemas.microsoft.com/office/powerpoint/2010/main" val="1593836682"/>
+      </p:ext>
+    </p:extLst>
+  </p:cSld>
+  <p:clrMapOvr>
+    <a:masterClrMapping/>
+  </p:clrMapOvr>
+</p:sld>
+</file>
+
+<file path=ppt/slides/slide10.xml><?xml version="1.0" encoding="utf-8"?>
+<p:sld xmlns:a="http://schemas.openxmlformats.org/drawingml/2006/main" xmlns:r="http://schemas.openxmlformats.org/officeDocument/2006/relationships" xmlns:p="http://schemas.openxmlformats.org/presentationml/2006/main">
+  <p:cSld>
+    <p:spTree>
+      <p:nvGrpSpPr>
+        <p:cNvPr id="1" name=""/>
+        <p:cNvGrpSpPr/>
+        <p:nvPr/>
+      </p:nvGrpSpPr>
+      <p:grpSpPr>
+        <a:xfrm>
+          <a:off x="0" y="0"/>
+          <a:ext cx="0" cy="0"/>
+          <a:chOff x="0" y="0"/>
+          <a:chExt cx="0" cy="0"/>
+        </a:xfrm>
+      </p:grpSpPr>
+      <p:cxnSp>
+        <p:nvCxnSpPr>
+          <p:cNvPr id="15" name="Connecteur droit avec flèche 14">
+            <a:extLst>
+              <a:ext uri="{FF2B5EF4-FFF2-40B4-BE49-F238E27FC236}">
+                <a16:creationId xmlns:a16="http://schemas.microsoft.com/office/drawing/2014/main" id="{5C19A7F5-98BF-4AB0-B451-F14F27977CCB}"/>
+              </a:ext>
+            </a:extLst>
+          </p:cNvPr>
+          <p:cNvCxnSpPr>
+            <a:cxnSpLocks/>
+          </p:cNvCxnSpPr>
+          <p:nvPr/>
+        </p:nvCxnSpPr>
+        <p:spPr>
+          <a:xfrm flipH="1">
+            <a:off x="4879975" y="2337871"/>
+            <a:ext cx="1" cy="1369338"/>
+          </a:xfrm>
+          <a:prstGeom prst="straightConnector1">
+            <a:avLst/>
+          </a:prstGeom>
+          <a:ln>
+            <a:solidFill>
+              <a:schemeClr val="tx1"/>
+            </a:solidFill>
+            <a:tailEnd type="triangle"/>
+          </a:ln>
+        </p:spPr>
+        <p:style>
+          <a:lnRef idx="1">
+            <a:schemeClr val="accent1"/>
+          </a:lnRef>
+          <a:fillRef idx="0">
+            <a:schemeClr val="accent1"/>
+          </a:fillRef>
+          <a:effectRef idx="0">
+            <a:schemeClr val="accent1"/>
+          </a:effectRef>
+          <a:fontRef idx="minor">
+            <a:schemeClr val="tx1"/>
+          </a:fontRef>
+        </p:style>
+      </p:cxnSp>
+      <p:cxnSp>
+        <p:nvCxnSpPr>
+          <p:cNvPr id="12" name="Connecteur : en angle 11">
+            <a:extLst>
+              <a:ext uri="{FF2B5EF4-FFF2-40B4-BE49-F238E27FC236}">
+                <a16:creationId xmlns:a16="http://schemas.microsoft.com/office/drawing/2014/main" id="{7ADE0B2E-6C24-4C24-995F-1D8C8688E6D3}"/>
+              </a:ext>
+            </a:extLst>
+          </p:cNvPr>
+          <p:cNvCxnSpPr>
+            <a:cxnSpLocks/>
+            <a:endCxn id="8" idx="1"/>
+          </p:cNvCxnSpPr>
+          <p:nvPr/>
+        </p:nvCxnSpPr>
+        <p:spPr>
+          <a:xfrm rot="16200000" flipV="1">
+            <a:off x="3630219" y="3025335"/>
+            <a:ext cx="2486812" cy="12700"/>
+          </a:xfrm>
+          <a:prstGeom prst="bentConnector4">
+            <a:avLst>
+              <a:gd name="adj1" fmla="val -67"/>
+              <a:gd name="adj2" fmla="val 10300000"/>
+            </a:avLst>
+          </a:prstGeom>
+          <a:ln>
+            <a:solidFill>
+              <a:schemeClr val="tx1"/>
+            </a:solidFill>
+            <a:tailEnd type="triangle"/>
+          </a:ln>
+        </p:spPr>
+        <p:style>
+          <a:lnRef idx="1">
+            <a:schemeClr val="accent1"/>
+          </a:lnRef>
+          <a:fillRef idx="0">
+            <a:schemeClr val="accent1"/>
+          </a:fillRef>
+          <a:effectRef idx="0">
+            <a:schemeClr val="accent1"/>
+          </a:effectRef>
+          <a:fontRef idx="minor">
+            <a:schemeClr val="tx1"/>
+          </a:fontRef>
+        </p:style>
+      </p:cxnSp>
+      <p:grpSp>
+        <p:nvGrpSpPr>
+          <p:cNvPr id="4" name="Groupe 3">
+            <a:extLst>
+              <a:ext uri="{FF2B5EF4-FFF2-40B4-BE49-F238E27FC236}">
+                <a16:creationId xmlns:a16="http://schemas.microsoft.com/office/drawing/2014/main" id="{E93555BA-159A-4C25-A803-B050FBEDEA5B}"/>
+              </a:ext>
+            </a:extLst>
+          </p:cNvPr>
+          <p:cNvGrpSpPr/>
+          <p:nvPr/>
+        </p:nvGrpSpPr>
+        <p:grpSpPr>
+          <a:xfrm>
+            <a:off x="4871382" y="3698490"/>
+            <a:ext cx="1228725" cy="1099185"/>
+            <a:chOff x="4085211" y="2496973"/>
+            <a:chExt cx="1228725" cy="1099185"/>
+          </a:xfrm>
+        </p:grpSpPr>
+        <p:sp>
+          <p:nvSpPr>
+            <p:cNvPr id="5" name="Rectangle 4">
+              <a:extLst>
+                <a:ext uri="{FF2B5EF4-FFF2-40B4-BE49-F238E27FC236}">
+                  <a16:creationId xmlns:a16="http://schemas.microsoft.com/office/drawing/2014/main" id="{EBA0C62C-5E20-4ED9-8ED5-37198725F957}"/>
+                </a:ext>
+              </a:extLst>
+            </p:cNvPr>
+            <p:cNvSpPr/>
+            <p:nvPr/>
+          </p:nvSpPr>
+          <p:spPr>
+            <a:xfrm>
+              <a:off x="4085211" y="2496973"/>
+              <a:ext cx="1228725" cy="1099185"/>
+            </a:xfrm>
+            <a:prstGeom prst="rect">
+              <a:avLst/>
+            </a:prstGeom>
+            <a:noFill/>
+            <a:ln>
+              <a:solidFill>
+                <a:schemeClr val="tx1"/>
+              </a:solidFill>
+            </a:ln>
+          </p:spPr>
+          <p:style>
+            <a:lnRef idx="2">
+              <a:schemeClr val="accent1">
+                <a:shade val="50000"/>
+              </a:schemeClr>
+            </a:lnRef>
+            <a:fillRef idx="1">
+              <a:schemeClr val="accent1"/>
+            </a:fillRef>
+            <a:effectRef idx="0">
+              <a:schemeClr val="accent1"/>
+            </a:effectRef>
+            <a:fontRef idx="minor">
+              <a:schemeClr val="lt1"/>
+            </a:fontRef>
+          </p:style>
+          <p:txBody>
+            <a:bodyPr rot="0" spcFirstLastPara="0" vert="horz" wrap="square" lIns="91440" tIns="45720" rIns="91440" bIns="45720" numCol="1" spcCol="0" rtlCol="0" fromWordArt="0" anchor="b" anchorCtr="0" forceAA="0" compatLnSpc="1">
+              <a:prstTxWarp prst="textNoShape">
+                <a:avLst/>
+              </a:prstTxWarp>
+              <a:noAutofit/>
+            </a:bodyPr>
+            <a:lstStyle/>
+            <a:p>
+              <a:pPr algn="ctr"/>
+              <a:r>
+                <a:rPr lang="en-US" sz="1600" dirty="0">
+                  <a:solidFill>
+                    <a:schemeClr val="tx1"/>
+                  </a:solidFill>
+                </a:rPr>
+                <a:t>Client</a:t>
+              </a:r>
+            </a:p>
+          </p:txBody>
+        </p:sp>
+        <p:pic>
+          <p:nvPicPr>
+            <p:cNvPr id="6" name="Picture 2" descr="Résultat de recherche d'images pour &quot;asp.net core logo svg&quot;&quot;">
+              <a:extLst>
+                <a:ext uri="{FF2B5EF4-FFF2-40B4-BE49-F238E27FC236}">
+                  <a16:creationId xmlns:a16="http://schemas.microsoft.com/office/drawing/2014/main" id="{FF4A9AC6-5EF1-47F2-AD12-76B358F41F4B}"/>
+                </a:ext>
+              </a:extLst>
+            </p:cNvPr>
+            <p:cNvPicPr>
+              <a:picLocks noChangeAspect="1" noChangeArrowheads="1"/>
+            </p:cNvPicPr>
+            <p:nvPr/>
+          </p:nvPicPr>
+          <p:blipFill>
+            <a:blip r:embed="rId2" cstate="print">
+              <a:extLst>
+                <a:ext uri="{28A0092B-C50C-407E-A947-70E740481C1C}">
+                  <a14:useLocalDpi xmlns:a14="http://schemas.microsoft.com/office/drawing/2010/main" val="0"/>
+                </a:ext>
+              </a:extLst>
+            </a:blip>
+            <a:srcRect/>
+            <a:stretch>
+              <a:fillRect/>
+            </a:stretch>
+          </p:blipFill>
+          <p:spPr bwMode="auto">
+            <a:xfrm>
+              <a:off x="4136347" y="2753957"/>
+              <a:ext cx="1103929" cy="292608"/>
+            </a:xfrm>
+            <a:prstGeom prst="rect">
+              <a:avLst/>
+            </a:prstGeom>
+            <a:noFill/>
+            <a:extLst>
+              <a:ext uri="{909E8E84-426E-40DD-AFC4-6F175D3DCCD1}">
+                <a14:hiddenFill xmlns:a14="http://schemas.microsoft.com/office/drawing/2010/main">
+                  <a:solidFill>
+                    <a:srgbClr val="FFFFFF"/>
+                  </a:solidFill>
+                </a14:hiddenFill>
+              </a:ext>
+            </a:extLst>
+          </p:spPr>
+        </p:pic>
+      </p:grpSp>
+      <p:grpSp>
+        <p:nvGrpSpPr>
+          <p:cNvPr id="7" name="Group 1">
+            <a:extLst>
+              <a:ext uri="{FF2B5EF4-FFF2-40B4-BE49-F238E27FC236}">
+                <a16:creationId xmlns:a16="http://schemas.microsoft.com/office/drawing/2014/main" id="{816473FC-662D-4F4C-865C-98229909451D}"/>
+              </a:ext>
+            </a:extLst>
+          </p:cNvPr>
+          <p:cNvGrpSpPr/>
+          <p:nvPr/>
+        </p:nvGrpSpPr>
+        <p:grpSpPr>
+          <a:xfrm>
+            <a:off x="4867275" y="1238686"/>
+            <a:ext cx="1228725" cy="1099185"/>
+            <a:chOff x="3957637" y="2879407"/>
+            <a:chExt cx="1228725" cy="1099185"/>
+          </a:xfrm>
+        </p:grpSpPr>
+        <p:sp>
+          <p:nvSpPr>
+            <p:cNvPr id="8" name="Rectangle 7">
+              <a:extLst>
+                <a:ext uri="{FF2B5EF4-FFF2-40B4-BE49-F238E27FC236}">
+                  <a16:creationId xmlns:a16="http://schemas.microsoft.com/office/drawing/2014/main" id="{9CD8EEA9-AE6E-433C-AC24-7140FC06371F}"/>
+                </a:ext>
+              </a:extLst>
+            </p:cNvPr>
+            <p:cNvSpPr/>
+            <p:nvPr/>
+          </p:nvSpPr>
+          <p:spPr>
+            <a:xfrm>
+              <a:off x="3957637" y="2879407"/>
+              <a:ext cx="1228725" cy="1099185"/>
+            </a:xfrm>
+            <a:prstGeom prst="rect">
+              <a:avLst/>
+            </a:prstGeom>
+            <a:noFill/>
+            <a:ln>
+              <a:solidFill>
+                <a:schemeClr val="tx1"/>
+              </a:solidFill>
+            </a:ln>
+          </p:spPr>
+          <p:style>
+            <a:lnRef idx="2">
+              <a:schemeClr val="accent1">
+                <a:shade val="50000"/>
+              </a:schemeClr>
+            </a:lnRef>
+            <a:fillRef idx="1">
+              <a:schemeClr val="accent1"/>
+            </a:fillRef>
+            <a:effectRef idx="0">
+              <a:schemeClr val="accent1"/>
+            </a:effectRef>
+            <a:fontRef idx="minor">
+              <a:schemeClr val="lt1"/>
+            </a:fontRef>
+          </p:style>
+          <p:txBody>
+            <a:bodyPr rot="0" spcFirstLastPara="0" vert="horz" wrap="square" lIns="91440" tIns="45720" rIns="91440" bIns="45720" numCol="1" spcCol="0" rtlCol="0" fromWordArt="0" anchor="b" anchorCtr="0" forceAA="0" compatLnSpc="1">
+              <a:prstTxWarp prst="textNoShape">
+                <a:avLst/>
+              </a:prstTxWarp>
+              <a:noAutofit/>
+            </a:bodyPr>
+            <a:lstStyle/>
+            <a:p>
+              <a:pPr algn="ctr"/>
+              <a:r>
+                <a:rPr lang="en-US" sz="1600" dirty="0">
+                  <a:solidFill>
+                    <a:schemeClr val="tx1"/>
+                  </a:solidFill>
+                </a:rPr>
+                <a:t>Id Server</a:t>
+              </a:r>
+            </a:p>
+          </p:txBody>
+        </p:sp>
+        <p:pic>
+          <p:nvPicPr>
+            <p:cNvPr id="9" name="Picture 30" descr="C:\Users\TH9628\Desktop\openid-icon-250x250.png">
+              <a:extLst>
+                <a:ext uri="{FF2B5EF4-FFF2-40B4-BE49-F238E27FC236}">
+                  <a16:creationId xmlns:a16="http://schemas.microsoft.com/office/drawing/2014/main" id="{B541231E-73F4-428A-94CD-FE5D5F2D5D5C}"/>
+                </a:ext>
+              </a:extLst>
+            </p:cNvPr>
+            <p:cNvPicPr/>
+            <p:nvPr/>
+          </p:nvPicPr>
+          <p:blipFill>
+            <a:blip r:embed="rId3" cstate="print">
+              <a:extLst>
+                <a:ext uri="{28A0092B-C50C-407E-A947-70E740481C1C}">
+                  <a14:useLocalDpi xmlns:a14="http://schemas.microsoft.com/office/drawing/2010/main" val="0"/>
+                </a:ext>
+              </a:extLst>
+            </a:blip>
+            <a:srcRect/>
+            <a:stretch>
+              <a:fillRect/>
+            </a:stretch>
+          </p:blipFill>
+          <p:spPr bwMode="auto">
+            <a:xfrm>
+              <a:off x="4306748" y="3095431"/>
+              <a:ext cx="514985" cy="514985"/>
+            </a:xfrm>
+            <a:prstGeom prst="rect">
+              <a:avLst/>
+            </a:prstGeom>
+            <a:noFill/>
+            <a:ln>
+              <a:noFill/>
+            </a:ln>
+          </p:spPr>
+        </p:pic>
+      </p:grpSp>
+      <p:sp>
+        <p:nvSpPr>
+          <p:cNvPr id="10" name="Flowchart: Connector 48">
+            <a:extLst>
+              <a:ext uri="{FF2B5EF4-FFF2-40B4-BE49-F238E27FC236}">
+                <a16:creationId xmlns:a16="http://schemas.microsoft.com/office/drawing/2014/main" id="{D9EF85D3-9E8B-47B3-B6AC-B89326659CDF}"/>
+              </a:ext>
+            </a:extLst>
+          </p:cNvPr>
+          <p:cNvSpPr>
+            <a:spLocks noChangeAspect="1"/>
+          </p:cNvSpPr>
+          <p:nvPr/>
+        </p:nvSpPr>
+        <p:spPr>
+          <a:xfrm>
+            <a:off x="3478099" y="2945980"/>
+            <a:ext cx="171409" cy="171409"/>
+          </a:xfrm>
+          <a:prstGeom prst="flowChartConnector">
+            <a:avLst/>
+          </a:prstGeom>
+          <a:solidFill>
+            <a:schemeClr val="tx1"/>
+          </a:solidFill>
+          <a:ln>
+            <a:solidFill>
+              <a:schemeClr val="tx1"/>
+            </a:solidFill>
+          </a:ln>
+        </p:spPr>
+        <p:style>
+          <a:lnRef idx="2">
+            <a:schemeClr val="accent1">
+              <a:shade val="50000"/>
+            </a:schemeClr>
+          </a:lnRef>
+          <a:fillRef idx="1">
+            <a:schemeClr val="accent1"/>
+          </a:fillRef>
+          <a:effectRef idx="0">
+            <a:schemeClr val="accent1"/>
+          </a:effectRef>
+          <a:fontRef idx="minor">
+            <a:schemeClr val="lt1"/>
+          </a:fontRef>
+        </p:style>
+        <p:txBody>
+          <a:bodyPr rtlCol="0" anchor="ctr"/>
+          <a:lstStyle>
+            <a:defPPr>
+              <a:defRPr lang="en-US"/>
+            </a:defPPr>
+            <a:lvl1pPr marL="0" algn="l" defTabSz="914400" rtl="0" eaLnBrk="1" latinLnBrk="0" hangingPunct="1">
+              <a:defRPr sz="1800" kern="1200">
+                <a:solidFill>
+                  <a:schemeClr val="lt1"/>
+                </a:solidFill>
+                <a:latin typeface="+mn-lt"/>
+                <a:ea typeface="+mn-ea"/>
+                <a:cs typeface="+mn-cs"/>
+              </a:defRPr>
+            </a:lvl1pPr>
+            <a:lvl2pPr marL="457200" algn="l" defTabSz="914400" rtl="0" eaLnBrk="1" latinLnBrk="0" hangingPunct="1">
+              <a:defRPr sz="1800" kern="1200">
+                <a:solidFill>
+                  <a:schemeClr val="lt1"/>
+                </a:solidFill>
+                <a:latin typeface="+mn-lt"/>
+                <a:ea typeface="+mn-ea"/>
+                <a:cs typeface="+mn-cs"/>
+              </a:defRPr>
+            </a:lvl2pPr>
+            <a:lvl3pPr marL="914400" algn="l" defTabSz="914400" rtl="0" eaLnBrk="1" latinLnBrk="0" hangingPunct="1">
+              <a:defRPr sz="1800" kern="1200">
+                <a:solidFill>
+                  <a:schemeClr val="lt1"/>
+                </a:solidFill>
+                <a:latin typeface="+mn-lt"/>
+                <a:ea typeface="+mn-ea"/>
+                <a:cs typeface="+mn-cs"/>
+              </a:defRPr>
+            </a:lvl3pPr>
+            <a:lvl4pPr marL="1371600" algn="l" defTabSz="914400" rtl="0" eaLnBrk="1" latinLnBrk="0" hangingPunct="1">
+              <a:defRPr sz="1800" kern="1200">
+                <a:solidFill>
+                  <a:schemeClr val="lt1"/>
+                </a:solidFill>
+                <a:latin typeface="+mn-lt"/>
+                <a:ea typeface="+mn-ea"/>
+                <a:cs typeface="+mn-cs"/>
+              </a:defRPr>
+            </a:lvl4pPr>
+            <a:lvl5pPr marL="1828800" algn="l" defTabSz="914400" rtl="0" eaLnBrk="1" latinLnBrk="0" hangingPunct="1">
+              <a:defRPr sz="1800" kern="1200">
+                <a:solidFill>
+                  <a:schemeClr val="lt1"/>
+                </a:solidFill>
+                <a:latin typeface="+mn-lt"/>
+                <a:ea typeface="+mn-ea"/>
+                <a:cs typeface="+mn-cs"/>
+              </a:defRPr>
+            </a:lvl5pPr>
+            <a:lvl6pPr marL="2286000" algn="l" defTabSz="914400" rtl="0" eaLnBrk="1" latinLnBrk="0" hangingPunct="1">
+              <a:defRPr sz="1800" kern="1200">
+                <a:solidFill>
+                  <a:schemeClr val="lt1"/>
+                </a:solidFill>
+                <a:latin typeface="+mn-lt"/>
+                <a:ea typeface="+mn-ea"/>
+                <a:cs typeface="+mn-cs"/>
+              </a:defRPr>
+            </a:lvl6pPr>
+            <a:lvl7pPr marL="2743200" algn="l" defTabSz="914400" rtl="0" eaLnBrk="1" latinLnBrk="0" hangingPunct="1">
+              <a:defRPr sz="1800" kern="1200">
+                <a:solidFill>
+                  <a:schemeClr val="lt1"/>
+                </a:solidFill>
+                <a:latin typeface="+mn-lt"/>
+                <a:ea typeface="+mn-ea"/>
+                <a:cs typeface="+mn-cs"/>
+              </a:defRPr>
+            </a:lvl7pPr>
+            <a:lvl8pPr marL="3200400" algn="l" defTabSz="914400" rtl="0" eaLnBrk="1" latinLnBrk="0" hangingPunct="1">
+              <a:defRPr sz="1800" kern="1200">
+                <a:solidFill>
+                  <a:schemeClr val="lt1"/>
+                </a:solidFill>
+                <a:latin typeface="+mn-lt"/>
+                <a:ea typeface="+mn-ea"/>
+                <a:cs typeface="+mn-cs"/>
+              </a:defRPr>
+            </a:lvl8pPr>
+            <a:lvl9pPr marL="3657600" algn="l" defTabSz="914400" rtl="0" eaLnBrk="1" latinLnBrk="0" hangingPunct="1">
+              <a:defRPr sz="1800" kern="1200">
+                <a:solidFill>
+                  <a:schemeClr val="lt1"/>
+                </a:solidFill>
+                <a:latin typeface="+mn-lt"/>
+                <a:ea typeface="+mn-ea"/>
+                <a:cs typeface="+mn-cs"/>
+              </a:defRPr>
+            </a:lvl9pPr>
+          </a:lstStyle>
+          <a:p>
+            <a:pPr algn="ctr"/>
+            <a:r>
+              <a:rPr lang="en-US" sz="1200" b="1" dirty="0"/>
+              <a:t>1</a:t>
+            </a:r>
+            <a:endParaRPr lang="en-US" b="1" dirty="0"/>
+          </a:p>
+        </p:txBody>
+      </p:sp>
+      <p:sp>
+        <p:nvSpPr>
+          <p:cNvPr id="11" name="TextBox 64">
+            <a:extLst>
+              <a:ext uri="{FF2B5EF4-FFF2-40B4-BE49-F238E27FC236}">
+                <a16:creationId xmlns:a16="http://schemas.microsoft.com/office/drawing/2014/main" id="{D35E2E70-C8AE-4EFF-A4E2-748FB17A25C5}"/>
+              </a:ext>
+            </a:extLst>
+          </p:cNvPr>
+          <p:cNvSpPr txBox="1"/>
+          <p:nvPr/>
+        </p:nvSpPr>
+        <p:spPr>
+          <a:xfrm>
+            <a:off x="3538635" y="3098559"/>
+            <a:ext cx="1409274" cy="830997"/>
+          </a:xfrm>
+          <a:prstGeom prst="rect">
+            <a:avLst/>
+          </a:prstGeom>
+          <a:noFill/>
+        </p:spPr>
+        <p:txBody>
+          <a:bodyPr wrap="square" rtlCol="0">
+            <a:spAutoFit/>
+          </a:bodyPr>
+          <a:lstStyle/>
+          <a:p>
+            <a:r>
+              <a:rPr lang="en-US" sz="1200" dirty="0"/>
+              <a:t>Use </a:t>
+            </a:r>
+            <a:r>
+              <a:rPr lang="en-US" sz="1200" dirty="0" err="1"/>
+              <a:t>authorization_code</a:t>
+            </a:r>
+            <a:r>
+              <a:rPr lang="en-US" sz="1200" dirty="0"/>
+              <a:t> grant-type to get authorization code</a:t>
+            </a:r>
+          </a:p>
+        </p:txBody>
+      </p:sp>
+      <p:sp>
+        <p:nvSpPr>
+          <p:cNvPr id="13" name="Flowchart: Connector 48">
+            <a:extLst>
+              <a:ext uri="{FF2B5EF4-FFF2-40B4-BE49-F238E27FC236}">
+                <a16:creationId xmlns:a16="http://schemas.microsoft.com/office/drawing/2014/main" id="{F08E7BE5-9387-43FB-86E0-85166836F393}"/>
+              </a:ext>
+            </a:extLst>
+          </p:cNvPr>
+          <p:cNvSpPr>
+            <a:spLocks noChangeAspect="1"/>
+          </p:cNvSpPr>
+          <p:nvPr/>
+        </p:nvSpPr>
+        <p:spPr>
+          <a:xfrm>
+            <a:off x="4787919" y="2878745"/>
+            <a:ext cx="171409" cy="171409"/>
+          </a:xfrm>
+          <a:prstGeom prst="flowChartConnector">
+            <a:avLst/>
+          </a:prstGeom>
+          <a:solidFill>
+            <a:schemeClr val="tx1"/>
+          </a:solidFill>
+          <a:ln>
+            <a:solidFill>
+              <a:schemeClr val="tx1"/>
+            </a:solidFill>
+          </a:ln>
+        </p:spPr>
+        <p:style>
+          <a:lnRef idx="2">
+            <a:schemeClr val="accent1">
+              <a:shade val="50000"/>
+            </a:schemeClr>
+          </a:lnRef>
+          <a:fillRef idx="1">
+            <a:schemeClr val="accent1"/>
+          </a:fillRef>
+          <a:effectRef idx="0">
+            <a:schemeClr val="accent1"/>
+          </a:effectRef>
+          <a:fontRef idx="minor">
+            <a:schemeClr val="lt1"/>
+          </a:fontRef>
+        </p:style>
+        <p:txBody>
+          <a:bodyPr rtlCol="0" anchor="ctr"/>
+          <a:lstStyle>
+            <a:defPPr>
+              <a:defRPr lang="en-US"/>
+            </a:defPPr>
+            <a:lvl1pPr marL="0" algn="l" defTabSz="914400" rtl="0" eaLnBrk="1" latinLnBrk="0" hangingPunct="1">
+              <a:defRPr sz="1800" kern="1200">
+                <a:solidFill>
+                  <a:schemeClr val="lt1"/>
+                </a:solidFill>
+                <a:latin typeface="+mn-lt"/>
+                <a:ea typeface="+mn-ea"/>
+                <a:cs typeface="+mn-cs"/>
+              </a:defRPr>
+            </a:lvl1pPr>
+            <a:lvl2pPr marL="457200" algn="l" defTabSz="914400" rtl="0" eaLnBrk="1" latinLnBrk="0" hangingPunct="1">
+              <a:defRPr sz="1800" kern="1200">
+                <a:solidFill>
+                  <a:schemeClr val="lt1"/>
+                </a:solidFill>
+                <a:latin typeface="+mn-lt"/>
+                <a:ea typeface="+mn-ea"/>
+                <a:cs typeface="+mn-cs"/>
+              </a:defRPr>
+            </a:lvl2pPr>
+            <a:lvl3pPr marL="914400" algn="l" defTabSz="914400" rtl="0" eaLnBrk="1" latinLnBrk="0" hangingPunct="1">
+              <a:defRPr sz="1800" kern="1200">
+                <a:solidFill>
+                  <a:schemeClr val="lt1"/>
+                </a:solidFill>
+                <a:latin typeface="+mn-lt"/>
+                <a:ea typeface="+mn-ea"/>
+                <a:cs typeface="+mn-cs"/>
+              </a:defRPr>
+            </a:lvl3pPr>
+            <a:lvl4pPr marL="1371600" algn="l" defTabSz="914400" rtl="0" eaLnBrk="1" latinLnBrk="0" hangingPunct="1">
+              <a:defRPr sz="1800" kern="1200">
+                <a:solidFill>
+                  <a:schemeClr val="lt1"/>
+                </a:solidFill>
+                <a:latin typeface="+mn-lt"/>
+                <a:ea typeface="+mn-ea"/>
+                <a:cs typeface="+mn-cs"/>
+              </a:defRPr>
+            </a:lvl4pPr>
+            <a:lvl5pPr marL="1828800" algn="l" defTabSz="914400" rtl="0" eaLnBrk="1" latinLnBrk="0" hangingPunct="1">
+              <a:defRPr sz="1800" kern="1200">
+                <a:solidFill>
+                  <a:schemeClr val="lt1"/>
+                </a:solidFill>
+                <a:latin typeface="+mn-lt"/>
+                <a:ea typeface="+mn-ea"/>
+                <a:cs typeface="+mn-cs"/>
+              </a:defRPr>
+            </a:lvl5pPr>
+            <a:lvl6pPr marL="2286000" algn="l" defTabSz="914400" rtl="0" eaLnBrk="1" latinLnBrk="0" hangingPunct="1">
+              <a:defRPr sz="1800" kern="1200">
+                <a:solidFill>
+                  <a:schemeClr val="lt1"/>
+                </a:solidFill>
+                <a:latin typeface="+mn-lt"/>
+                <a:ea typeface="+mn-ea"/>
+                <a:cs typeface="+mn-cs"/>
+              </a:defRPr>
+            </a:lvl6pPr>
+            <a:lvl7pPr marL="2743200" algn="l" defTabSz="914400" rtl="0" eaLnBrk="1" latinLnBrk="0" hangingPunct="1">
+              <a:defRPr sz="1800" kern="1200">
+                <a:solidFill>
+                  <a:schemeClr val="lt1"/>
+                </a:solidFill>
+                <a:latin typeface="+mn-lt"/>
+                <a:ea typeface="+mn-ea"/>
+                <a:cs typeface="+mn-cs"/>
+              </a:defRPr>
+            </a:lvl7pPr>
+            <a:lvl8pPr marL="3200400" algn="l" defTabSz="914400" rtl="0" eaLnBrk="1" latinLnBrk="0" hangingPunct="1">
+              <a:defRPr sz="1800" kern="1200">
+                <a:solidFill>
+                  <a:schemeClr val="lt1"/>
+                </a:solidFill>
+                <a:latin typeface="+mn-lt"/>
+                <a:ea typeface="+mn-ea"/>
+                <a:cs typeface="+mn-cs"/>
+              </a:defRPr>
+            </a:lvl8pPr>
+            <a:lvl9pPr marL="3657600" algn="l" defTabSz="914400" rtl="0" eaLnBrk="1" latinLnBrk="0" hangingPunct="1">
+              <a:defRPr sz="1800" kern="1200">
+                <a:solidFill>
+                  <a:schemeClr val="lt1"/>
+                </a:solidFill>
+                <a:latin typeface="+mn-lt"/>
+                <a:ea typeface="+mn-ea"/>
+                <a:cs typeface="+mn-cs"/>
+              </a:defRPr>
+            </a:lvl9pPr>
+          </a:lstStyle>
+          <a:p>
+            <a:pPr algn="ctr"/>
+            <a:r>
+              <a:rPr lang="en-US" sz="1200" b="1" dirty="0"/>
+              <a:t>2</a:t>
+            </a:r>
+            <a:endParaRPr lang="en-US" b="1" dirty="0"/>
+          </a:p>
+        </p:txBody>
+      </p:sp>
+      <p:sp>
+        <p:nvSpPr>
+          <p:cNvPr id="18" name="TextBox 64">
+            <a:extLst>
+              <a:ext uri="{FF2B5EF4-FFF2-40B4-BE49-F238E27FC236}">
+                <a16:creationId xmlns:a16="http://schemas.microsoft.com/office/drawing/2014/main" id="{ECA9E1FB-9148-40DB-B9B0-4D01FDDD8620}"/>
+              </a:ext>
+            </a:extLst>
+          </p:cNvPr>
+          <p:cNvSpPr txBox="1"/>
+          <p:nvPr/>
+        </p:nvSpPr>
+        <p:spPr>
+          <a:xfrm>
+            <a:off x="4816139" y="3021933"/>
+            <a:ext cx="1409274" cy="646331"/>
+          </a:xfrm>
+          <a:prstGeom prst="rect">
+            <a:avLst/>
+          </a:prstGeom>
+          <a:noFill/>
+        </p:spPr>
+        <p:txBody>
+          <a:bodyPr wrap="square" rtlCol="0">
+            <a:spAutoFit/>
+          </a:bodyPr>
+          <a:lstStyle/>
+          <a:p>
+            <a:r>
+              <a:rPr lang="en-US" sz="1200" dirty="0"/>
+              <a:t>Returns authorization</a:t>
+            </a:r>
+          </a:p>
+          <a:p>
+            <a:r>
+              <a:rPr lang="en-US" sz="1200" dirty="0"/>
+              <a:t> code</a:t>
+            </a:r>
+          </a:p>
+        </p:txBody>
+      </p:sp>
+      <p:cxnSp>
+        <p:nvCxnSpPr>
+          <p:cNvPr id="19" name="Connecteur droit avec flèche 18">
+            <a:extLst>
+              <a:ext uri="{FF2B5EF4-FFF2-40B4-BE49-F238E27FC236}">
+                <a16:creationId xmlns:a16="http://schemas.microsoft.com/office/drawing/2014/main" id="{41965543-1ECD-45BE-8774-E24FDA87D736}"/>
+              </a:ext>
+            </a:extLst>
+          </p:cNvPr>
+          <p:cNvCxnSpPr>
+            <a:cxnSpLocks/>
+          </p:cNvCxnSpPr>
+          <p:nvPr/>
+        </p:nvCxnSpPr>
+        <p:spPr>
+          <a:xfrm flipV="1">
+            <a:off x="6096000" y="2337871"/>
+            <a:ext cx="0" cy="1369339"/>
+          </a:xfrm>
+          <a:prstGeom prst="straightConnector1">
+            <a:avLst/>
+          </a:prstGeom>
+          <a:ln>
+            <a:solidFill>
+              <a:schemeClr val="tx1"/>
+            </a:solidFill>
+            <a:tailEnd type="triangle"/>
+          </a:ln>
+        </p:spPr>
+        <p:style>
+          <a:lnRef idx="1">
+            <a:schemeClr val="accent1"/>
+          </a:lnRef>
+          <a:fillRef idx="0">
+            <a:schemeClr val="accent1"/>
+          </a:fillRef>
+          <a:effectRef idx="0">
+            <a:schemeClr val="accent1"/>
+          </a:effectRef>
+          <a:fontRef idx="minor">
+            <a:schemeClr val="tx1"/>
+          </a:fontRef>
+        </p:style>
+      </p:cxnSp>
+      <p:sp>
+        <p:nvSpPr>
+          <p:cNvPr id="23" name="Flowchart: Connector 48">
+            <a:extLst>
+              <a:ext uri="{FF2B5EF4-FFF2-40B4-BE49-F238E27FC236}">
+                <a16:creationId xmlns:a16="http://schemas.microsoft.com/office/drawing/2014/main" id="{5B88C0EF-EC95-4529-9497-43326BF74C3A}"/>
+              </a:ext>
+            </a:extLst>
+          </p:cNvPr>
+          <p:cNvSpPr>
+            <a:spLocks noChangeAspect="1"/>
+          </p:cNvSpPr>
+          <p:nvPr/>
+        </p:nvSpPr>
+        <p:spPr>
+          <a:xfrm>
+            <a:off x="6007976" y="2874930"/>
+            <a:ext cx="171409" cy="171409"/>
+          </a:xfrm>
+          <a:prstGeom prst="flowChartConnector">
+            <a:avLst/>
+          </a:prstGeom>
+          <a:solidFill>
+            <a:schemeClr val="tx1"/>
+          </a:solidFill>
+          <a:ln>
+            <a:solidFill>
+              <a:schemeClr val="tx1"/>
+            </a:solidFill>
+          </a:ln>
+        </p:spPr>
+        <p:style>
+          <a:lnRef idx="2">
+            <a:schemeClr val="accent1">
+              <a:shade val="50000"/>
+            </a:schemeClr>
+          </a:lnRef>
+          <a:fillRef idx="1">
+            <a:schemeClr val="accent1"/>
+          </a:fillRef>
+          <a:effectRef idx="0">
+            <a:schemeClr val="accent1"/>
+          </a:effectRef>
+          <a:fontRef idx="minor">
+            <a:schemeClr val="lt1"/>
+          </a:fontRef>
+        </p:style>
+        <p:txBody>
+          <a:bodyPr rtlCol="0" anchor="ctr"/>
+          <a:lstStyle>
+            <a:defPPr>
+              <a:defRPr lang="en-US"/>
+            </a:defPPr>
+            <a:lvl1pPr marL="0" algn="l" defTabSz="914400" rtl="0" eaLnBrk="1" latinLnBrk="0" hangingPunct="1">
+              <a:defRPr sz="1800" kern="1200">
+                <a:solidFill>
+                  <a:schemeClr val="lt1"/>
+                </a:solidFill>
+                <a:latin typeface="+mn-lt"/>
+                <a:ea typeface="+mn-ea"/>
+                <a:cs typeface="+mn-cs"/>
+              </a:defRPr>
+            </a:lvl1pPr>
+            <a:lvl2pPr marL="457200" algn="l" defTabSz="914400" rtl="0" eaLnBrk="1" latinLnBrk="0" hangingPunct="1">
+              <a:defRPr sz="1800" kern="1200">
+                <a:solidFill>
+                  <a:schemeClr val="lt1"/>
+                </a:solidFill>
+                <a:latin typeface="+mn-lt"/>
+                <a:ea typeface="+mn-ea"/>
+                <a:cs typeface="+mn-cs"/>
+              </a:defRPr>
+            </a:lvl2pPr>
+            <a:lvl3pPr marL="914400" algn="l" defTabSz="914400" rtl="0" eaLnBrk="1" latinLnBrk="0" hangingPunct="1">
+              <a:defRPr sz="1800" kern="1200">
+                <a:solidFill>
+                  <a:schemeClr val="lt1"/>
+                </a:solidFill>
+                <a:latin typeface="+mn-lt"/>
+                <a:ea typeface="+mn-ea"/>
+                <a:cs typeface="+mn-cs"/>
+              </a:defRPr>
+            </a:lvl3pPr>
+            <a:lvl4pPr marL="1371600" algn="l" defTabSz="914400" rtl="0" eaLnBrk="1" latinLnBrk="0" hangingPunct="1">
+              <a:defRPr sz="1800" kern="1200">
+                <a:solidFill>
+                  <a:schemeClr val="lt1"/>
+                </a:solidFill>
+                <a:latin typeface="+mn-lt"/>
+                <a:ea typeface="+mn-ea"/>
+                <a:cs typeface="+mn-cs"/>
+              </a:defRPr>
+            </a:lvl4pPr>
+            <a:lvl5pPr marL="1828800" algn="l" defTabSz="914400" rtl="0" eaLnBrk="1" latinLnBrk="0" hangingPunct="1">
+              <a:defRPr sz="1800" kern="1200">
+                <a:solidFill>
+                  <a:schemeClr val="lt1"/>
+                </a:solidFill>
+                <a:latin typeface="+mn-lt"/>
+                <a:ea typeface="+mn-ea"/>
+                <a:cs typeface="+mn-cs"/>
+              </a:defRPr>
+            </a:lvl5pPr>
+            <a:lvl6pPr marL="2286000" algn="l" defTabSz="914400" rtl="0" eaLnBrk="1" latinLnBrk="0" hangingPunct="1">
+              <a:defRPr sz="1800" kern="1200">
+                <a:solidFill>
+                  <a:schemeClr val="lt1"/>
+                </a:solidFill>
+                <a:latin typeface="+mn-lt"/>
+                <a:ea typeface="+mn-ea"/>
+                <a:cs typeface="+mn-cs"/>
+              </a:defRPr>
+            </a:lvl6pPr>
+            <a:lvl7pPr marL="2743200" algn="l" defTabSz="914400" rtl="0" eaLnBrk="1" latinLnBrk="0" hangingPunct="1">
+              <a:defRPr sz="1800" kern="1200">
+                <a:solidFill>
+                  <a:schemeClr val="lt1"/>
+                </a:solidFill>
+                <a:latin typeface="+mn-lt"/>
+                <a:ea typeface="+mn-ea"/>
+                <a:cs typeface="+mn-cs"/>
+              </a:defRPr>
+            </a:lvl7pPr>
+            <a:lvl8pPr marL="3200400" algn="l" defTabSz="914400" rtl="0" eaLnBrk="1" latinLnBrk="0" hangingPunct="1">
+              <a:defRPr sz="1800" kern="1200">
+                <a:solidFill>
+                  <a:schemeClr val="lt1"/>
+                </a:solidFill>
+                <a:latin typeface="+mn-lt"/>
+                <a:ea typeface="+mn-ea"/>
+                <a:cs typeface="+mn-cs"/>
+              </a:defRPr>
+            </a:lvl8pPr>
+            <a:lvl9pPr marL="3657600" algn="l" defTabSz="914400" rtl="0" eaLnBrk="1" latinLnBrk="0" hangingPunct="1">
+              <a:defRPr sz="1800" kern="1200">
+                <a:solidFill>
+                  <a:schemeClr val="lt1"/>
+                </a:solidFill>
+                <a:latin typeface="+mn-lt"/>
+                <a:ea typeface="+mn-ea"/>
+                <a:cs typeface="+mn-cs"/>
+              </a:defRPr>
+            </a:lvl9pPr>
+          </a:lstStyle>
+          <a:p>
+            <a:pPr algn="ctr"/>
+            <a:r>
+              <a:rPr lang="en-US" sz="1200" b="1" dirty="0"/>
+              <a:t>3</a:t>
+            </a:r>
+            <a:endParaRPr lang="en-US" b="1" dirty="0"/>
+          </a:p>
+        </p:txBody>
+      </p:sp>
+      <p:sp>
+        <p:nvSpPr>
+          <p:cNvPr id="24" name="TextBox 64">
+            <a:extLst>
+              <a:ext uri="{FF2B5EF4-FFF2-40B4-BE49-F238E27FC236}">
+                <a16:creationId xmlns:a16="http://schemas.microsoft.com/office/drawing/2014/main" id="{5259B29E-98E9-416C-AD47-7878A54DEADF}"/>
+              </a:ext>
+            </a:extLst>
+          </p:cNvPr>
+          <p:cNvSpPr txBox="1"/>
+          <p:nvPr/>
+        </p:nvSpPr>
+        <p:spPr>
+          <a:xfrm>
+            <a:off x="6084776" y="3042929"/>
+            <a:ext cx="1409274" cy="646331"/>
+          </a:xfrm>
+          <a:prstGeom prst="rect">
+            <a:avLst/>
+          </a:prstGeom>
+          <a:noFill/>
+        </p:spPr>
+        <p:txBody>
+          <a:bodyPr wrap="square" rtlCol="0">
+            <a:spAutoFit/>
+          </a:bodyPr>
+          <a:lstStyle/>
+          <a:p>
+            <a:r>
+              <a:rPr lang="en-US" sz="1200" dirty="0"/>
+              <a:t>Use authorization code to get identity token</a:t>
+            </a:r>
+          </a:p>
+        </p:txBody>
+      </p:sp>
+      <p:cxnSp>
+        <p:nvCxnSpPr>
+          <p:cNvPr id="26" name="Connecteur : en angle 25">
+            <a:extLst>
+              <a:ext uri="{FF2B5EF4-FFF2-40B4-BE49-F238E27FC236}">
+                <a16:creationId xmlns:a16="http://schemas.microsoft.com/office/drawing/2014/main" id="{967DECA7-8C2E-4DAA-B3C8-010FB00FDDB2}"/>
+              </a:ext>
+            </a:extLst>
+          </p:cNvPr>
+          <p:cNvCxnSpPr>
+            <a:stCxn id="8" idx="3"/>
+            <a:endCxn id="5" idx="3"/>
+          </p:cNvCxnSpPr>
+          <p:nvPr/>
+        </p:nvCxnSpPr>
+        <p:spPr>
+          <a:xfrm>
+            <a:off x="6096000" y="1788279"/>
+            <a:ext cx="4107" cy="2459804"/>
+          </a:xfrm>
+          <a:prstGeom prst="bentConnector3">
+            <a:avLst>
+              <a:gd name="adj1" fmla="val 32754492"/>
+            </a:avLst>
+          </a:prstGeom>
+          <a:ln>
+            <a:solidFill>
+              <a:schemeClr val="tx1"/>
+            </a:solidFill>
+            <a:tailEnd type="triangle"/>
+          </a:ln>
+        </p:spPr>
+        <p:style>
+          <a:lnRef idx="1">
+            <a:schemeClr val="accent1"/>
+          </a:lnRef>
+          <a:fillRef idx="0">
+            <a:schemeClr val="accent1"/>
+          </a:fillRef>
+          <a:effectRef idx="0">
+            <a:schemeClr val="accent1"/>
+          </a:effectRef>
+          <a:fontRef idx="minor">
+            <a:schemeClr val="tx1"/>
+          </a:fontRef>
+        </p:style>
+      </p:cxnSp>
+      <p:sp>
+        <p:nvSpPr>
+          <p:cNvPr id="30" name="Flowchart: Connector 48">
+            <a:extLst>
+              <a:ext uri="{FF2B5EF4-FFF2-40B4-BE49-F238E27FC236}">
+                <a16:creationId xmlns:a16="http://schemas.microsoft.com/office/drawing/2014/main" id="{E62967DF-D7AF-43A4-8A53-E7EAED414A64}"/>
+              </a:ext>
+            </a:extLst>
+          </p:cNvPr>
+          <p:cNvSpPr>
+            <a:spLocks noChangeAspect="1"/>
+          </p:cNvSpPr>
+          <p:nvPr/>
+        </p:nvSpPr>
+        <p:spPr>
+          <a:xfrm>
+            <a:off x="7362280" y="2874930"/>
+            <a:ext cx="171409" cy="171409"/>
+          </a:xfrm>
+          <a:prstGeom prst="flowChartConnector">
+            <a:avLst/>
+          </a:prstGeom>
+          <a:solidFill>
+            <a:schemeClr val="tx1"/>
+          </a:solidFill>
+          <a:ln>
+            <a:solidFill>
+              <a:schemeClr val="tx1"/>
+            </a:solidFill>
+          </a:ln>
+        </p:spPr>
+        <p:style>
+          <a:lnRef idx="2">
+            <a:schemeClr val="accent1">
+              <a:shade val="50000"/>
+            </a:schemeClr>
+          </a:lnRef>
+          <a:fillRef idx="1">
+            <a:schemeClr val="accent1"/>
+          </a:fillRef>
+          <a:effectRef idx="0">
+            <a:schemeClr val="accent1"/>
+          </a:effectRef>
+          <a:fontRef idx="minor">
+            <a:schemeClr val="lt1"/>
+          </a:fontRef>
+        </p:style>
+        <p:txBody>
+          <a:bodyPr rtlCol="0" anchor="ctr"/>
+          <a:lstStyle>
+            <a:defPPr>
+              <a:defRPr lang="en-US"/>
+            </a:defPPr>
+            <a:lvl1pPr marL="0" algn="l" defTabSz="914400" rtl="0" eaLnBrk="1" latinLnBrk="0" hangingPunct="1">
+              <a:defRPr sz="1800" kern="1200">
+                <a:solidFill>
+                  <a:schemeClr val="lt1"/>
+                </a:solidFill>
+                <a:latin typeface="+mn-lt"/>
+                <a:ea typeface="+mn-ea"/>
+                <a:cs typeface="+mn-cs"/>
+              </a:defRPr>
+            </a:lvl1pPr>
+            <a:lvl2pPr marL="457200" algn="l" defTabSz="914400" rtl="0" eaLnBrk="1" latinLnBrk="0" hangingPunct="1">
+              <a:defRPr sz="1800" kern="1200">
+                <a:solidFill>
+                  <a:schemeClr val="lt1"/>
+                </a:solidFill>
+                <a:latin typeface="+mn-lt"/>
+                <a:ea typeface="+mn-ea"/>
+                <a:cs typeface="+mn-cs"/>
+              </a:defRPr>
+            </a:lvl2pPr>
+            <a:lvl3pPr marL="914400" algn="l" defTabSz="914400" rtl="0" eaLnBrk="1" latinLnBrk="0" hangingPunct="1">
+              <a:defRPr sz="1800" kern="1200">
+                <a:solidFill>
+                  <a:schemeClr val="lt1"/>
+                </a:solidFill>
+                <a:latin typeface="+mn-lt"/>
+                <a:ea typeface="+mn-ea"/>
+                <a:cs typeface="+mn-cs"/>
+              </a:defRPr>
+            </a:lvl3pPr>
+            <a:lvl4pPr marL="1371600" algn="l" defTabSz="914400" rtl="0" eaLnBrk="1" latinLnBrk="0" hangingPunct="1">
+              <a:defRPr sz="1800" kern="1200">
+                <a:solidFill>
+                  <a:schemeClr val="lt1"/>
+                </a:solidFill>
+                <a:latin typeface="+mn-lt"/>
+                <a:ea typeface="+mn-ea"/>
+                <a:cs typeface="+mn-cs"/>
+              </a:defRPr>
+            </a:lvl4pPr>
+            <a:lvl5pPr marL="1828800" algn="l" defTabSz="914400" rtl="0" eaLnBrk="1" latinLnBrk="0" hangingPunct="1">
+              <a:defRPr sz="1800" kern="1200">
+                <a:solidFill>
+                  <a:schemeClr val="lt1"/>
+                </a:solidFill>
+                <a:latin typeface="+mn-lt"/>
+                <a:ea typeface="+mn-ea"/>
+                <a:cs typeface="+mn-cs"/>
+              </a:defRPr>
+            </a:lvl5pPr>
+            <a:lvl6pPr marL="2286000" algn="l" defTabSz="914400" rtl="0" eaLnBrk="1" latinLnBrk="0" hangingPunct="1">
+              <a:defRPr sz="1800" kern="1200">
+                <a:solidFill>
+                  <a:schemeClr val="lt1"/>
+                </a:solidFill>
+                <a:latin typeface="+mn-lt"/>
+                <a:ea typeface="+mn-ea"/>
+                <a:cs typeface="+mn-cs"/>
+              </a:defRPr>
+            </a:lvl6pPr>
+            <a:lvl7pPr marL="2743200" algn="l" defTabSz="914400" rtl="0" eaLnBrk="1" latinLnBrk="0" hangingPunct="1">
+              <a:defRPr sz="1800" kern="1200">
+                <a:solidFill>
+                  <a:schemeClr val="lt1"/>
+                </a:solidFill>
+                <a:latin typeface="+mn-lt"/>
+                <a:ea typeface="+mn-ea"/>
+                <a:cs typeface="+mn-cs"/>
+              </a:defRPr>
+            </a:lvl7pPr>
+            <a:lvl8pPr marL="3200400" algn="l" defTabSz="914400" rtl="0" eaLnBrk="1" latinLnBrk="0" hangingPunct="1">
+              <a:defRPr sz="1800" kern="1200">
+                <a:solidFill>
+                  <a:schemeClr val="lt1"/>
+                </a:solidFill>
+                <a:latin typeface="+mn-lt"/>
+                <a:ea typeface="+mn-ea"/>
+                <a:cs typeface="+mn-cs"/>
+              </a:defRPr>
+            </a:lvl8pPr>
+            <a:lvl9pPr marL="3657600" algn="l" defTabSz="914400" rtl="0" eaLnBrk="1" latinLnBrk="0" hangingPunct="1">
+              <a:defRPr sz="1800" kern="1200">
+                <a:solidFill>
+                  <a:schemeClr val="lt1"/>
+                </a:solidFill>
+                <a:latin typeface="+mn-lt"/>
+                <a:ea typeface="+mn-ea"/>
+                <a:cs typeface="+mn-cs"/>
+              </a:defRPr>
+            </a:lvl9pPr>
+          </a:lstStyle>
+          <a:p>
+            <a:pPr algn="ctr"/>
+            <a:r>
+              <a:rPr lang="en-US" sz="1200" b="1" dirty="0"/>
+              <a:t>4</a:t>
+            </a:r>
+            <a:endParaRPr lang="en-US" b="1" dirty="0"/>
+          </a:p>
+        </p:txBody>
+      </p:sp>
+      <p:sp>
+        <p:nvSpPr>
+          <p:cNvPr id="31" name="TextBox 64">
+            <a:extLst>
+              <a:ext uri="{FF2B5EF4-FFF2-40B4-BE49-F238E27FC236}">
+                <a16:creationId xmlns:a16="http://schemas.microsoft.com/office/drawing/2014/main" id="{FEF80388-F14A-41BD-B14A-EA5EAA4A44E1}"/>
+              </a:ext>
+            </a:extLst>
+          </p:cNvPr>
+          <p:cNvSpPr txBox="1"/>
+          <p:nvPr/>
+        </p:nvSpPr>
+        <p:spPr>
+          <a:xfrm>
+            <a:off x="7504848" y="3021932"/>
+            <a:ext cx="1409274" cy="461665"/>
+          </a:xfrm>
+          <a:prstGeom prst="rect">
+            <a:avLst/>
+          </a:prstGeom>
+          <a:noFill/>
+        </p:spPr>
+        <p:txBody>
+          <a:bodyPr wrap="square" rtlCol="0">
+            <a:spAutoFit/>
+          </a:bodyPr>
+          <a:lstStyle/>
+          <a:p>
+            <a:r>
+              <a:rPr lang="en-US" sz="1200" dirty="0"/>
+              <a:t>Returns identity token</a:t>
+            </a:r>
+          </a:p>
+        </p:txBody>
+      </p:sp>
+    </p:spTree>
+    <p:extLst>
+      <p:ext uri="{BB962C8B-B14F-4D97-AF65-F5344CB8AC3E}">
+        <p14:creationId xmlns:p14="http://schemas.microsoft.com/office/powerpoint/2010/main" val="2134786130"/>
+      </p:ext>
+    </p:extLst>
+  </p:cSld>
+  <p:clrMapOvr>
+    <a:masterClrMapping/>
+  </p:clrMapOvr>
+</p:sld>
+</file>
+
+<file path=ppt/slides/slide11.xml><?xml version="1.0" encoding="utf-8"?>
+<p:sld xmlns:a="http://schemas.openxmlformats.org/drawingml/2006/main" xmlns:r="http://schemas.openxmlformats.org/officeDocument/2006/relationships" xmlns:p="http://schemas.openxmlformats.org/presentationml/2006/main">
+  <p:cSld>
+    <p:spTree>
+      <p:nvGrpSpPr>
+        <p:cNvPr id="1" name=""/>
+        <p:cNvGrpSpPr/>
+        <p:nvPr/>
+      </p:nvGrpSpPr>
+      <p:grpSpPr>
+        <a:xfrm>
+          <a:off x="0" y="0"/>
+          <a:ext cx="0" cy="0"/>
+          <a:chOff x="0" y="0"/>
+          <a:chExt cx="0" cy="0"/>
+        </a:xfrm>
+      </p:grpSpPr>
+      <p:grpSp>
+        <p:nvGrpSpPr>
+          <p:cNvPr id="4" name="Groupe 3">
+            <a:extLst>
+              <a:ext uri="{FF2B5EF4-FFF2-40B4-BE49-F238E27FC236}">
+                <a16:creationId xmlns:a16="http://schemas.microsoft.com/office/drawing/2014/main" id="{526AE258-B0C5-4A6E-815A-9DD68195F87E}"/>
+              </a:ext>
+            </a:extLst>
+          </p:cNvPr>
+          <p:cNvGrpSpPr/>
+          <p:nvPr/>
+        </p:nvGrpSpPr>
+        <p:grpSpPr>
+          <a:xfrm>
+            <a:off x="4871382" y="3698490"/>
+            <a:ext cx="1228725" cy="1099185"/>
+            <a:chOff x="4085211" y="2496973"/>
+            <a:chExt cx="1228725" cy="1099185"/>
+          </a:xfrm>
+        </p:grpSpPr>
+        <p:sp>
+          <p:nvSpPr>
+            <p:cNvPr id="5" name="Rectangle 4">
+              <a:extLst>
+                <a:ext uri="{FF2B5EF4-FFF2-40B4-BE49-F238E27FC236}">
+                  <a16:creationId xmlns:a16="http://schemas.microsoft.com/office/drawing/2014/main" id="{AC152A93-C025-47B7-8945-85ED18395FE4}"/>
+                </a:ext>
+              </a:extLst>
+            </p:cNvPr>
+            <p:cNvSpPr/>
+            <p:nvPr/>
+          </p:nvSpPr>
+          <p:spPr>
+            <a:xfrm>
+              <a:off x="4085211" y="2496973"/>
+              <a:ext cx="1228725" cy="1099185"/>
+            </a:xfrm>
+            <a:prstGeom prst="rect">
+              <a:avLst/>
+            </a:prstGeom>
+            <a:noFill/>
+            <a:ln>
+              <a:solidFill>
+                <a:schemeClr val="tx1"/>
+              </a:solidFill>
+            </a:ln>
+          </p:spPr>
+          <p:style>
+            <a:lnRef idx="2">
+              <a:schemeClr val="accent1">
+                <a:shade val="50000"/>
+              </a:schemeClr>
+            </a:lnRef>
+            <a:fillRef idx="1">
+              <a:schemeClr val="accent1"/>
+            </a:fillRef>
+            <a:effectRef idx="0">
+              <a:schemeClr val="accent1"/>
+            </a:effectRef>
+            <a:fontRef idx="minor">
+              <a:schemeClr val="lt1"/>
+            </a:fontRef>
+          </p:style>
+          <p:txBody>
+            <a:bodyPr rot="0" spcFirstLastPara="0" vert="horz" wrap="square" lIns="91440" tIns="45720" rIns="91440" bIns="45720" numCol="1" spcCol="0" rtlCol="0" fromWordArt="0" anchor="b" anchorCtr="0" forceAA="0" compatLnSpc="1">
+              <a:prstTxWarp prst="textNoShape">
+                <a:avLst/>
+              </a:prstTxWarp>
+              <a:noAutofit/>
+            </a:bodyPr>
+            <a:lstStyle/>
+            <a:p>
+              <a:pPr algn="ctr"/>
+              <a:r>
+                <a:rPr lang="en-US" sz="1600" dirty="0">
+                  <a:solidFill>
+                    <a:schemeClr val="tx1"/>
+                  </a:solidFill>
+                </a:rPr>
+                <a:t>Client</a:t>
+              </a:r>
+            </a:p>
+          </p:txBody>
+        </p:sp>
+        <p:pic>
+          <p:nvPicPr>
+            <p:cNvPr id="6" name="Picture 2" descr="Résultat de recherche d'images pour &quot;asp.net core logo svg&quot;&quot;">
+              <a:extLst>
+                <a:ext uri="{FF2B5EF4-FFF2-40B4-BE49-F238E27FC236}">
+                  <a16:creationId xmlns:a16="http://schemas.microsoft.com/office/drawing/2014/main" id="{0B350613-2D81-4AC4-85EA-B8189CE2602A}"/>
+                </a:ext>
+              </a:extLst>
+            </p:cNvPr>
+            <p:cNvPicPr>
+              <a:picLocks noChangeAspect="1" noChangeArrowheads="1"/>
+            </p:cNvPicPr>
+            <p:nvPr/>
+          </p:nvPicPr>
+          <p:blipFill>
+            <a:blip r:embed="rId2" cstate="print">
+              <a:extLst>
+                <a:ext uri="{28A0092B-C50C-407E-A947-70E740481C1C}">
+                  <a14:useLocalDpi xmlns:a14="http://schemas.microsoft.com/office/drawing/2010/main" val="0"/>
+                </a:ext>
+              </a:extLst>
+            </a:blip>
+            <a:srcRect/>
+            <a:stretch>
+              <a:fillRect/>
+            </a:stretch>
+          </p:blipFill>
+          <p:spPr bwMode="auto">
+            <a:xfrm>
+              <a:off x="4136347" y="2753957"/>
+              <a:ext cx="1103929" cy="292608"/>
+            </a:xfrm>
+            <a:prstGeom prst="rect">
+              <a:avLst/>
+            </a:prstGeom>
+            <a:noFill/>
+            <a:extLst>
+              <a:ext uri="{909E8E84-426E-40DD-AFC4-6F175D3DCCD1}">
+                <a14:hiddenFill xmlns:a14="http://schemas.microsoft.com/office/drawing/2010/main">
+                  <a:solidFill>
+                    <a:srgbClr val="FFFFFF"/>
+                  </a:solidFill>
+                </a14:hiddenFill>
+              </a:ext>
+            </a:extLst>
+          </p:spPr>
+        </p:pic>
+      </p:grpSp>
+      <p:grpSp>
+        <p:nvGrpSpPr>
+          <p:cNvPr id="7" name="Group 1">
+            <a:extLst>
+              <a:ext uri="{FF2B5EF4-FFF2-40B4-BE49-F238E27FC236}">
+                <a16:creationId xmlns:a16="http://schemas.microsoft.com/office/drawing/2014/main" id="{7B9D8F96-96EE-4834-A743-3D713DCC5F50}"/>
+              </a:ext>
+            </a:extLst>
+          </p:cNvPr>
+          <p:cNvGrpSpPr/>
+          <p:nvPr/>
+        </p:nvGrpSpPr>
+        <p:grpSpPr>
+          <a:xfrm>
+            <a:off x="4867275" y="1238686"/>
+            <a:ext cx="1228725" cy="1099185"/>
+            <a:chOff x="3957637" y="2879407"/>
+            <a:chExt cx="1228725" cy="1099185"/>
+          </a:xfrm>
+        </p:grpSpPr>
+        <p:sp>
+          <p:nvSpPr>
+            <p:cNvPr id="8" name="Rectangle 7">
+              <a:extLst>
+                <a:ext uri="{FF2B5EF4-FFF2-40B4-BE49-F238E27FC236}">
+                  <a16:creationId xmlns:a16="http://schemas.microsoft.com/office/drawing/2014/main" id="{FFC9FE31-4E39-458B-9C40-256E9580155F}"/>
+                </a:ext>
+              </a:extLst>
+            </p:cNvPr>
+            <p:cNvSpPr/>
+            <p:nvPr/>
+          </p:nvSpPr>
+          <p:spPr>
+            <a:xfrm>
+              <a:off x="3957637" y="2879407"/>
+              <a:ext cx="1228725" cy="1099185"/>
+            </a:xfrm>
+            <a:prstGeom prst="rect">
+              <a:avLst/>
+            </a:prstGeom>
+            <a:noFill/>
+            <a:ln>
+              <a:solidFill>
+                <a:schemeClr val="tx1"/>
+              </a:solidFill>
+            </a:ln>
+          </p:spPr>
+          <p:style>
+            <a:lnRef idx="2">
+              <a:schemeClr val="accent1">
+                <a:shade val="50000"/>
+              </a:schemeClr>
+            </a:lnRef>
+            <a:fillRef idx="1">
+              <a:schemeClr val="accent1"/>
+            </a:fillRef>
+            <a:effectRef idx="0">
+              <a:schemeClr val="accent1"/>
+            </a:effectRef>
+            <a:fontRef idx="minor">
+              <a:schemeClr val="lt1"/>
+            </a:fontRef>
+          </p:style>
+          <p:txBody>
+            <a:bodyPr rot="0" spcFirstLastPara="0" vert="horz" wrap="square" lIns="91440" tIns="45720" rIns="91440" bIns="45720" numCol="1" spcCol="0" rtlCol="0" fromWordArt="0" anchor="b" anchorCtr="0" forceAA="0" compatLnSpc="1">
+              <a:prstTxWarp prst="textNoShape">
+                <a:avLst/>
+              </a:prstTxWarp>
+              <a:noAutofit/>
+            </a:bodyPr>
+            <a:lstStyle/>
+            <a:p>
+              <a:pPr algn="ctr"/>
+              <a:r>
+                <a:rPr lang="en-US" sz="1600" dirty="0">
+                  <a:solidFill>
+                    <a:schemeClr val="tx1"/>
+                  </a:solidFill>
+                </a:rPr>
+                <a:t>Id Server</a:t>
+              </a:r>
+            </a:p>
+          </p:txBody>
+        </p:sp>
+        <p:pic>
+          <p:nvPicPr>
+            <p:cNvPr id="9" name="Picture 30" descr="C:\Users\TH9628\Desktop\openid-icon-250x250.png">
+              <a:extLst>
+                <a:ext uri="{FF2B5EF4-FFF2-40B4-BE49-F238E27FC236}">
+                  <a16:creationId xmlns:a16="http://schemas.microsoft.com/office/drawing/2014/main" id="{446DDE6F-2D91-4851-8E24-DE15E88DFA18}"/>
+                </a:ext>
+              </a:extLst>
+            </p:cNvPr>
+            <p:cNvPicPr/>
+            <p:nvPr/>
+          </p:nvPicPr>
+          <p:blipFill>
+            <a:blip r:embed="rId3" cstate="print">
+              <a:extLst>
+                <a:ext uri="{28A0092B-C50C-407E-A947-70E740481C1C}">
+                  <a14:useLocalDpi xmlns:a14="http://schemas.microsoft.com/office/drawing/2010/main" val="0"/>
+                </a:ext>
+              </a:extLst>
+            </a:blip>
+            <a:srcRect/>
+            <a:stretch>
+              <a:fillRect/>
+            </a:stretch>
+          </p:blipFill>
+          <p:spPr bwMode="auto">
+            <a:xfrm>
+              <a:off x="4306748" y="3095431"/>
+              <a:ext cx="514985" cy="514985"/>
+            </a:xfrm>
+            <a:prstGeom prst="rect">
+              <a:avLst/>
+            </a:prstGeom>
+            <a:noFill/>
+            <a:ln>
+              <a:noFill/>
+            </a:ln>
+          </p:spPr>
+        </p:pic>
+      </p:grpSp>
+      <p:cxnSp>
+        <p:nvCxnSpPr>
+          <p:cNvPr id="10" name="Connecteur : en angle 9">
+            <a:extLst>
+              <a:ext uri="{FF2B5EF4-FFF2-40B4-BE49-F238E27FC236}">
+                <a16:creationId xmlns:a16="http://schemas.microsoft.com/office/drawing/2014/main" id="{70571AA1-8381-4504-A2C2-004D18919BBC}"/>
+              </a:ext>
+            </a:extLst>
+          </p:cNvPr>
+          <p:cNvCxnSpPr>
+            <a:cxnSpLocks/>
+          </p:cNvCxnSpPr>
+          <p:nvPr/>
+        </p:nvCxnSpPr>
+        <p:spPr>
+          <a:xfrm rot="16200000" flipV="1">
+            <a:off x="3630219" y="3025335"/>
+            <a:ext cx="2486812" cy="12700"/>
+          </a:xfrm>
+          <a:prstGeom prst="bentConnector4">
+            <a:avLst>
+              <a:gd name="adj1" fmla="val -67"/>
+              <a:gd name="adj2" fmla="val 1900000"/>
+            </a:avLst>
+          </a:prstGeom>
+          <a:ln>
+            <a:solidFill>
+              <a:schemeClr val="tx1"/>
+            </a:solidFill>
+            <a:tailEnd type="triangle"/>
+          </a:ln>
+        </p:spPr>
+        <p:style>
+          <a:lnRef idx="1">
+            <a:schemeClr val="accent1"/>
+          </a:lnRef>
+          <a:fillRef idx="0">
+            <a:schemeClr val="accent1"/>
+          </a:fillRef>
+          <a:effectRef idx="0">
+            <a:schemeClr val="accent1"/>
+          </a:effectRef>
+          <a:fontRef idx="minor">
+            <a:schemeClr val="tx1"/>
+          </a:fontRef>
+        </p:style>
+      </p:cxnSp>
+      <p:sp>
+        <p:nvSpPr>
+          <p:cNvPr id="11" name="Flowchart: Connector 48">
+            <a:extLst>
+              <a:ext uri="{FF2B5EF4-FFF2-40B4-BE49-F238E27FC236}">
+                <a16:creationId xmlns:a16="http://schemas.microsoft.com/office/drawing/2014/main" id="{EB693EB6-2912-44C0-A089-CCFE54105864}"/>
+              </a:ext>
+            </a:extLst>
+          </p:cNvPr>
+          <p:cNvSpPr>
+            <a:spLocks noChangeAspect="1"/>
+          </p:cNvSpPr>
+          <p:nvPr/>
+        </p:nvSpPr>
+        <p:spPr>
+          <a:xfrm>
+            <a:off x="4566790" y="2878745"/>
+            <a:ext cx="171409" cy="171409"/>
+          </a:xfrm>
+          <a:prstGeom prst="flowChartConnector">
+            <a:avLst/>
+          </a:prstGeom>
+          <a:solidFill>
+            <a:schemeClr val="tx1"/>
+          </a:solidFill>
+          <a:ln>
+            <a:solidFill>
+              <a:schemeClr val="tx1"/>
+            </a:solidFill>
+          </a:ln>
+        </p:spPr>
+        <p:style>
+          <a:lnRef idx="2">
+            <a:schemeClr val="accent1">
+              <a:shade val="50000"/>
+            </a:schemeClr>
+          </a:lnRef>
+          <a:fillRef idx="1">
+            <a:schemeClr val="accent1"/>
+          </a:fillRef>
+          <a:effectRef idx="0">
+            <a:schemeClr val="accent1"/>
+          </a:effectRef>
+          <a:fontRef idx="minor">
+            <a:schemeClr val="lt1"/>
+          </a:fontRef>
+        </p:style>
+        <p:txBody>
+          <a:bodyPr rtlCol="0" anchor="ctr"/>
+          <a:lstStyle>
+            <a:defPPr>
+              <a:defRPr lang="en-US"/>
+            </a:defPPr>
+            <a:lvl1pPr marL="0" algn="l" defTabSz="914400" rtl="0" eaLnBrk="1" latinLnBrk="0" hangingPunct="1">
+              <a:defRPr sz="1800" kern="1200">
+                <a:solidFill>
+                  <a:schemeClr val="lt1"/>
+                </a:solidFill>
+                <a:latin typeface="+mn-lt"/>
+                <a:ea typeface="+mn-ea"/>
+                <a:cs typeface="+mn-cs"/>
+              </a:defRPr>
+            </a:lvl1pPr>
+            <a:lvl2pPr marL="457200" algn="l" defTabSz="914400" rtl="0" eaLnBrk="1" latinLnBrk="0" hangingPunct="1">
+              <a:defRPr sz="1800" kern="1200">
+                <a:solidFill>
+                  <a:schemeClr val="lt1"/>
+                </a:solidFill>
+                <a:latin typeface="+mn-lt"/>
+                <a:ea typeface="+mn-ea"/>
+                <a:cs typeface="+mn-cs"/>
+              </a:defRPr>
+            </a:lvl2pPr>
+            <a:lvl3pPr marL="914400" algn="l" defTabSz="914400" rtl="0" eaLnBrk="1" latinLnBrk="0" hangingPunct="1">
+              <a:defRPr sz="1800" kern="1200">
+                <a:solidFill>
+                  <a:schemeClr val="lt1"/>
+                </a:solidFill>
+                <a:latin typeface="+mn-lt"/>
+                <a:ea typeface="+mn-ea"/>
+                <a:cs typeface="+mn-cs"/>
+              </a:defRPr>
+            </a:lvl3pPr>
+            <a:lvl4pPr marL="1371600" algn="l" defTabSz="914400" rtl="0" eaLnBrk="1" latinLnBrk="0" hangingPunct="1">
+              <a:defRPr sz="1800" kern="1200">
+                <a:solidFill>
+                  <a:schemeClr val="lt1"/>
+                </a:solidFill>
+                <a:latin typeface="+mn-lt"/>
+                <a:ea typeface="+mn-ea"/>
+                <a:cs typeface="+mn-cs"/>
+              </a:defRPr>
+            </a:lvl4pPr>
+            <a:lvl5pPr marL="1828800" algn="l" defTabSz="914400" rtl="0" eaLnBrk="1" latinLnBrk="0" hangingPunct="1">
+              <a:defRPr sz="1800" kern="1200">
+                <a:solidFill>
+                  <a:schemeClr val="lt1"/>
+                </a:solidFill>
+                <a:latin typeface="+mn-lt"/>
+                <a:ea typeface="+mn-ea"/>
+                <a:cs typeface="+mn-cs"/>
+              </a:defRPr>
+            </a:lvl5pPr>
+            <a:lvl6pPr marL="2286000" algn="l" defTabSz="914400" rtl="0" eaLnBrk="1" latinLnBrk="0" hangingPunct="1">
+              <a:defRPr sz="1800" kern="1200">
+                <a:solidFill>
+                  <a:schemeClr val="lt1"/>
+                </a:solidFill>
+                <a:latin typeface="+mn-lt"/>
+                <a:ea typeface="+mn-ea"/>
+                <a:cs typeface="+mn-cs"/>
+              </a:defRPr>
+            </a:lvl6pPr>
+            <a:lvl7pPr marL="2743200" algn="l" defTabSz="914400" rtl="0" eaLnBrk="1" latinLnBrk="0" hangingPunct="1">
+              <a:defRPr sz="1800" kern="1200">
+                <a:solidFill>
+                  <a:schemeClr val="lt1"/>
+                </a:solidFill>
+                <a:latin typeface="+mn-lt"/>
+                <a:ea typeface="+mn-ea"/>
+                <a:cs typeface="+mn-cs"/>
+              </a:defRPr>
+            </a:lvl7pPr>
+            <a:lvl8pPr marL="3200400" algn="l" defTabSz="914400" rtl="0" eaLnBrk="1" latinLnBrk="0" hangingPunct="1">
+              <a:defRPr sz="1800" kern="1200">
+                <a:solidFill>
+                  <a:schemeClr val="lt1"/>
+                </a:solidFill>
+                <a:latin typeface="+mn-lt"/>
+                <a:ea typeface="+mn-ea"/>
+                <a:cs typeface="+mn-cs"/>
+              </a:defRPr>
+            </a:lvl8pPr>
+            <a:lvl9pPr marL="3657600" algn="l" defTabSz="914400" rtl="0" eaLnBrk="1" latinLnBrk="0" hangingPunct="1">
+              <a:defRPr sz="1800" kern="1200">
+                <a:solidFill>
+                  <a:schemeClr val="lt1"/>
+                </a:solidFill>
+                <a:latin typeface="+mn-lt"/>
+                <a:ea typeface="+mn-ea"/>
+                <a:cs typeface="+mn-cs"/>
+              </a:defRPr>
+            </a:lvl9pPr>
+          </a:lstStyle>
+          <a:p>
+            <a:pPr algn="ctr"/>
+            <a:r>
+              <a:rPr lang="en-US" sz="1200" b="1" dirty="0"/>
+              <a:t>1</a:t>
+            </a:r>
+            <a:endParaRPr lang="en-US" b="1" dirty="0"/>
+          </a:p>
+        </p:txBody>
+      </p:sp>
+      <p:sp>
+        <p:nvSpPr>
+          <p:cNvPr id="12" name="TextBox 64">
+            <a:extLst>
+              <a:ext uri="{FF2B5EF4-FFF2-40B4-BE49-F238E27FC236}">
+                <a16:creationId xmlns:a16="http://schemas.microsoft.com/office/drawing/2014/main" id="{28C297FA-D83D-43EA-A007-F0DB11C5F1EC}"/>
+              </a:ext>
+            </a:extLst>
+          </p:cNvPr>
+          <p:cNvSpPr txBox="1"/>
+          <p:nvPr/>
+        </p:nvSpPr>
+        <p:spPr>
+          <a:xfrm>
+            <a:off x="3328925" y="2964449"/>
+            <a:ext cx="1409274" cy="646331"/>
+          </a:xfrm>
+          <a:prstGeom prst="rect">
+            <a:avLst/>
+          </a:prstGeom>
+          <a:noFill/>
+        </p:spPr>
+        <p:txBody>
+          <a:bodyPr wrap="square" rtlCol="0">
+            <a:spAutoFit/>
+          </a:bodyPr>
+          <a:lstStyle/>
+          <a:p>
+            <a:r>
+              <a:rPr lang="en-US" sz="1200" dirty="0"/>
+              <a:t>Use password grant-type to get identity token</a:t>
+            </a:r>
+          </a:p>
+        </p:txBody>
+      </p:sp>
+      <p:cxnSp>
+        <p:nvCxnSpPr>
+          <p:cNvPr id="13" name="Connecteur : en angle 12">
+            <a:extLst>
+              <a:ext uri="{FF2B5EF4-FFF2-40B4-BE49-F238E27FC236}">
+                <a16:creationId xmlns:a16="http://schemas.microsoft.com/office/drawing/2014/main" id="{0A672DF8-CE48-428B-9EDA-484943C43CA4}"/>
+              </a:ext>
+            </a:extLst>
+          </p:cNvPr>
+          <p:cNvCxnSpPr>
+            <a:cxnSpLocks/>
+            <a:stCxn id="8" idx="3"/>
+            <a:endCxn id="5" idx="3"/>
+          </p:cNvCxnSpPr>
+          <p:nvPr/>
+        </p:nvCxnSpPr>
+        <p:spPr>
+          <a:xfrm>
+            <a:off x="6096000" y="1788279"/>
+            <a:ext cx="4107" cy="2459804"/>
+          </a:xfrm>
+          <a:prstGeom prst="bentConnector3">
+            <a:avLst>
+              <a:gd name="adj1" fmla="val 5666107"/>
+            </a:avLst>
+          </a:prstGeom>
+          <a:ln>
+            <a:solidFill>
+              <a:schemeClr val="tx1"/>
+            </a:solidFill>
+            <a:tailEnd type="triangle"/>
+          </a:ln>
+        </p:spPr>
+        <p:style>
+          <a:lnRef idx="1">
+            <a:schemeClr val="accent1"/>
+          </a:lnRef>
+          <a:fillRef idx="0">
+            <a:schemeClr val="accent1"/>
+          </a:fillRef>
+          <a:effectRef idx="0">
+            <a:schemeClr val="accent1"/>
+          </a:effectRef>
+          <a:fontRef idx="minor">
+            <a:schemeClr val="tx1"/>
+          </a:fontRef>
+        </p:style>
+      </p:cxnSp>
+      <p:sp>
+        <p:nvSpPr>
+          <p:cNvPr id="16" name="Flowchart: Connector 48">
+            <a:extLst>
+              <a:ext uri="{FF2B5EF4-FFF2-40B4-BE49-F238E27FC236}">
+                <a16:creationId xmlns:a16="http://schemas.microsoft.com/office/drawing/2014/main" id="{167EA10F-4107-4D70-B763-25970B854D35}"/>
+              </a:ext>
+            </a:extLst>
+          </p:cNvPr>
+          <p:cNvSpPr>
+            <a:spLocks noChangeAspect="1"/>
+          </p:cNvSpPr>
+          <p:nvPr/>
+        </p:nvSpPr>
+        <p:spPr>
+          <a:xfrm>
+            <a:off x="6238082" y="2878745"/>
+            <a:ext cx="171409" cy="171409"/>
+          </a:xfrm>
+          <a:prstGeom prst="flowChartConnector">
+            <a:avLst/>
+          </a:prstGeom>
+          <a:solidFill>
+            <a:schemeClr val="tx1"/>
+          </a:solidFill>
+          <a:ln>
+            <a:solidFill>
+              <a:schemeClr val="tx1"/>
+            </a:solidFill>
+          </a:ln>
+        </p:spPr>
+        <p:style>
+          <a:lnRef idx="2">
+            <a:schemeClr val="accent1">
+              <a:shade val="50000"/>
+            </a:schemeClr>
+          </a:lnRef>
+          <a:fillRef idx="1">
+            <a:schemeClr val="accent1"/>
+          </a:fillRef>
+          <a:effectRef idx="0">
+            <a:schemeClr val="accent1"/>
+          </a:effectRef>
+          <a:fontRef idx="minor">
+            <a:schemeClr val="lt1"/>
+          </a:fontRef>
+        </p:style>
+        <p:txBody>
+          <a:bodyPr rtlCol="0" anchor="ctr"/>
+          <a:lstStyle>
+            <a:defPPr>
+              <a:defRPr lang="en-US"/>
+            </a:defPPr>
+            <a:lvl1pPr marL="0" algn="l" defTabSz="914400" rtl="0" eaLnBrk="1" latinLnBrk="0" hangingPunct="1">
+              <a:defRPr sz="1800" kern="1200">
+                <a:solidFill>
+                  <a:schemeClr val="lt1"/>
+                </a:solidFill>
+                <a:latin typeface="+mn-lt"/>
+                <a:ea typeface="+mn-ea"/>
+                <a:cs typeface="+mn-cs"/>
+              </a:defRPr>
+            </a:lvl1pPr>
+            <a:lvl2pPr marL="457200" algn="l" defTabSz="914400" rtl="0" eaLnBrk="1" latinLnBrk="0" hangingPunct="1">
+              <a:defRPr sz="1800" kern="1200">
+                <a:solidFill>
+                  <a:schemeClr val="lt1"/>
+                </a:solidFill>
+                <a:latin typeface="+mn-lt"/>
+                <a:ea typeface="+mn-ea"/>
+                <a:cs typeface="+mn-cs"/>
+              </a:defRPr>
+            </a:lvl2pPr>
+            <a:lvl3pPr marL="914400" algn="l" defTabSz="914400" rtl="0" eaLnBrk="1" latinLnBrk="0" hangingPunct="1">
+              <a:defRPr sz="1800" kern="1200">
+                <a:solidFill>
+                  <a:schemeClr val="lt1"/>
+                </a:solidFill>
+                <a:latin typeface="+mn-lt"/>
+                <a:ea typeface="+mn-ea"/>
+                <a:cs typeface="+mn-cs"/>
+              </a:defRPr>
+            </a:lvl3pPr>
+            <a:lvl4pPr marL="1371600" algn="l" defTabSz="914400" rtl="0" eaLnBrk="1" latinLnBrk="0" hangingPunct="1">
+              <a:defRPr sz="1800" kern="1200">
+                <a:solidFill>
+                  <a:schemeClr val="lt1"/>
+                </a:solidFill>
+                <a:latin typeface="+mn-lt"/>
+                <a:ea typeface="+mn-ea"/>
+                <a:cs typeface="+mn-cs"/>
+              </a:defRPr>
+            </a:lvl4pPr>
+            <a:lvl5pPr marL="1828800" algn="l" defTabSz="914400" rtl="0" eaLnBrk="1" latinLnBrk="0" hangingPunct="1">
+              <a:defRPr sz="1800" kern="1200">
+                <a:solidFill>
+                  <a:schemeClr val="lt1"/>
+                </a:solidFill>
+                <a:latin typeface="+mn-lt"/>
+                <a:ea typeface="+mn-ea"/>
+                <a:cs typeface="+mn-cs"/>
+              </a:defRPr>
+            </a:lvl5pPr>
+            <a:lvl6pPr marL="2286000" algn="l" defTabSz="914400" rtl="0" eaLnBrk="1" latinLnBrk="0" hangingPunct="1">
+              <a:defRPr sz="1800" kern="1200">
+                <a:solidFill>
+                  <a:schemeClr val="lt1"/>
+                </a:solidFill>
+                <a:latin typeface="+mn-lt"/>
+                <a:ea typeface="+mn-ea"/>
+                <a:cs typeface="+mn-cs"/>
+              </a:defRPr>
+            </a:lvl6pPr>
+            <a:lvl7pPr marL="2743200" algn="l" defTabSz="914400" rtl="0" eaLnBrk="1" latinLnBrk="0" hangingPunct="1">
+              <a:defRPr sz="1800" kern="1200">
+                <a:solidFill>
+                  <a:schemeClr val="lt1"/>
+                </a:solidFill>
+                <a:latin typeface="+mn-lt"/>
+                <a:ea typeface="+mn-ea"/>
+                <a:cs typeface="+mn-cs"/>
+              </a:defRPr>
+            </a:lvl7pPr>
+            <a:lvl8pPr marL="3200400" algn="l" defTabSz="914400" rtl="0" eaLnBrk="1" latinLnBrk="0" hangingPunct="1">
+              <a:defRPr sz="1800" kern="1200">
+                <a:solidFill>
+                  <a:schemeClr val="lt1"/>
+                </a:solidFill>
+                <a:latin typeface="+mn-lt"/>
+                <a:ea typeface="+mn-ea"/>
+                <a:cs typeface="+mn-cs"/>
+              </a:defRPr>
+            </a:lvl8pPr>
+            <a:lvl9pPr marL="3657600" algn="l" defTabSz="914400" rtl="0" eaLnBrk="1" latinLnBrk="0" hangingPunct="1">
+              <a:defRPr sz="1800" kern="1200">
+                <a:solidFill>
+                  <a:schemeClr val="lt1"/>
+                </a:solidFill>
+                <a:latin typeface="+mn-lt"/>
+                <a:ea typeface="+mn-ea"/>
+                <a:cs typeface="+mn-cs"/>
+              </a:defRPr>
+            </a:lvl9pPr>
+          </a:lstStyle>
+          <a:p>
+            <a:pPr algn="ctr"/>
+            <a:r>
+              <a:rPr lang="en-US" sz="1200" b="1" dirty="0"/>
+              <a:t>2</a:t>
+            </a:r>
+            <a:endParaRPr lang="en-US" b="1" dirty="0"/>
+          </a:p>
+        </p:txBody>
+      </p:sp>
+      <p:sp>
+        <p:nvSpPr>
+          <p:cNvPr id="17" name="TextBox 64">
+            <a:extLst>
+              <a:ext uri="{FF2B5EF4-FFF2-40B4-BE49-F238E27FC236}">
+                <a16:creationId xmlns:a16="http://schemas.microsoft.com/office/drawing/2014/main" id="{9943CDBA-96D3-49E9-BCCE-AF84FC6E3C84}"/>
+              </a:ext>
+            </a:extLst>
+          </p:cNvPr>
+          <p:cNvSpPr txBox="1"/>
+          <p:nvPr/>
+        </p:nvSpPr>
+        <p:spPr>
+          <a:xfrm>
+            <a:off x="6380650" y="3025747"/>
+            <a:ext cx="1409274" cy="461665"/>
+          </a:xfrm>
+          <a:prstGeom prst="rect">
+            <a:avLst/>
+          </a:prstGeom>
+          <a:noFill/>
+        </p:spPr>
+        <p:txBody>
+          <a:bodyPr wrap="square" rtlCol="0">
+            <a:spAutoFit/>
+          </a:bodyPr>
+          <a:lstStyle/>
+          <a:p>
+            <a:r>
+              <a:rPr lang="en-US" sz="1200" dirty="0"/>
+              <a:t>Returns identity token</a:t>
+            </a:r>
+          </a:p>
+        </p:txBody>
+      </p:sp>
+    </p:spTree>
+    <p:extLst>
+      <p:ext uri="{BB962C8B-B14F-4D97-AF65-F5344CB8AC3E}">
+        <p14:creationId xmlns:p14="http://schemas.microsoft.com/office/powerpoint/2010/main" val="996332032"/>
+      </p:ext>
+    </p:extLst>
+  </p:cSld>
+  <p:clrMapOvr>
+    <a:masterClrMapping/>
+  </p:clrMapOvr>
+</p:sld>
+</file>
+
+<file path=ppt/slides/slide12.xml><?xml version="1.0" encoding="utf-8"?>
+<p:sld xmlns:a="http://schemas.openxmlformats.org/drawingml/2006/main" xmlns:r="http://schemas.openxmlformats.org/officeDocument/2006/relationships" xmlns:p="http://schemas.openxmlformats.org/presentationml/2006/main">
+  <p:cSld>
+    <p:spTree>
+      <p:nvGrpSpPr>
+        <p:cNvPr id="1" name=""/>
+        <p:cNvGrpSpPr/>
+        <p:nvPr/>
+      </p:nvGrpSpPr>
+      <p:grpSpPr>
+        <a:xfrm>
+          <a:off x="0" y="0"/>
+          <a:ext cx="0" cy="0"/>
+          <a:chOff x="0" y="0"/>
+          <a:chExt cx="0" cy="0"/>
+        </a:xfrm>
+      </p:grpSpPr>
+      <p:cxnSp>
+        <p:nvCxnSpPr>
+          <p:cNvPr id="25" name="Connecteur droit avec flèche 24">
+            <a:extLst>
+              <a:ext uri="{FF2B5EF4-FFF2-40B4-BE49-F238E27FC236}">
+                <a16:creationId xmlns:a16="http://schemas.microsoft.com/office/drawing/2014/main" id="{730FADDE-CC4A-4A94-9DC8-9B749880E24D}"/>
+              </a:ext>
+            </a:extLst>
+          </p:cNvPr>
+          <p:cNvCxnSpPr>
+            <a:cxnSpLocks/>
+          </p:cNvCxnSpPr>
+          <p:nvPr/>
+        </p:nvCxnSpPr>
+        <p:spPr>
+          <a:xfrm flipV="1">
+            <a:off x="6096000" y="2337871"/>
+            <a:ext cx="0" cy="1369339"/>
+          </a:xfrm>
+          <a:prstGeom prst="straightConnector1">
+            <a:avLst/>
+          </a:prstGeom>
+          <a:ln>
+            <a:solidFill>
+              <a:schemeClr val="tx1"/>
+            </a:solidFill>
+            <a:tailEnd type="triangle"/>
+          </a:ln>
+        </p:spPr>
+        <p:style>
+          <a:lnRef idx="1">
+            <a:schemeClr val="accent1"/>
+          </a:lnRef>
+          <a:fillRef idx="0">
+            <a:schemeClr val="accent1"/>
+          </a:fillRef>
+          <a:effectRef idx="0">
+            <a:schemeClr val="accent1"/>
+          </a:effectRef>
+          <a:fontRef idx="minor">
+            <a:schemeClr val="tx1"/>
+          </a:fontRef>
+        </p:style>
+      </p:cxnSp>
+      <p:sp>
+        <p:nvSpPr>
+          <p:cNvPr id="5" name="Rectangle 4">
+            <a:extLst>
+              <a:ext uri="{FF2B5EF4-FFF2-40B4-BE49-F238E27FC236}">
+                <a16:creationId xmlns:a16="http://schemas.microsoft.com/office/drawing/2014/main" id="{D087BB47-C49D-408E-9440-3E8222E44078}"/>
+              </a:ext>
+            </a:extLst>
+          </p:cNvPr>
+          <p:cNvSpPr/>
+          <p:nvPr/>
+        </p:nvSpPr>
+        <p:spPr>
+          <a:xfrm>
+            <a:off x="4871382" y="3698490"/>
+            <a:ext cx="1228725" cy="1099185"/>
+          </a:xfrm>
+          <a:prstGeom prst="rect">
+            <a:avLst/>
+          </a:prstGeom>
+          <a:noFill/>
+          <a:ln>
+            <a:solidFill>
+              <a:schemeClr val="tx1"/>
+            </a:solidFill>
+          </a:ln>
+        </p:spPr>
+        <p:style>
+          <a:lnRef idx="2">
+            <a:schemeClr val="accent1">
+              <a:shade val="50000"/>
+            </a:schemeClr>
+          </a:lnRef>
+          <a:fillRef idx="1">
+            <a:schemeClr val="accent1"/>
+          </a:fillRef>
+          <a:effectRef idx="0">
+            <a:schemeClr val="accent1"/>
+          </a:effectRef>
+          <a:fontRef idx="minor">
+            <a:schemeClr val="lt1"/>
+          </a:fontRef>
+        </p:style>
+        <p:txBody>
+          <a:bodyPr rot="0" spcFirstLastPara="0" vert="horz" wrap="square" lIns="91440" tIns="45720" rIns="91440" bIns="45720" numCol="1" spcCol="0" rtlCol="0" fromWordArt="0" anchor="b" anchorCtr="0" forceAA="0" compatLnSpc="1">
+            <a:prstTxWarp prst="textNoShape">
+              <a:avLst/>
+            </a:prstTxWarp>
+            <a:noAutofit/>
+          </a:bodyPr>
+          <a:lstStyle/>
+          <a:p>
+            <a:pPr algn="ctr"/>
+            <a:r>
+              <a:rPr lang="en-US" sz="1600" dirty="0">
+                <a:solidFill>
+                  <a:schemeClr val="tx1"/>
+                </a:solidFill>
+              </a:rPr>
+              <a:t>Client</a:t>
+            </a:r>
+          </a:p>
+        </p:txBody>
+      </p:sp>
+      <p:grpSp>
+        <p:nvGrpSpPr>
+          <p:cNvPr id="7" name="Group 1">
+            <a:extLst>
+              <a:ext uri="{FF2B5EF4-FFF2-40B4-BE49-F238E27FC236}">
+                <a16:creationId xmlns:a16="http://schemas.microsoft.com/office/drawing/2014/main" id="{C60A8541-63C5-486D-A4A4-52C29B282946}"/>
+              </a:ext>
+            </a:extLst>
+          </p:cNvPr>
+          <p:cNvGrpSpPr/>
+          <p:nvPr/>
+        </p:nvGrpSpPr>
+        <p:grpSpPr>
+          <a:xfrm>
+            <a:off x="4867275" y="1238686"/>
+            <a:ext cx="1228725" cy="1099185"/>
+            <a:chOff x="3957637" y="2879407"/>
+            <a:chExt cx="1228725" cy="1099185"/>
+          </a:xfrm>
+        </p:grpSpPr>
+        <p:sp>
+          <p:nvSpPr>
+            <p:cNvPr id="8" name="Rectangle 7">
+              <a:extLst>
+                <a:ext uri="{FF2B5EF4-FFF2-40B4-BE49-F238E27FC236}">
+                  <a16:creationId xmlns:a16="http://schemas.microsoft.com/office/drawing/2014/main" id="{FF47F7DC-1C99-4561-B2E3-1A1847308E16}"/>
+                </a:ext>
+              </a:extLst>
+            </p:cNvPr>
+            <p:cNvSpPr/>
+            <p:nvPr/>
+          </p:nvSpPr>
+          <p:spPr>
+            <a:xfrm>
+              <a:off x="3957637" y="2879407"/>
+              <a:ext cx="1228725" cy="1099185"/>
+            </a:xfrm>
+            <a:prstGeom prst="rect">
+              <a:avLst/>
+            </a:prstGeom>
+            <a:noFill/>
+            <a:ln>
+              <a:solidFill>
+                <a:schemeClr val="tx1"/>
+              </a:solidFill>
+            </a:ln>
+          </p:spPr>
+          <p:style>
+            <a:lnRef idx="2">
+              <a:schemeClr val="accent1">
+                <a:shade val="50000"/>
+              </a:schemeClr>
+            </a:lnRef>
+            <a:fillRef idx="1">
+              <a:schemeClr val="accent1"/>
+            </a:fillRef>
+            <a:effectRef idx="0">
+              <a:schemeClr val="accent1"/>
+            </a:effectRef>
+            <a:fontRef idx="minor">
+              <a:schemeClr val="lt1"/>
+            </a:fontRef>
+          </p:style>
+          <p:txBody>
+            <a:bodyPr rot="0" spcFirstLastPara="0" vert="horz" wrap="square" lIns="91440" tIns="45720" rIns="91440" bIns="45720" numCol="1" spcCol="0" rtlCol="0" fromWordArt="0" anchor="b" anchorCtr="0" forceAA="0" compatLnSpc="1">
+              <a:prstTxWarp prst="textNoShape">
+                <a:avLst/>
+              </a:prstTxWarp>
+              <a:noAutofit/>
+            </a:bodyPr>
+            <a:lstStyle/>
+            <a:p>
+              <a:pPr algn="ctr"/>
+              <a:r>
+                <a:rPr lang="en-US" sz="1600" dirty="0">
+                  <a:solidFill>
+                    <a:schemeClr val="tx1"/>
+                  </a:solidFill>
+                </a:rPr>
+                <a:t>Id Server</a:t>
+              </a:r>
+            </a:p>
+          </p:txBody>
+        </p:sp>
+        <p:pic>
+          <p:nvPicPr>
+            <p:cNvPr id="9" name="Picture 30" descr="C:\Users\TH9628\Desktop\openid-icon-250x250.png">
+              <a:extLst>
+                <a:ext uri="{FF2B5EF4-FFF2-40B4-BE49-F238E27FC236}">
+                  <a16:creationId xmlns:a16="http://schemas.microsoft.com/office/drawing/2014/main" id="{F8037F2E-3A4E-40F7-BBFB-83DA0E90B4C1}"/>
+                </a:ext>
+              </a:extLst>
+            </p:cNvPr>
+            <p:cNvPicPr/>
+            <p:nvPr/>
+          </p:nvPicPr>
+          <p:blipFill>
+            <a:blip r:embed="rId2" cstate="print">
+              <a:extLst>
+                <a:ext uri="{28A0092B-C50C-407E-A947-70E740481C1C}">
+                  <a14:useLocalDpi xmlns:a14="http://schemas.microsoft.com/office/drawing/2010/main" val="0"/>
+                </a:ext>
+              </a:extLst>
+            </a:blip>
+            <a:srcRect/>
+            <a:stretch>
+              <a:fillRect/>
+            </a:stretch>
+          </p:blipFill>
+          <p:spPr bwMode="auto">
+            <a:xfrm>
+              <a:off x="4306748" y="3095431"/>
+              <a:ext cx="514985" cy="514985"/>
+            </a:xfrm>
+            <a:prstGeom prst="rect">
+              <a:avLst/>
+            </a:prstGeom>
+            <a:noFill/>
+            <a:ln>
+              <a:noFill/>
+            </a:ln>
+          </p:spPr>
+        </p:pic>
+      </p:grpSp>
+      <p:pic>
+        <p:nvPicPr>
+          <p:cNvPr id="14" name="Graphique 13">
+            <a:extLst>
+              <a:ext uri="{FF2B5EF4-FFF2-40B4-BE49-F238E27FC236}">
+                <a16:creationId xmlns:a16="http://schemas.microsoft.com/office/drawing/2014/main" id="{66FE6E21-C406-42EE-A88E-8186D5D1AF7B}"/>
+              </a:ext>
+            </a:extLst>
+          </p:cNvPr>
+          <p:cNvPicPr>
+            <a:picLocks noChangeAspect="1"/>
+          </p:cNvPicPr>
+          <p:nvPr/>
+        </p:nvPicPr>
+        <p:blipFill>
+          <a:blip r:embed="rId3">
+            <a:extLst>
+              <a:ext uri="{28A0092B-C50C-407E-A947-70E740481C1C}">
+                <a14:useLocalDpi xmlns:a14="http://schemas.microsoft.com/office/drawing/2010/main" val="0"/>
+              </a:ext>
+              <a:ext uri="{96DAC541-7B7A-43D3-8B79-37D633B846F1}">
+                <asvg:svgBlip xmlns:asvg="http://schemas.microsoft.com/office/drawing/2016/SVG/main" r:embed="rId4"/>
+              </a:ext>
+            </a:extLst>
+          </a:blip>
+          <a:stretch>
+            <a:fillRect/>
+          </a:stretch>
+        </p:blipFill>
+        <p:spPr>
+          <a:xfrm>
+            <a:off x="5115421" y="3779383"/>
+            <a:ext cx="729119" cy="649499"/>
+          </a:xfrm>
+          <a:prstGeom prst="rect">
+            <a:avLst/>
+          </a:prstGeom>
+        </p:spPr>
+      </p:pic>
+      <p:cxnSp>
+        <p:nvCxnSpPr>
+          <p:cNvPr id="15" name="Connecteur : en angle 14">
+            <a:extLst>
+              <a:ext uri="{FF2B5EF4-FFF2-40B4-BE49-F238E27FC236}">
+                <a16:creationId xmlns:a16="http://schemas.microsoft.com/office/drawing/2014/main" id="{17DF3DC6-C0AE-4ABC-BB13-97DC18675FE0}"/>
+              </a:ext>
+            </a:extLst>
+          </p:cNvPr>
+          <p:cNvCxnSpPr>
+            <a:cxnSpLocks/>
+          </p:cNvCxnSpPr>
+          <p:nvPr/>
+        </p:nvCxnSpPr>
+        <p:spPr>
+          <a:xfrm rot="16200000" flipV="1">
+            <a:off x="3630219" y="3025335"/>
+            <a:ext cx="2486812" cy="12700"/>
+          </a:xfrm>
+          <a:prstGeom prst="bentConnector4">
+            <a:avLst>
+              <a:gd name="adj1" fmla="val -67"/>
+              <a:gd name="adj2" fmla="val 11620000"/>
+            </a:avLst>
+          </a:prstGeom>
+          <a:ln>
+            <a:solidFill>
+              <a:schemeClr val="tx1"/>
+            </a:solidFill>
+            <a:tailEnd type="triangle"/>
+          </a:ln>
+        </p:spPr>
+        <p:style>
+          <a:lnRef idx="1">
+            <a:schemeClr val="accent1"/>
+          </a:lnRef>
+          <a:fillRef idx="0">
+            <a:schemeClr val="accent1"/>
+          </a:fillRef>
+          <a:effectRef idx="0">
+            <a:schemeClr val="accent1"/>
+          </a:effectRef>
+          <a:fontRef idx="minor">
+            <a:schemeClr val="tx1"/>
+          </a:fontRef>
+        </p:style>
+      </p:cxnSp>
+      <p:sp>
+        <p:nvSpPr>
+          <p:cNvPr id="17" name="Flowchart: Connector 48">
+            <a:extLst>
+              <a:ext uri="{FF2B5EF4-FFF2-40B4-BE49-F238E27FC236}">
+                <a16:creationId xmlns:a16="http://schemas.microsoft.com/office/drawing/2014/main" id="{F939F3C6-FE5D-44EB-93DB-1CD592373CC2}"/>
+              </a:ext>
+            </a:extLst>
+          </p:cNvPr>
+          <p:cNvSpPr>
+            <a:spLocks noChangeAspect="1"/>
+          </p:cNvSpPr>
+          <p:nvPr/>
+        </p:nvSpPr>
+        <p:spPr>
+          <a:xfrm>
+            <a:off x="3313042" y="2936228"/>
+            <a:ext cx="171409" cy="171409"/>
+          </a:xfrm>
+          <a:prstGeom prst="flowChartConnector">
+            <a:avLst/>
+          </a:prstGeom>
+          <a:solidFill>
+            <a:schemeClr val="tx1"/>
+          </a:solidFill>
+          <a:ln>
+            <a:solidFill>
+              <a:schemeClr val="tx1"/>
+            </a:solidFill>
+          </a:ln>
+        </p:spPr>
+        <p:style>
+          <a:lnRef idx="2">
+            <a:schemeClr val="accent1">
+              <a:shade val="50000"/>
+            </a:schemeClr>
+          </a:lnRef>
+          <a:fillRef idx="1">
+            <a:schemeClr val="accent1"/>
+          </a:fillRef>
+          <a:effectRef idx="0">
+            <a:schemeClr val="accent1"/>
+          </a:effectRef>
+          <a:fontRef idx="minor">
+            <a:schemeClr val="lt1"/>
+          </a:fontRef>
+        </p:style>
+        <p:txBody>
+          <a:bodyPr rtlCol="0" anchor="ctr"/>
+          <a:lstStyle>
+            <a:defPPr>
+              <a:defRPr lang="en-US"/>
+            </a:defPPr>
+            <a:lvl1pPr marL="0" algn="l" defTabSz="914400" rtl="0" eaLnBrk="1" latinLnBrk="0" hangingPunct="1">
+              <a:defRPr sz="1800" kern="1200">
+                <a:solidFill>
+                  <a:schemeClr val="lt1"/>
+                </a:solidFill>
+                <a:latin typeface="+mn-lt"/>
+                <a:ea typeface="+mn-ea"/>
+                <a:cs typeface="+mn-cs"/>
+              </a:defRPr>
+            </a:lvl1pPr>
+            <a:lvl2pPr marL="457200" algn="l" defTabSz="914400" rtl="0" eaLnBrk="1" latinLnBrk="0" hangingPunct="1">
+              <a:defRPr sz="1800" kern="1200">
+                <a:solidFill>
+                  <a:schemeClr val="lt1"/>
+                </a:solidFill>
+                <a:latin typeface="+mn-lt"/>
+                <a:ea typeface="+mn-ea"/>
+                <a:cs typeface="+mn-cs"/>
+              </a:defRPr>
+            </a:lvl2pPr>
+            <a:lvl3pPr marL="914400" algn="l" defTabSz="914400" rtl="0" eaLnBrk="1" latinLnBrk="0" hangingPunct="1">
+              <a:defRPr sz="1800" kern="1200">
+                <a:solidFill>
+                  <a:schemeClr val="lt1"/>
+                </a:solidFill>
+                <a:latin typeface="+mn-lt"/>
+                <a:ea typeface="+mn-ea"/>
+                <a:cs typeface="+mn-cs"/>
+              </a:defRPr>
+            </a:lvl3pPr>
+            <a:lvl4pPr marL="1371600" algn="l" defTabSz="914400" rtl="0" eaLnBrk="1" latinLnBrk="0" hangingPunct="1">
+              <a:defRPr sz="1800" kern="1200">
+                <a:solidFill>
+                  <a:schemeClr val="lt1"/>
+                </a:solidFill>
+                <a:latin typeface="+mn-lt"/>
+                <a:ea typeface="+mn-ea"/>
+                <a:cs typeface="+mn-cs"/>
+              </a:defRPr>
+            </a:lvl4pPr>
+            <a:lvl5pPr marL="1828800" algn="l" defTabSz="914400" rtl="0" eaLnBrk="1" latinLnBrk="0" hangingPunct="1">
+              <a:defRPr sz="1800" kern="1200">
+                <a:solidFill>
+                  <a:schemeClr val="lt1"/>
+                </a:solidFill>
+                <a:latin typeface="+mn-lt"/>
+                <a:ea typeface="+mn-ea"/>
+                <a:cs typeface="+mn-cs"/>
+              </a:defRPr>
+            </a:lvl5pPr>
+            <a:lvl6pPr marL="2286000" algn="l" defTabSz="914400" rtl="0" eaLnBrk="1" latinLnBrk="0" hangingPunct="1">
+              <a:defRPr sz="1800" kern="1200">
+                <a:solidFill>
+                  <a:schemeClr val="lt1"/>
+                </a:solidFill>
+                <a:latin typeface="+mn-lt"/>
+                <a:ea typeface="+mn-ea"/>
+                <a:cs typeface="+mn-cs"/>
+              </a:defRPr>
+            </a:lvl6pPr>
+            <a:lvl7pPr marL="2743200" algn="l" defTabSz="914400" rtl="0" eaLnBrk="1" latinLnBrk="0" hangingPunct="1">
+              <a:defRPr sz="1800" kern="1200">
+                <a:solidFill>
+                  <a:schemeClr val="lt1"/>
+                </a:solidFill>
+                <a:latin typeface="+mn-lt"/>
+                <a:ea typeface="+mn-ea"/>
+                <a:cs typeface="+mn-cs"/>
+              </a:defRPr>
+            </a:lvl7pPr>
+            <a:lvl8pPr marL="3200400" algn="l" defTabSz="914400" rtl="0" eaLnBrk="1" latinLnBrk="0" hangingPunct="1">
+              <a:defRPr sz="1800" kern="1200">
+                <a:solidFill>
+                  <a:schemeClr val="lt1"/>
+                </a:solidFill>
+                <a:latin typeface="+mn-lt"/>
+                <a:ea typeface="+mn-ea"/>
+                <a:cs typeface="+mn-cs"/>
+              </a:defRPr>
+            </a:lvl8pPr>
+            <a:lvl9pPr marL="3657600" algn="l" defTabSz="914400" rtl="0" eaLnBrk="1" latinLnBrk="0" hangingPunct="1">
+              <a:defRPr sz="1800" kern="1200">
+                <a:solidFill>
+                  <a:schemeClr val="lt1"/>
+                </a:solidFill>
+                <a:latin typeface="+mn-lt"/>
+                <a:ea typeface="+mn-ea"/>
+                <a:cs typeface="+mn-cs"/>
+              </a:defRPr>
+            </a:lvl9pPr>
+          </a:lstStyle>
+          <a:p>
+            <a:pPr algn="ctr"/>
+            <a:r>
+              <a:rPr lang="en-US" sz="1200" b="1" dirty="0"/>
+              <a:t>1</a:t>
+            </a:r>
+            <a:endParaRPr lang="en-US" b="1" dirty="0"/>
+          </a:p>
+        </p:txBody>
+      </p:sp>
+      <p:sp>
+        <p:nvSpPr>
+          <p:cNvPr id="18" name="TextBox 64">
+            <a:extLst>
+              <a:ext uri="{FF2B5EF4-FFF2-40B4-BE49-F238E27FC236}">
+                <a16:creationId xmlns:a16="http://schemas.microsoft.com/office/drawing/2014/main" id="{2AD3988E-1CED-4AEF-8FA6-2E80C66735D0}"/>
+              </a:ext>
+            </a:extLst>
+          </p:cNvPr>
+          <p:cNvSpPr txBox="1"/>
+          <p:nvPr/>
+        </p:nvSpPr>
+        <p:spPr>
+          <a:xfrm>
+            <a:off x="3424722" y="2313495"/>
+            <a:ext cx="1442552" cy="1077218"/>
+          </a:xfrm>
+          <a:prstGeom prst="rect">
+            <a:avLst/>
+          </a:prstGeom>
+          <a:noFill/>
+        </p:spPr>
+        <p:txBody>
+          <a:bodyPr wrap="square" rtlCol="0">
+            <a:spAutoFit/>
+          </a:bodyPr>
+          <a:lstStyle/>
+          <a:p>
+            <a:r>
+              <a:rPr lang="en-US" sz="1200" dirty="0"/>
+              <a:t>Use </a:t>
+            </a:r>
+            <a:r>
+              <a:rPr lang="en-US" sz="1200" dirty="0" err="1"/>
+              <a:t>authorization_code</a:t>
+            </a:r>
+            <a:r>
+              <a:rPr lang="en-US" sz="1200" dirty="0"/>
+              <a:t> grant-type to get authorization code.</a:t>
+            </a:r>
+          </a:p>
+          <a:p>
+            <a:r>
+              <a:rPr lang="en-US" sz="800" dirty="0"/>
+              <a:t>Parameters : </a:t>
+            </a:r>
+            <a:r>
+              <a:rPr lang="en-US" sz="800" b="1" dirty="0" err="1"/>
+              <a:t>code_challenge</a:t>
+            </a:r>
+            <a:r>
+              <a:rPr lang="en-US" sz="800" dirty="0"/>
+              <a:t> and </a:t>
+            </a:r>
+            <a:r>
+              <a:rPr lang="en-US" sz="800" b="1" dirty="0" err="1"/>
+              <a:t>code_challenge_method</a:t>
+            </a:r>
+            <a:endParaRPr lang="en-US" sz="800" b="1" dirty="0"/>
+          </a:p>
+        </p:txBody>
+      </p:sp>
+      <p:cxnSp>
+        <p:nvCxnSpPr>
+          <p:cNvPr id="19" name="Connecteur droit avec flèche 18">
+            <a:extLst>
+              <a:ext uri="{FF2B5EF4-FFF2-40B4-BE49-F238E27FC236}">
+                <a16:creationId xmlns:a16="http://schemas.microsoft.com/office/drawing/2014/main" id="{DB460B78-4EDA-40CC-968A-21B520C41B3B}"/>
+              </a:ext>
+            </a:extLst>
+          </p:cNvPr>
+          <p:cNvCxnSpPr>
+            <a:cxnSpLocks/>
+          </p:cNvCxnSpPr>
+          <p:nvPr/>
+        </p:nvCxnSpPr>
+        <p:spPr>
+          <a:xfrm flipH="1">
+            <a:off x="4879975" y="2337871"/>
+            <a:ext cx="1" cy="1369338"/>
+          </a:xfrm>
+          <a:prstGeom prst="straightConnector1">
+            <a:avLst/>
+          </a:prstGeom>
+          <a:ln>
+            <a:solidFill>
+              <a:schemeClr val="tx1"/>
+            </a:solidFill>
+            <a:tailEnd type="triangle"/>
+          </a:ln>
+        </p:spPr>
+        <p:style>
+          <a:lnRef idx="1">
+            <a:schemeClr val="accent1"/>
+          </a:lnRef>
+          <a:fillRef idx="0">
+            <a:schemeClr val="accent1"/>
+          </a:fillRef>
+          <a:effectRef idx="0">
+            <a:schemeClr val="accent1"/>
+          </a:effectRef>
+          <a:fontRef idx="minor">
+            <a:schemeClr val="tx1"/>
+          </a:fontRef>
+        </p:style>
+      </p:cxnSp>
+      <p:sp>
+        <p:nvSpPr>
+          <p:cNvPr id="20" name="Flowchart: Connector 48">
+            <a:extLst>
+              <a:ext uri="{FF2B5EF4-FFF2-40B4-BE49-F238E27FC236}">
+                <a16:creationId xmlns:a16="http://schemas.microsoft.com/office/drawing/2014/main" id="{D1722DB3-C4DA-4E2E-B7CB-F38155852A1C}"/>
+              </a:ext>
+            </a:extLst>
+          </p:cNvPr>
+          <p:cNvSpPr>
+            <a:spLocks noChangeAspect="1"/>
+          </p:cNvSpPr>
+          <p:nvPr/>
+        </p:nvSpPr>
+        <p:spPr>
+          <a:xfrm>
+            <a:off x="4787919" y="2878745"/>
+            <a:ext cx="171409" cy="171409"/>
+          </a:xfrm>
+          <a:prstGeom prst="flowChartConnector">
+            <a:avLst/>
+          </a:prstGeom>
+          <a:solidFill>
+            <a:schemeClr val="tx1"/>
+          </a:solidFill>
+          <a:ln>
+            <a:solidFill>
+              <a:schemeClr val="tx1"/>
+            </a:solidFill>
+          </a:ln>
+        </p:spPr>
+        <p:style>
+          <a:lnRef idx="2">
+            <a:schemeClr val="accent1">
+              <a:shade val="50000"/>
+            </a:schemeClr>
+          </a:lnRef>
+          <a:fillRef idx="1">
+            <a:schemeClr val="accent1"/>
+          </a:fillRef>
+          <a:effectRef idx="0">
+            <a:schemeClr val="accent1"/>
+          </a:effectRef>
+          <a:fontRef idx="minor">
+            <a:schemeClr val="lt1"/>
+          </a:fontRef>
+        </p:style>
+        <p:txBody>
+          <a:bodyPr rtlCol="0" anchor="ctr"/>
+          <a:lstStyle>
+            <a:defPPr>
+              <a:defRPr lang="en-US"/>
+            </a:defPPr>
+            <a:lvl1pPr marL="0" algn="l" defTabSz="914400" rtl="0" eaLnBrk="1" latinLnBrk="0" hangingPunct="1">
+              <a:defRPr sz="1800" kern="1200">
+                <a:solidFill>
+                  <a:schemeClr val="lt1"/>
+                </a:solidFill>
+                <a:latin typeface="+mn-lt"/>
+                <a:ea typeface="+mn-ea"/>
+                <a:cs typeface="+mn-cs"/>
+              </a:defRPr>
+            </a:lvl1pPr>
+            <a:lvl2pPr marL="457200" algn="l" defTabSz="914400" rtl="0" eaLnBrk="1" latinLnBrk="0" hangingPunct="1">
+              <a:defRPr sz="1800" kern="1200">
+                <a:solidFill>
+                  <a:schemeClr val="lt1"/>
+                </a:solidFill>
+                <a:latin typeface="+mn-lt"/>
+                <a:ea typeface="+mn-ea"/>
+                <a:cs typeface="+mn-cs"/>
+              </a:defRPr>
+            </a:lvl2pPr>
+            <a:lvl3pPr marL="914400" algn="l" defTabSz="914400" rtl="0" eaLnBrk="1" latinLnBrk="0" hangingPunct="1">
+              <a:defRPr sz="1800" kern="1200">
+                <a:solidFill>
+                  <a:schemeClr val="lt1"/>
+                </a:solidFill>
+                <a:latin typeface="+mn-lt"/>
+                <a:ea typeface="+mn-ea"/>
+                <a:cs typeface="+mn-cs"/>
+              </a:defRPr>
+            </a:lvl3pPr>
+            <a:lvl4pPr marL="1371600" algn="l" defTabSz="914400" rtl="0" eaLnBrk="1" latinLnBrk="0" hangingPunct="1">
+              <a:defRPr sz="1800" kern="1200">
+                <a:solidFill>
+                  <a:schemeClr val="lt1"/>
+                </a:solidFill>
+                <a:latin typeface="+mn-lt"/>
+                <a:ea typeface="+mn-ea"/>
+                <a:cs typeface="+mn-cs"/>
+              </a:defRPr>
+            </a:lvl4pPr>
+            <a:lvl5pPr marL="1828800" algn="l" defTabSz="914400" rtl="0" eaLnBrk="1" latinLnBrk="0" hangingPunct="1">
+              <a:defRPr sz="1800" kern="1200">
+                <a:solidFill>
+                  <a:schemeClr val="lt1"/>
+                </a:solidFill>
+                <a:latin typeface="+mn-lt"/>
+                <a:ea typeface="+mn-ea"/>
+                <a:cs typeface="+mn-cs"/>
+              </a:defRPr>
+            </a:lvl5pPr>
+            <a:lvl6pPr marL="2286000" algn="l" defTabSz="914400" rtl="0" eaLnBrk="1" latinLnBrk="0" hangingPunct="1">
+              <a:defRPr sz="1800" kern="1200">
+                <a:solidFill>
+                  <a:schemeClr val="lt1"/>
+                </a:solidFill>
+                <a:latin typeface="+mn-lt"/>
+                <a:ea typeface="+mn-ea"/>
+                <a:cs typeface="+mn-cs"/>
+              </a:defRPr>
+            </a:lvl6pPr>
+            <a:lvl7pPr marL="2743200" algn="l" defTabSz="914400" rtl="0" eaLnBrk="1" latinLnBrk="0" hangingPunct="1">
+              <a:defRPr sz="1800" kern="1200">
+                <a:solidFill>
+                  <a:schemeClr val="lt1"/>
+                </a:solidFill>
+                <a:latin typeface="+mn-lt"/>
+                <a:ea typeface="+mn-ea"/>
+                <a:cs typeface="+mn-cs"/>
+              </a:defRPr>
+            </a:lvl7pPr>
+            <a:lvl8pPr marL="3200400" algn="l" defTabSz="914400" rtl="0" eaLnBrk="1" latinLnBrk="0" hangingPunct="1">
+              <a:defRPr sz="1800" kern="1200">
+                <a:solidFill>
+                  <a:schemeClr val="lt1"/>
+                </a:solidFill>
+                <a:latin typeface="+mn-lt"/>
+                <a:ea typeface="+mn-ea"/>
+                <a:cs typeface="+mn-cs"/>
+              </a:defRPr>
+            </a:lvl8pPr>
+            <a:lvl9pPr marL="3657600" algn="l" defTabSz="914400" rtl="0" eaLnBrk="1" latinLnBrk="0" hangingPunct="1">
+              <a:defRPr sz="1800" kern="1200">
+                <a:solidFill>
+                  <a:schemeClr val="lt1"/>
+                </a:solidFill>
+                <a:latin typeface="+mn-lt"/>
+                <a:ea typeface="+mn-ea"/>
+                <a:cs typeface="+mn-cs"/>
+              </a:defRPr>
+            </a:lvl9pPr>
+          </a:lstStyle>
+          <a:p>
+            <a:pPr algn="ctr"/>
+            <a:r>
+              <a:rPr lang="en-US" sz="1200" b="1" dirty="0"/>
+              <a:t>2</a:t>
+            </a:r>
+            <a:endParaRPr lang="en-US" b="1" dirty="0"/>
+          </a:p>
+        </p:txBody>
+      </p:sp>
+      <p:sp>
+        <p:nvSpPr>
+          <p:cNvPr id="21" name="TextBox 64">
+            <a:extLst>
+              <a:ext uri="{FF2B5EF4-FFF2-40B4-BE49-F238E27FC236}">
+                <a16:creationId xmlns:a16="http://schemas.microsoft.com/office/drawing/2014/main" id="{B746D25A-7C4B-4353-98B9-B0D933DB27B9}"/>
+              </a:ext>
+            </a:extLst>
+          </p:cNvPr>
+          <p:cNvSpPr txBox="1"/>
+          <p:nvPr/>
+        </p:nvSpPr>
+        <p:spPr>
+          <a:xfrm>
+            <a:off x="4777000" y="2970809"/>
+            <a:ext cx="1409274" cy="646331"/>
+          </a:xfrm>
+          <a:prstGeom prst="rect">
+            <a:avLst/>
+          </a:prstGeom>
+          <a:noFill/>
+        </p:spPr>
+        <p:txBody>
+          <a:bodyPr wrap="square" rtlCol="0">
+            <a:spAutoFit/>
+          </a:bodyPr>
+          <a:lstStyle/>
+          <a:p>
+            <a:r>
+              <a:rPr lang="en-US" sz="1200" dirty="0"/>
+              <a:t>Returns authorization</a:t>
+            </a:r>
+          </a:p>
+          <a:p>
+            <a:r>
+              <a:rPr lang="en-US" sz="1200" dirty="0"/>
+              <a:t> code</a:t>
+            </a:r>
+          </a:p>
+        </p:txBody>
+      </p:sp>
+      <p:sp>
+        <p:nvSpPr>
+          <p:cNvPr id="23" name="Flowchart: Connector 48">
+            <a:extLst>
+              <a:ext uri="{FF2B5EF4-FFF2-40B4-BE49-F238E27FC236}">
+                <a16:creationId xmlns:a16="http://schemas.microsoft.com/office/drawing/2014/main" id="{BB2A0341-E0CB-4423-9ADC-1C57F7B4461E}"/>
+              </a:ext>
+            </a:extLst>
+          </p:cNvPr>
+          <p:cNvSpPr>
+            <a:spLocks noChangeAspect="1"/>
+          </p:cNvSpPr>
+          <p:nvPr/>
+        </p:nvSpPr>
+        <p:spPr>
+          <a:xfrm>
+            <a:off x="6007976" y="2874930"/>
+            <a:ext cx="171409" cy="171409"/>
+          </a:xfrm>
+          <a:prstGeom prst="flowChartConnector">
+            <a:avLst/>
+          </a:prstGeom>
+          <a:solidFill>
+            <a:schemeClr val="tx1"/>
+          </a:solidFill>
+          <a:ln>
+            <a:solidFill>
+              <a:schemeClr val="tx1"/>
+            </a:solidFill>
+          </a:ln>
+        </p:spPr>
+        <p:style>
+          <a:lnRef idx="2">
+            <a:schemeClr val="accent1">
+              <a:shade val="50000"/>
+            </a:schemeClr>
+          </a:lnRef>
+          <a:fillRef idx="1">
+            <a:schemeClr val="accent1"/>
+          </a:fillRef>
+          <a:effectRef idx="0">
+            <a:schemeClr val="accent1"/>
+          </a:effectRef>
+          <a:fontRef idx="minor">
+            <a:schemeClr val="lt1"/>
+          </a:fontRef>
+        </p:style>
+        <p:txBody>
+          <a:bodyPr rtlCol="0" anchor="ctr"/>
+          <a:lstStyle>
+            <a:defPPr>
+              <a:defRPr lang="en-US"/>
+            </a:defPPr>
+            <a:lvl1pPr marL="0" algn="l" defTabSz="914400" rtl="0" eaLnBrk="1" latinLnBrk="0" hangingPunct="1">
+              <a:defRPr sz="1800" kern="1200">
+                <a:solidFill>
+                  <a:schemeClr val="lt1"/>
+                </a:solidFill>
+                <a:latin typeface="+mn-lt"/>
+                <a:ea typeface="+mn-ea"/>
+                <a:cs typeface="+mn-cs"/>
+              </a:defRPr>
+            </a:lvl1pPr>
+            <a:lvl2pPr marL="457200" algn="l" defTabSz="914400" rtl="0" eaLnBrk="1" latinLnBrk="0" hangingPunct="1">
+              <a:defRPr sz="1800" kern="1200">
+                <a:solidFill>
+                  <a:schemeClr val="lt1"/>
+                </a:solidFill>
+                <a:latin typeface="+mn-lt"/>
+                <a:ea typeface="+mn-ea"/>
+                <a:cs typeface="+mn-cs"/>
+              </a:defRPr>
+            </a:lvl2pPr>
+            <a:lvl3pPr marL="914400" algn="l" defTabSz="914400" rtl="0" eaLnBrk="1" latinLnBrk="0" hangingPunct="1">
+              <a:defRPr sz="1800" kern="1200">
+                <a:solidFill>
+                  <a:schemeClr val="lt1"/>
+                </a:solidFill>
+                <a:latin typeface="+mn-lt"/>
+                <a:ea typeface="+mn-ea"/>
+                <a:cs typeface="+mn-cs"/>
+              </a:defRPr>
+            </a:lvl3pPr>
+            <a:lvl4pPr marL="1371600" algn="l" defTabSz="914400" rtl="0" eaLnBrk="1" latinLnBrk="0" hangingPunct="1">
+              <a:defRPr sz="1800" kern="1200">
+                <a:solidFill>
+                  <a:schemeClr val="lt1"/>
+                </a:solidFill>
+                <a:latin typeface="+mn-lt"/>
+                <a:ea typeface="+mn-ea"/>
+                <a:cs typeface="+mn-cs"/>
+              </a:defRPr>
+            </a:lvl4pPr>
+            <a:lvl5pPr marL="1828800" algn="l" defTabSz="914400" rtl="0" eaLnBrk="1" latinLnBrk="0" hangingPunct="1">
+              <a:defRPr sz="1800" kern="1200">
+                <a:solidFill>
+                  <a:schemeClr val="lt1"/>
+                </a:solidFill>
+                <a:latin typeface="+mn-lt"/>
+                <a:ea typeface="+mn-ea"/>
+                <a:cs typeface="+mn-cs"/>
+              </a:defRPr>
+            </a:lvl5pPr>
+            <a:lvl6pPr marL="2286000" algn="l" defTabSz="914400" rtl="0" eaLnBrk="1" latinLnBrk="0" hangingPunct="1">
+              <a:defRPr sz="1800" kern="1200">
+                <a:solidFill>
+                  <a:schemeClr val="lt1"/>
+                </a:solidFill>
+                <a:latin typeface="+mn-lt"/>
+                <a:ea typeface="+mn-ea"/>
+                <a:cs typeface="+mn-cs"/>
+              </a:defRPr>
+            </a:lvl6pPr>
+            <a:lvl7pPr marL="2743200" algn="l" defTabSz="914400" rtl="0" eaLnBrk="1" latinLnBrk="0" hangingPunct="1">
+              <a:defRPr sz="1800" kern="1200">
+                <a:solidFill>
+                  <a:schemeClr val="lt1"/>
+                </a:solidFill>
+                <a:latin typeface="+mn-lt"/>
+                <a:ea typeface="+mn-ea"/>
+                <a:cs typeface="+mn-cs"/>
+              </a:defRPr>
+            </a:lvl7pPr>
+            <a:lvl8pPr marL="3200400" algn="l" defTabSz="914400" rtl="0" eaLnBrk="1" latinLnBrk="0" hangingPunct="1">
+              <a:defRPr sz="1800" kern="1200">
+                <a:solidFill>
+                  <a:schemeClr val="lt1"/>
+                </a:solidFill>
+                <a:latin typeface="+mn-lt"/>
+                <a:ea typeface="+mn-ea"/>
+                <a:cs typeface="+mn-cs"/>
+              </a:defRPr>
+            </a:lvl8pPr>
+            <a:lvl9pPr marL="3657600" algn="l" defTabSz="914400" rtl="0" eaLnBrk="1" latinLnBrk="0" hangingPunct="1">
+              <a:defRPr sz="1800" kern="1200">
+                <a:solidFill>
+                  <a:schemeClr val="lt1"/>
+                </a:solidFill>
+                <a:latin typeface="+mn-lt"/>
+                <a:ea typeface="+mn-ea"/>
+                <a:cs typeface="+mn-cs"/>
+              </a:defRPr>
+            </a:lvl9pPr>
+          </a:lstStyle>
+          <a:p>
+            <a:pPr algn="ctr"/>
+            <a:r>
+              <a:rPr lang="en-US" sz="1200" b="1" dirty="0"/>
+              <a:t>3</a:t>
+            </a:r>
+            <a:endParaRPr lang="en-US" b="1" dirty="0"/>
+          </a:p>
+        </p:txBody>
+      </p:sp>
+      <p:sp>
+        <p:nvSpPr>
+          <p:cNvPr id="24" name="TextBox 64">
+            <a:extLst>
+              <a:ext uri="{FF2B5EF4-FFF2-40B4-BE49-F238E27FC236}">
+                <a16:creationId xmlns:a16="http://schemas.microsoft.com/office/drawing/2014/main" id="{9790833B-5AD7-493C-9769-9AF8C66F6FBC}"/>
+              </a:ext>
+            </a:extLst>
+          </p:cNvPr>
+          <p:cNvSpPr txBox="1"/>
+          <p:nvPr/>
+        </p:nvSpPr>
+        <p:spPr>
+          <a:xfrm>
+            <a:off x="6084776" y="3042929"/>
+            <a:ext cx="1409274" cy="769441"/>
+          </a:xfrm>
+          <a:prstGeom prst="rect">
+            <a:avLst/>
+          </a:prstGeom>
+          <a:noFill/>
+        </p:spPr>
+        <p:txBody>
+          <a:bodyPr wrap="square" rtlCol="0">
+            <a:spAutoFit/>
+          </a:bodyPr>
+          <a:lstStyle/>
+          <a:p>
+            <a:r>
+              <a:rPr lang="en-US" sz="1200" dirty="0"/>
+              <a:t>Use authorization code to get identity token</a:t>
+            </a:r>
+          </a:p>
+          <a:p>
+            <a:r>
+              <a:rPr lang="en-US" sz="800" dirty="0"/>
+              <a:t>Parameters : </a:t>
+            </a:r>
+            <a:r>
+              <a:rPr lang="en-US" sz="800" b="1" dirty="0" err="1"/>
+              <a:t>code_verifier</a:t>
+            </a:r>
+            <a:endParaRPr lang="en-US" sz="800" b="1" dirty="0"/>
+          </a:p>
+        </p:txBody>
+      </p:sp>
+      <p:cxnSp>
+        <p:nvCxnSpPr>
+          <p:cNvPr id="26" name="Connecteur : en angle 25">
+            <a:extLst>
+              <a:ext uri="{FF2B5EF4-FFF2-40B4-BE49-F238E27FC236}">
+                <a16:creationId xmlns:a16="http://schemas.microsoft.com/office/drawing/2014/main" id="{87B716F1-280F-42CC-B092-0915E2E8CC0E}"/>
+              </a:ext>
+            </a:extLst>
+          </p:cNvPr>
+          <p:cNvCxnSpPr/>
+          <p:nvPr/>
+        </p:nvCxnSpPr>
+        <p:spPr>
+          <a:xfrm>
+            <a:off x="6096000" y="1788279"/>
+            <a:ext cx="4107" cy="2459804"/>
+          </a:xfrm>
+          <a:prstGeom prst="bentConnector3">
+            <a:avLst>
+              <a:gd name="adj1" fmla="val 32754492"/>
+            </a:avLst>
+          </a:prstGeom>
+          <a:ln>
+            <a:solidFill>
+              <a:schemeClr val="tx1"/>
+            </a:solidFill>
+            <a:tailEnd type="triangle"/>
+          </a:ln>
+        </p:spPr>
+        <p:style>
+          <a:lnRef idx="1">
+            <a:schemeClr val="accent1"/>
+          </a:lnRef>
+          <a:fillRef idx="0">
+            <a:schemeClr val="accent1"/>
+          </a:fillRef>
+          <a:effectRef idx="0">
+            <a:schemeClr val="accent1"/>
+          </a:effectRef>
+          <a:fontRef idx="minor">
+            <a:schemeClr val="tx1"/>
+          </a:fontRef>
+        </p:style>
+      </p:cxnSp>
+      <p:sp>
+        <p:nvSpPr>
+          <p:cNvPr id="27" name="Flowchart: Connector 48">
+            <a:extLst>
+              <a:ext uri="{FF2B5EF4-FFF2-40B4-BE49-F238E27FC236}">
+                <a16:creationId xmlns:a16="http://schemas.microsoft.com/office/drawing/2014/main" id="{107AB715-69F2-46DD-8D4E-910FD6020FD1}"/>
+              </a:ext>
+            </a:extLst>
+          </p:cNvPr>
+          <p:cNvSpPr>
+            <a:spLocks noChangeAspect="1"/>
+          </p:cNvSpPr>
+          <p:nvPr/>
+        </p:nvSpPr>
+        <p:spPr>
+          <a:xfrm>
+            <a:off x="7362280" y="2874930"/>
+            <a:ext cx="171409" cy="171409"/>
+          </a:xfrm>
+          <a:prstGeom prst="flowChartConnector">
+            <a:avLst/>
+          </a:prstGeom>
+          <a:solidFill>
+            <a:schemeClr val="tx1"/>
+          </a:solidFill>
+          <a:ln>
+            <a:solidFill>
+              <a:schemeClr val="tx1"/>
+            </a:solidFill>
+          </a:ln>
+        </p:spPr>
+        <p:style>
+          <a:lnRef idx="2">
+            <a:schemeClr val="accent1">
+              <a:shade val="50000"/>
+            </a:schemeClr>
+          </a:lnRef>
+          <a:fillRef idx="1">
+            <a:schemeClr val="accent1"/>
+          </a:fillRef>
+          <a:effectRef idx="0">
+            <a:schemeClr val="accent1"/>
+          </a:effectRef>
+          <a:fontRef idx="minor">
+            <a:schemeClr val="lt1"/>
+          </a:fontRef>
+        </p:style>
+        <p:txBody>
+          <a:bodyPr rtlCol="0" anchor="ctr"/>
+          <a:lstStyle>
+            <a:defPPr>
+              <a:defRPr lang="en-US"/>
+            </a:defPPr>
+            <a:lvl1pPr marL="0" algn="l" defTabSz="914400" rtl="0" eaLnBrk="1" latinLnBrk="0" hangingPunct="1">
+              <a:defRPr sz="1800" kern="1200">
+                <a:solidFill>
+                  <a:schemeClr val="lt1"/>
+                </a:solidFill>
+                <a:latin typeface="+mn-lt"/>
+                <a:ea typeface="+mn-ea"/>
+                <a:cs typeface="+mn-cs"/>
+              </a:defRPr>
+            </a:lvl1pPr>
+            <a:lvl2pPr marL="457200" algn="l" defTabSz="914400" rtl="0" eaLnBrk="1" latinLnBrk="0" hangingPunct="1">
+              <a:defRPr sz="1800" kern="1200">
+                <a:solidFill>
+                  <a:schemeClr val="lt1"/>
+                </a:solidFill>
+                <a:latin typeface="+mn-lt"/>
+                <a:ea typeface="+mn-ea"/>
+                <a:cs typeface="+mn-cs"/>
+              </a:defRPr>
+            </a:lvl2pPr>
+            <a:lvl3pPr marL="914400" algn="l" defTabSz="914400" rtl="0" eaLnBrk="1" latinLnBrk="0" hangingPunct="1">
+              <a:defRPr sz="1800" kern="1200">
+                <a:solidFill>
+                  <a:schemeClr val="lt1"/>
+                </a:solidFill>
+                <a:latin typeface="+mn-lt"/>
+                <a:ea typeface="+mn-ea"/>
+                <a:cs typeface="+mn-cs"/>
+              </a:defRPr>
+            </a:lvl3pPr>
+            <a:lvl4pPr marL="1371600" algn="l" defTabSz="914400" rtl="0" eaLnBrk="1" latinLnBrk="0" hangingPunct="1">
+              <a:defRPr sz="1800" kern="1200">
+                <a:solidFill>
+                  <a:schemeClr val="lt1"/>
+                </a:solidFill>
+                <a:latin typeface="+mn-lt"/>
+                <a:ea typeface="+mn-ea"/>
+                <a:cs typeface="+mn-cs"/>
+              </a:defRPr>
+            </a:lvl4pPr>
+            <a:lvl5pPr marL="1828800" algn="l" defTabSz="914400" rtl="0" eaLnBrk="1" latinLnBrk="0" hangingPunct="1">
+              <a:defRPr sz="1800" kern="1200">
+                <a:solidFill>
+                  <a:schemeClr val="lt1"/>
+                </a:solidFill>
+                <a:latin typeface="+mn-lt"/>
+                <a:ea typeface="+mn-ea"/>
+                <a:cs typeface="+mn-cs"/>
+              </a:defRPr>
+            </a:lvl5pPr>
+            <a:lvl6pPr marL="2286000" algn="l" defTabSz="914400" rtl="0" eaLnBrk="1" latinLnBrk="0" hangingPunct="1">
+              <a:defRPr sz="1800" kern="1200">
+                <a:solidFill>
+                  <a:schemeClr val="lt1"/>
+                </a:solidFill>
+                <a:latin typeface="+mn-lt"/>
+                <a:ea typeface="+mn-ea"/>
+                <a:cs typeface="+mn-cs"/>
+              </a:defRPr>
+            </a:lvl6pPr>
+            <a:lvl7pPr marL="2743200" algn="l" defTabSz="914400" rtl="0" eaLnBrk="1" latinLnBrk="0" hangingPunct="1">
+              <a:defRPr sz="1800" kern="1200">
+                <a:solidFill>
+                  <a:schemeClr val="lt1"/>
+                </a:solidFill>
+                <a:latin typeface="+mn-lt"/>
+                <a:ea typeface="+mn-ea"/>
+                <a:cs typeface="+mn-cs"/>
+              </a:defRPr>
+            </a:lvl7pPr>
+            <a:lvl8pPr marL="3200400" algn="l" defTabSz="914400" rtl="0" eaLnBrk="1" latinLnBrk="0" hangingPunct="1">
+              <a:defRPr sz="1800" kern="1200">
+                <a:solidFill>
+                  <a:schemeClr val="lt1"/>
+                </a:solidFill>
+                <a:latin typeface="+mn-lt"/>
+                <a:ea typeface="+mn-ea"/>
+                <a:cs typeface="+mn-cs"/>
+              </a:defRPr>
+            </a:lvl8pPr>
+            <a:lvl9pPr marL="3657600" algn="l" defTabSz="914400" rtl="0" eaLnBrk="1" latinLnBrk="0" hangingPunct="1">
+              <a:defRPr sz="1800" kern="1200">
+                <a:solidFill>
+                  <a:schemeClr val="lt1"/>
+                </a:solidFill>
+                <a:latin typeface="+mn-lt"/>
+                <a:ea typeface="+mn-ea"/>
+                <a:cs typeface="+mn-cs"/>
+              </a:defRPr>
+            </a:lvl9pPr>
+          </a:lstStyle>
+          <a:p>
+            <a:pPr algn="ctr"/>
+            <a:r>
+              <a:rPr lang="en-US" sz="1200" b="1" dirty="0"/>
+              <a:t>4</a:t>
+            </a:r>
+            <a:endParaRPr lang="en-US" b="1" dirty="0"/>
+          </a:p>
+        </p:txBody>
+      </p:sp>
+      <p:sp>
+        <p:nvSpPr>
+          <p:cNvPr id="28" name="TextBox 64">
+            <a:extLst>
+              <a:ext uri="{FF2B5EF4-FFF2-40B4-BE49-F238E27FC236}">
+                <a16:creationId xmlns:a16="http://schemas.microsoft.com/office/drawing/2014/main" id="{D6C93417-7103-462E-BCC9-1E360840ADF2}"/>
+              </a:ext>
+            </a:extLst>
+          </p:cNvPr>
+          <p:cNvSpPr txBox="1"/>
+          <p:nvPr/>
+        </p:nvSpPr>
+        <p:spPr>
+          <a:xfrm>
+            <a:off x="7504848" y="3021932"/>
+            <a:ext cx="1409274" cy="461665"/>
+          </a:xfrm>
+          <a:prstGeom prst="rect">
+            <a:avLst/>
+          </a:prstGeom>
+          <a:noFill/>
+        </p:spPr>
+        <p:txBody>
+          <a:bodyPr wrap="square" rtlCol="0">
+            <a:spAutoFit/>
+          </a:bodyPr>
+          <a:lstStyle/>
+          <a:p>
+            <a:r>
+              <a:rPr lang="en-US" sz="1200" dirty="0"/>
+              <a:t>Returns identity token</a:t>
+            </a:r>
+          </a:p>
+        </p:txBody>
+      </p:sp>
+    </p:spTree>
+    <p:extLst>
+      <p:ext uri="{BB962C8B-B14F-4D97-AF65-F5344CB8AC3E}">
+        <p14:creationId xmlns:p14="http://schemas.microsoft.com/office/powerpoint/2010/main" val="471506176"/>
       </p:ext>
     </p:extLst>
   </p:cSld>
@@ -4500,7 +7750,7 @@
             <p:nvPr/>
           </p:nvPicPr>
           <p:blipFill>
-            <a:blip r:embed="rId4">
+            <a:blip r:embed="rId4" cstate="print">
               <a:extLst>
                 <a:ext uri="{28A0092B-C50C-407E-A947-70E740481C1C}">
                   <a14:useLocalDpi xmlns:a14="http://schemas.microsoft.com/office/drawing/2010/main" val="0"/>
@@ -4632,7 +7882,7 @@
             <p:nvPr/>
           </p:nvPicPr>
           <p:blipFill>
-            <a:blip r:embed="rId4">
+            <a:blip r:embed="rId4" cstate="print">
               <a:extLst>
                 <a:ext uri="{28A0092B-C50C-407E-A947-70E740481C1C}">
                   <a14:useLocalDpi xmlns:a14="http://schemas.microsoft.com/office/drawing/2010/main" val="0"/>
@@ -5756,7 +9006,7 @@
             <p:nvPr/>
           </p:nvPicPr>
           <p:blipFill>
-            <a:blip r:embed="rId4">
+            <a:blip r:embed="rId4" cstate="print">
               <a:extLst>
                 <a:ext uri="{28A0092B-C50C-407E-A947-70E740481C1C}">
                   <a14:useLocalDpi xmlns:a14="http://schemas.microsoft.com/office/drawing/2010/main" val="0"/>
@@ -5888,7 +9138,7 @@
             <p:nvPr/>
           </p:nvPicPr>
           <p:blipFill>
-            <a:blip r:embed="rId4">
+            <a:blip r:embed="rId4" cstate="print">
               <a:extLst>
                 <a:ext uri="{28A0092B-C50C-407E-A947-70E740481C1C}">
                   <a14:useLocalDpi xmlns:a14="http://schemas.microsoft.com/office/drawing/2010/main" val="0"/>
@@ -7720,7 +10970,7 @@
             <p:nvPr/>
           </p:nvPicPr>
           <p:blipFill>
-            <a:blip r:embed="rId4">
+            <a:blip r:embed="rId4" cstate="print">
               <a:extLst>
                 <a:ext uri="{28A0092B-C50C-407E-A947-70E740481C1C}">
                   <a14:useLocalDpi xmlns:a14="http://schemas.microsoft.com/office/drawing/2010/main" val="0"/>
@@ -7852,7 +11102,7 @@
             <p:nvPr/>
           </p:nvPicPr>
           <p:blipFill>
-            <a:blip r:embed="rId4">
+            <a:blip r:embed="rId4" cstate="print">
               <a:extLst>
                 <a:ext uri="{28A0092B-C50C-407E-A947-70E740481C1C}">
                   <a14:useLocalDpi xmlns:a14="http://schemas.microsoft.com/office/drawing/2010/main" val="0"/>
@@ -8751,7 +12001,7 @@
             <p:nvPr/>
           </p:nvPicPr>
           <p:blipFill>
-            <a:blip r:embed="rId4">
+            <a:blip r:embed="rId4" cstate="print">
               <a:extLst>
                 <a:ext uri="{28A0092B-C50C-407E-A947-70E740481C1C}">
                   <a14:useLocalDpi xmlns:a14="http://schemas.microsoft.com/office/drawing/2010/main" val="0"/>
@@ -8883,7 +12133,7 @@
             <p:nvPr/>
           </p:nvPicPr>
           <p:blipFill>
-            <a:blip r:embed="rId4">
+            <a:blip r:embed="rId4" cstate="print">
               <a:extLst>
                 <a:ext uri="{28A0092B-C50C-407E-A947-70E740481C1C}">
                   <a14:useLocalDpi xmlns:a14="http://schemas.microsoft.com/office/drawing/2010/main" val="0"/>
@@ -9045,7 +12295,7 @@
             <p:nvPr/>
           </p:nvPicPr>
           <p:blipFill>
-            <a:blip r:embed="rId2">
+            <a:blip r:embed="rId2" cstate="print">
               <a:extLst>
                 <a:ext uri="{28A0092B-C50C-407E-A947-70E740481C1C}">
                   <a14:useLocalDpi xmlns:a14="http://schemas.microsoft.com/office/drawing/2010/main" val="0"/>
@@ -9177,7 +12427,7 @@
             <p:nvPr/>
           </p:nvPicPr>
           <p:blipFill>
-            <a:blip r:embed="rId3">
+            <a:blip r:embed="rId3" cstate="print">
               <a:extLst>
                 <a:ext uri="{28A0092B-C50C-407E-A947-70E740481C1C}">
                   <a14:useLocalDpi xmlns:a14="http://schemas.microsoft.com/office/drawing/2010/main" val="0"/>
@@ -9471,7 +12721,7 @@
             <p:nvPr/>
           </p:nvPicPr>
           <p:blipFill>
-            <a:blip r:embed="rId2">
+            <a:blip r:embed="rId2" cstate="print">
               <a:extLst>
                 <a:ext uri="{28A0092B-C50C-407E-A947-70E740481C1C}">
                   <a14:useLocalDpi xmlns:a14="http://schemas.microsoft.com/office/drawing/2010/main" val="0"/>
@@ -9603,7 +12853,7 @@
             <p:nvPr/>
           </p:nvPicPr>
           <p:blipFill>
-            <a:blip r:embed="rId3">
+            <a:blip r:embed="rId3" cstate="print">
               <a:extLst>
                 <a:ext uri="{28A0092B-C50C-407E-A947-70E740481C1C}">
                   <a14:useLocalDpi xmlns:a14="http://schemas.microsoft.com/office/drawing/2010/main" val="0"/>
@@ -10278,6 +13528,1623 @@
     <p:extLst>
       <p:ext uri="{BB962C8B-B14F-4D97-AF65-F5344CB8AC3E}">
         <p14:creationId xmlns:p14="http://schemas.microsoft.com/office/powerpoint/2010/main" val="2764307213"/>
+      </p:ext>
+    </p:extLst>
+  </p:cSld>
+  <p:clrMapOvr>
+    <a:masterClrMapping/>
+  </p:clrMapOvr>
+</p:sld>
+</file>
+
+<file path=ppt/slides/slide8.xml><?xml version="1.0" encoding="utf-8"?>
+<p:sld xmlns:a="http://schemas.openxmlformats.org/drawingml/2006/main" xmlns:r="http://schemas.openxmlformats.org/officeDocument/2006/relationships" xmlns:p="http://schemas.openxmlformats.org/presentationml/2006/main">
+  <p:cSld>
+    <p:spTree>
+      <p:nvGrpSpPr>
+        <p:cNvPr id="1" name=""/>
+        <p:cNvGrpSpPr/>
+        <p:nvPr/>
+      </p:nvGrpSpPr>
+      <p:grpSpPr>
+        <a:xfrm>
+          <a:off x="0" y="0"/>
+          <a:ext cx="0" cy="0"/>
+          <a:chOff x="0" y="0"/>
+          <a:chExt cx="0" cy="0"/>
+        </a:xfrm>
+      </p:grpSpPr>
+      <p:sp>
+        <p:nvSpPr>
+          <p:cNvPr id="4" name="Rectangle : coins arrondis 3">
+            <a:extLst>
+              <a:ext uri="{FF2B5EF4-FFF2-40B4-BE49-F238E27FC236}">
+                <a16:creationId xmlns:a16="http://schemas.microsoft.com/office/drawing/2014/main" id="{6059E987-7F7C-41F5-9378-FF3D6527D2BD}"/>
+              </a:ext>
+            </a:extLst>
+          </p:cNvPr>
+          <p:cNvSpPr/>
+          <p:nvPr/>
+        </p:nvSpPr>
+        <p:spPr>
+          <a:xfrm>
+            <a:off x="4625788" y="154640"/>
+            <a:ext cx="2017059" cy="788894"/>
+          </a:xfrm>
+          <a:prstGeom prst="roundRect">
+            <a:avLst/>
+          </a:prstGeom>
+          <a:solidFill>
+            <a:srgbClr val="D84646"/>
+          </a:solidFill>
+          <a:ln w="19050">
+            <a:solidFill>
+              <a:schemeClr val="tx1"/>
+            </a:solidFill>
+          </a:ln>
+        </p:spPr>
+        <p:style>
+          <a:lnRef idx="2">
+            <a:schemeClr val="accent1">
+              <a:shade val="50000"/>
+            </a:schemeClr>
+          </a:lnRef>
+          <a:fillRef idx="1">
+            <a:schemeClr val="accent1"/>
+          </a:fillRef>
+          <a:effectRef idx="0">
+            <a:schemeClr val="accent1"/>
+          </a:effectRef>
+          <a:fontRef idx="minor">
+            <a:schemeClr val="lt1"/>
+          </a:fontRef>
+        </p:style>
+        <p:txBody>
+          <a:bodyPr rtlCol="0" anchor="ctr"/>
+          <a:lstStyle/>
+          <a:p>
+            <a:pPr algn="ctr"/>
+            <a:r>
+              <a:rPr lang="fr-BE" dirty="0"/>
+              <a:t>Start</a:t>
+            </a:r>
+          </a:p>
+        </p:txBody>
+      </p:sp>
+      <p:sp>
+        <p:nvSpPr>
+          <p:cNvPr id="5" name="Rectangle : coins arrondis 4">
+            <a:extLst>
+              <a:ext uri="{FF2B5EF4-FFF2-40B4-BE49-F238E27FC236}">
+                <a16:creationId xmlns:a16="http://schemas.microsoft.com/office/drawing/2014/main" id="{7A5C1CD3-3508-4FD1-82B8-96831F6568A5}"/>
+              </a:ext>
+            </a:extLst>
+          </p:cNvPr>
+          <p:cNvSpPr/>
+          <p:nvPr/>
+        </p:nvSpPr>
+        <p:spPr>
+          <a:xfrm>
+            <a:off x="4620599" y="4690784"/>
+            <a:ext cx="2017059" cy="788894"/>
+          </a:xfrm>
+          <a:prstGeom prst="roundRect">
+            <a:avLst/>
+          </a:prstGeom>
+          <a:solidFill>
+            <a:schemeClr val="accent2">
+              <a:lumMod val="40000"/>
+              <a:lumOff val="60000"/>
+            </a:schemeClr>
+          </a:solidFill>
+          <a:ln w="19050">
+            <a:solidFill>
+              <a:schemeClr val="tx1"/>
+            </a:solidFill>
+          </a:ln>
+        </p:spPr>
+        <p:style>
+          <a:lnRef idx="2">
+            <a:schemeClr val="accent1">
+              <a:shade val="50000"/>
+            </a:schemeClr>
+          </a:lnRef>
+          <a:fillRef idx="1">
+            <a:schemeClr val="accent1"/>
+          </a:fillRef>
+          <a:effectRef idx="0">
+            <a:schemeClr val="accent1"/>
+          </a:effectRef>
+          <a:fontRef idx="minor">
+            <a:schemeClr val="lt1"/>
+          </a:fontRef>
+        </p:style>
+        <p:txBody>
+          <a:bodyPr rtlCol="0" anchor="ctr"/>
+          <a:lstStyle/>
+          <a:p>
+            <a:pPr algn="ctr"/>
+            <a:r>
+              <a:rPr lang="fr-BE" dirty="0"/>
+              <a:t>End</a:t>
+            </a:r>
+          </a:p>
+        </p:txBody>
+      </p:sp>
+      <p:sp>
+        <p:nvSpPr>
+          <p:cNvPr id="6" name="Rectangle : coins arrondis 5">
+            <a:extLst>
+              <a:ext uri="{FF2B5EF4-FFF2-40B4-BE49-F238E27FC236}">
+                <a16:creationId xmlns:a16="http://schemas.microsoft.com/office/drawing/2014/main" id="{2D3FE66F-557B-40AC-99E2-A7279CBAB349}"/>
+              </a:ext>
+            </a:extLst>
+          </p:cNvPr>
+          <p:cNvSpPr/>
+          <p:nvPr/>
+        </p:nvSpPr>
+        <p:spPr>
+          <a:xfrm>
+            <a:off x="7718614" y="1763806"/>
+            <a:ext cx="2017059" cy="788894"/>
+          </a:xfrm>
+          <a:prstGeom prst="roundRect">
+            <a:avLst/>
+          </a:prstGeom>
+          <a:solidFill>
+            <a:schemeClr val="bg2">
+              <a:lumMod val="50000"/>
+            </a:schemeClr>
+          </a:solidFill>
+          <a:ln w="19050">
+            <a:solidFill>
+              <a:schemeClr val="tx1"/>
+            </a:solidFill>
+          </a:ln>
+        </p:spPr>
+        <p:style>
+          <a:lnRef idx="2">
+            <a:schemeClr val="accent1">
+              <a:shade val="50000"/>
+            </a:schemeClr>
+          </a:lnRef>
+          <a:fillRef idx="1">
+            <a:schemeClr val="accent1"/>
+          </a:fillRef>
+          <a:effectRef idx="0">
+            <a:schemeClr val="accent1"/>
+          </a:effectRef>
+          <a:fontRef idx="minor">
+            <a:schemeClr val="lt1"/>
+          </a:fontRef>
+        </p:style>
+        <p:txBody>
+          <a:bodyPr rtlCol="0" anchor="ctr"/>
+          <a:lstStyle/>
+          <a:p>
+            <a:pPr algn="ctr"/>
+            <a:r>
+              <a:rPr lang="fr-BE" dirty="0" err="1"/>
+              <a:t>Implicit</a:t>
+            </a:r>
+            <a:r>
+              <a:rPr lang="fr-BE" dirty="0"/>
+              <a:t> </a:t>
+            </a:r>
+            <a:r>
+              <a:rPr lang="fr-BE" dirty="0" err="1"/>
+              <a:t>grant</a:t>
+            </a:r>
+            <a:endParaRPr lang="fr-BE" dirty="0"/>
+          </a:p>
+        </p:txBody>
+      </p:sp>
+      <p:sp>
+        <p:nvSpPr>
+          <p:cNvPr id="7" name="Losange 6">
+            <a:extLst>
+              <a:ext uri="{FF2B5EF4-FFF2-40B4-BE49-F238E27FC236}">
+                <a16:creationId xmlns:a16="http://schemas.microsoft.com/office/drawing/2014/main" id="{7C2F8BC3-14B3-4E45-80AF-3F9820D71189}"/>
+              </a:ext>
+            </a:extLst>
+          </p:cNvPr>
+          <p:cNvSpPr/>
+          <p:nvPr/>
+        </p:nvSpPr>
+        <p:spPr>
+          <a:xfrm>
+            <a:off x="4670611" y="1559858"/>
+            <a:ext cx="1927412" cy="1214718"/>
+          </a:xfrm>
+          <a:prstGeom prst="diamond">
+            <a:avLst/>
+          </a:prstGeom>
+          <a:noFill/>
+          <a:ln w="19050">
+            <a:solidFill>
+              <a:schemeClr val="tx1"/>
+            </a:solidFill>
+          </a:ln>
+        </p:spPr>
+        <p:style>
+          <a:lnRef idx="2">
+            <a:schemeClr val="accent1">
+              <a:shade val="50000"/>
+            </a:schemeClr>
+          </a:lnRef>
+          <a:fillRef idx="1">
+            <a:schemeClr val="accent1"/>
+          </a:fillRef>
+          <a:effectRef idx="0">
+            <a:schemeClr val="accent1"/>
+          </a:effectRef>
+          <a:fontRef idx="minor">
+            <a:schemeClr val="lt1"/>
+          </a:fontRef>
+        </p:style>
+        <p:txBody>
+          <a:bodyPr rtlCol="0" anchor="ctr"/>
+          <a:lstStyle/>
+          <a:p>
+            <a:pPr algn="ctr"/>
+            <a:r>
+              <a:rPr lang="fr-BE" dirty="0">
+                <a:solidFill>
+                  <a:schemeClr val="tx1"/>
+                </a:solidFill>
+              </a:rPr>
+              <a:t>Client type?</a:t>
+            </a:r>
+          </a:p>
+        </p:txBody>
+      </p:sp>
+      <p:cxnSp>
+        <p:nvCxnSpPr>
+          <p:cNvPr id="9" name="Connecteur droit avec flèche 8">
+            <a:extLst>
+              <a:ext uri="{FF2B5EF4-FFF2-40B4-BE49-F238E27FC236}">
+                <a16:creationId xmlns:a16="http://schemas.microsoft.com/office/drawing/2014/main" id="{983BA80D-60E8-49A3-A5B3-DABB8F65F302}"/>
+              </a:ext>
+            </a:extLst>
+          </p:cNvPr>
+          <p:cNvCxnSpPr>
+            <a:stCxn id="4" idx="2"/>
+            <a:endCxn id="7" idx="0"/>
+          </p:cNvCxnSpPr>
+          <p:nvPr/>
+        </p:nvCxnSpPr>
+        <p:spPr>
+          <a:xfrm flipH="1">
+            <a:off x="5634317" y="943534"/>
+            <a:ext cx="1" cy="616324"/>
+          </a:xfrm>
+          <a:prstGeom prst="straightConnector1">
+            <a:avLst/>
+          </a:prstGeom>
+          <a:ln>
+            <a:solidFill>
+              <a:schemeClr val="tx1"/>
+            </a:solidFill>
+            <a:tailEnd type="triangle"/>
+          </a:ln>
+        </p:spPr>
+        <p:style>
+          <a:lnRef idx="1">
+            <a:schemeClr val="accent1"/>
+          </a:lnRef>
+          <a:fillRef idx="0">
+            <a:schemeClr val="accent1"/>
+          </a:fillRef>
+          <a:effectRef idx="0">
+            <a:schemeClr val="accent1"/>
+          </a:effectRef>
+          <a:fontRef idx="minor">
+            <a:schemeClr val="tx1"/>
+          </a:fontRef>
+        </p:style>
+      </p:cxnSp>
+      <p:cxnSp>
+        <p:nvCxnSpPr>
+          <p:cNvPr id="11" name="Connecteur droit avec flèche 10">
+            <a:extLst>
+              <a:ext uri="{FF2B5EF4-FFF2-40B4-BE49-F238E27FC236}">
+                <a16:creationId xmlns:a16="http://schemas.microsoft.com/office/drawing/2014/main" id="{CF49BCB8-5719-4C32-9585-37A3F762A6F0}"/>
+              </a:ext>
+            </a:extLst>
+          </p:cNvPr>
+          <p:cNvCxnSpPr>
+            <a:stCxn id="7" idx="3"/>
+            <a:endCxn id="6" idx="1"/>
+          </p:cNvCxnSpPr>
+          <p:nvPr/>
+        </p:nvCxnSpPr>
+        <p:spPr>
+          <a:xfrm flipV="1">
+            <a:off x="6598023" y="2158253"/>
+            <a:ext cx="1120591" cy="8964"/>
+          </a:xfrm>
+          <a:prstGeom prst="straightConnector1">
+            <a:avLst/>
+          </a:prstGeom>
+          <a:ln>
+            <a:solidFill>
+              <a:schemeClr val="tx1"/>
+            </a:solidFill>
+            <a:tailEnd type="triangle"/>
+          </a:ln>
+        </p:spPr>
+        <p:style>
+          <a:lnRef idx="1">
+            <a:schemeClr val="accent1"/>
+          </a:lnRef>
+          <a:fillRef idx="0">
+            <a:schemeClr val="accent1"/>
+          </a:fillRef>
+          <a:effectRef idx="0">
+            <a:schemeClr val="accent1"/>
+          </a:effectRef>
+          <a:fontRef idx="minor">
+            <a:schemeClr val="tx1"/>
+          </a:fontRef>
+        </p:style>
+      </p:cxnSp>
+      <p:sp>
+        <p:nvSpPr>
+          <p:cNvPr id="12" name="Rectangle : coins arrondis 11">
+            <a:extLst>
+              <a:ext uri="{FF2B5EF4-FFF2-40B4-BE49-F238E27FC236}">
+                <a16:creationId xmlns:a16="http://schemas.microsoft.com/office/drawing/2014/main" id="{0CCF2E2B-2112-43E1-AB04-99739DCE4BD7}"/>
+              </a:ext>
+            </a:extLst>
+          </p:cNvPr>
+          <p:cNvSpPr/>
+          <p:nvPr/>
+        </p:nvSpPr>
+        <p:spPr>
+          <a:xfrm>
+            <a:off x="1532961" y="1666314"/>
+            <a:ext cx="2017059" cy="1001806"/>
+          </a:xfrm>
+          <a:prstGeom prst="roundRect">
+            <a:avLst/>
+          </a:prstGeom>
+          <a:solidFill>
+            <a:schemeClr val="bg2">
+              <a:lumMod val="50000"/>
+            </a:schemeClr>
+          </a:solidFill>
+          <a:ln w="19050">
+            <a:solidFill>
+              <a:schemeClr val="tx1"/>
+            </a:solidFill>
+          </a:ln>
+        </p:spPr>
+        <p:style>
+          <a:lnRef idx="2">
+            <a:schemeClr val="accent1">
+              <a:shade val="50000"/>
+            </a:schemeClr>
+          </a:lnRef>
+          <a:fillRef idx="1">
+            <a:schemeClr val="accent1"/>
+          </a:fillRef>
+          <a:effectRef idx="0">
+            <a:schemeClr val="accent1"/>
+          </a:effectRef>
+          <a:fontRef idx="minor">
+            <a:schemeClr val="lt1"/>
+          </a:fontRef>
+        </p:style>
+        <p:txBody>
+          <a:bodyPr rtlCol="0" anchor="ctr"/>
+          <a:lstStyle/>
+          <a:p>
+            <a:pPr algn="ctr"/>
+            <a:r>
+              <a:rPr lang="fr-BE" dirty="0" err="1"/>
+              <a:t>Authorization</a:t>
+            </a:r>
+            <a:r>
+              <a:rPr lang="fr-BE" dirty="0"/>
+              <a:t> code </a:t>
+            </a:r>
+            <a:r>
+              <a:rPr lang="fr-BE" dirty="0" err="1"/>
+              <a:t>grant</a:t>
+            </a:r>
+            <a:r>
+              <a:rPr lang="fr-BE" dirty="0"/>
+              <a:t> and / or </a:t>
+            </a:r>
+            <a:r>
+              <a:rPr lang="fr-BE" dirty="0" err="1"/>
+              <a:t>password</a:t>
+            </a:r>
+            <a:r>
+              <a:rPr lang="fr-BE" dirty="0"/>
+              <a:t> </a:t>
+            </a:r>
+            <a:r>
+              <a:rPr lang="fr-BE" dirty="0" err="1"/>
+              <a:t>grant</a:t>
+            </a:r>
+            <a:endParaRPr lang="fr-BE" dirty="0"/>
+          </a:p>
+        </p:txBody>
+      </p:sp>
+      <p:cxnSp>
+        <p:nvCxnSpPr>
+          <p:cNvPr id="19" name="Connecteur droit avec flèche 18">
+            <a:extLst>
+              <a:ext uri="{FF2B5EF4-FFF2-40B4-BE49-F238E27FC236}">
+                <a16:creationId xmlns:a16="http://schemas.microsoft.com/office/drawing/2014/main" id="{F2DE3B72-EAE7-4958-A169-1A003F72B4CA}"/>
+              </a:ext>
+            </a:extLst>
+          </p:cNvPr>
+          <p:cNvCxnSpPr>
+            <a:stCxn id="7" idx="1"/>
+            <a:endCxn id="12" idx="3"/>
+          </p:cNvCxnSpPr>
+          <p:nvPr/>
+        </p:nvCxnSpPr>
+        <p:spPr>
+          <a:xfrm flipH="1">
+            <a:off x="3550020" y="2167217"/>
+            <a:ext cx="1120591" cy="0"/>
+          </a:xfrm>
+          <a:prstGeom prst="straightConnector1">
+            <a:avLst/>
+          </a:prstGeom>
+          <a:ln>
+            <a:solidFill>
+              <a:schemeClr val="tx1"/>
+            </a:solidFill>
+            <a:tailEnd type="triangle"/>
+          </a:ln>
+        </p:spPr>
+        <p:style>
+          <a:lnRef idx="1">
+            <a:schemeClr val="accent1"/>
+          </a:lnRef>
+          <a:fillRef idx="0">
+            <a:schemeClr val="accent1"/>
+          </a:fillRef>
+          <a:effectRef idx="0">
+            <a:schemeClr val="accent1"/>
+          </a:effectRef>
+          <a:fontRef idx="minor">
+            <a:schemeClr val="tx1"/>
+          </a:fontRef>
+        </p:style>
+      </p:cxnSp>
+      <p:sp>
+        <p:nvSpPr>
+          <p:cNvPr id="20" name="TextBox 64">
+            <a:extLst>
+              <a:ext uri="{FF2B5EF4-FFF2-40B4-BE49-F238E27FC236}">
+                <a16:creationId xmlns:a16="http://schemas.microsoft.com/office/drawing/2014/main" id="{412EB6EF-EEEC-492C-8301-A3B8608BDA87}"/>
+              </a:ext>
+            </a:extLst>
+          </p:cNvPr>
+          <p:cNvSpPr txBox="1"/>
+          <p:nvPr/>
+        </p:nvSpPr>
+        <p:spPr>
+          <a:xfrm>
+            <a:off x="6449871" y="1628223"/>
+            <a:ext cx="1416895" cy="461665"/>
+          </a:xfrm>
+          <a:prstGeom prst="rect">
+            <a:avLst/>
+          </a:prstGeom>
+          <a:noFill/>
+        </p:spPr>
+        <p:txBody>
+          <a:bodyPr wrap="square" rtlCol="0">
+            <a:spAutoFit/>
+          </a:bodyPr>
+          <a:lstStyle/>
+          <a:p>
+            <a:r>
+              <a:rPr lang="en-US" sz="1200" dirty="0"/>
+              <a:t>User-agent based application</a:t>
+            </a:r>
+          </a:p>
+        </p:txBody>
+      </p:sp>
+      <p:sp>
+        <p:nvSpPr>
+          <p:cNvPr id="21" name="TextBox 64">
+            <a:extLst>
+              <a:ext uri="{FF2B5EF4-FFF2-40B4-BE49-F238E27FC236}">
+                <a16:creationId xmlns:a16="http://schemas.microsoft.com/office/drawing/2014/main" id="{F88CB39A-9A42-4DE6-81E6-F54F181138DB}"/>
+              </a:ext>
+            </a:extLst>
+          </p:cNvPr>
+          <p:cNvSpPr txBox="1"/>
+          <p:nvPr/>
+        </p:nvSpPr>
+        <p:spPr>
+          <a:xfrm>
+            <a:off x="3594845" y="1685933"/>
+            <a:ext cx="1416895" cy="461665"/>
+          </a:xfrm>
+          <a:prstGeom prst="rect">
+            <a:avLst/>
+          </a:prstGeom>
+          <a:noFill/>
+        </p:spPr>
+        <p:txBody>
+          <a:bodyPr wrap="square" rtlCol="0">
+            <a:spAutoFit/>
+          </a:bodyPr>
+          <a:lstStyle/>
+          <a:p>
+            <a:r>
+              <a:rPr lang="en-US" sz="1200" dirty="0"/>
+              <a:t>Traditional web application</a:t>
+            </a:r>
+          </a:p>
+        </p:txBody>
+      </p:sp>
+      <p:cxnSp>
+        <p:nvCxnSpPr>
+          <p:cNvPr id="23" name="Connecteur : en angle 22">
+            <a:extLst>
+              <a:ext uri="{FF2B5EF4-FFF2-40B4-BE49-F238E27FC236}">
+                <a16:creationId xmlns:a16="http://schemas.microsoft.com/office/drawing/2014/main" id="{DBA5FC2F-7978-4A81-BD79-2F74031CC8C1}"/>
+              </a:ext>
+            </a:extLst>
+          </p:cNvPr>
+          <p:cNvCxnSpPr>
+            <a:stCxn id="12" idx="2"/>
+            <a:endCxn id="5" idx="1"/>
+          </p:cNvCxnSpPr>
+          <p:nvPr/>
+        </p:nvCxnSpPr>
+        <p:spPr>
+          <a:xfrm rot="16200000" flipH="1">
+            <a:off x="2372490" y="2837121"/>
+            <a:ext cx="2417111" cy="2079108"/>
+          </a:xfrm>
+          <a:prstGeom prst="bentConnector2">
+            <a:avLst/>
+          </a:prstGeom>
+          <a:ln>
+            <a:solidFill>
+              <a:schemeClr val="tx1"/>
+            </a:solidFill>
+            <a:tailEnd type="triangle"/>
+          </a:ln>
+        </p:spPr>
+        <p:style>
+          <a:lnRef idx="1">
+            <a:schemeClr val="accent1"/>
+          </a:lnRef>
+          <a:fillRef idx="0">
+            <a:schemeClr val="accent1"/>
+          </a:fillRef>
+          <a:effectRef idx="0">
+            <a:schemeClr val="accent1"/>
+          </a:effectRef>
+          <a:fontRef idx="minor">
+            <a:schemeClr val="tx1"/>
+          </a:fontRef>
+        </p:style>
+      </p:cxnSp>
+      <p:cxnSp>
+        <p:nvCxnSpPr>
+          <p:cNvPr id="25" name="Connecteur : en angle 24">
+            <a:extLst>
+              <a:ext uri="{FF2B5EF4-FFF2-40B4-BE49-F238E27FC236}">
+                <a16:creationId xmlns:a16="http://schemas.microsoft.com/office/drawing/2014/main" id="{ED342E51-4F4D-4C6A-984E-AF1C8748A122}"/>
+              </a:ext>
+            </a:extLst>
+          </p:cNvPr>
+          <p:cNvCxnSpPr>
+            <a:stCxn id="6" idx="2"/>
+            <a:endCxn id="5" idx="3"/>
+          </p:cNvCxnSpPr>
+          <p:nvPr/>
+        </p:nvCxnSpPr>
+        <p:spPr>
+          <a:xfrm rot="5400000">
+            <a:off x="6416136" y="2774222"/>
+            <a:ext cx="2532531" cy="2089486"/>
+          </a:xfrm>
+          <a:prstGeom prst="bentConnector2">
+            <a:avLst/>
+          </a:prstGeom>
+          <a:ln>
+            <a:solidFill>
+              <a:schemeClr val="tx1"/>
+            </a:solidFill>
+            <a:tailEnd type="triangle"/>
+          </a:ln>
+        </p:spPr>
+        <p:style>
+          <a:lnRef idx="1">
+            <a:schemeClr val="accent1"/>
+          </a:lnRef>
+          <a:fillRef idx="0">
+            <a:schemeClr val="accent1"/>
+          </a:fillRef>
+          <a:effectRef idx="0">
+            <a:schemeClr val="accent1"/>
+          </a:effectRef>
+          <a:fontRef idx="minor">
+            <a:schemeClr val="tx1"/>
+          </a:fontRef>
+        </p:style>
+      </p:cxnSp>
+      <p:sp>
+        <p:nvSpPr>
+          <p:cNvPr id="32" name="Rectangle : coins arrondis 31">
+            <a:extLst>
+              <a:ext uri="{FF2B5EF4-FFF2-40B4-BE49-F238E27FC236}">
+                <a16:creationId xmlns:a16="http://schemas.microsoft.com/office/drawing/2014/main" id="{E41613D8-DC7E-4D92-B33F-54DB1A691EC5}"/>
+              </a:ext>
+            </a:extLst>
+          </p:cNvPr>
+          <p:cNvSpPr/>
+          <p:nvPr/>
+        </p:nvSpPr>
+        <p:spPr>
+          <a:xfrm>
+            <a:off x="4620600" y="3217486"/>
+            <a:ext cx="2017059" cy="952775"/>
+          </a:xfrm>
+          <a:prstGeom prst="roundRect">
+            <a:avLst/>
+          </a:prstGeom>
+          <a:solidFill>
+            <a:schemeClr val="bg2">
+              <a:lumMod val="50000"/>
+            </a:schemeClr>
+          </a:solidFill>
+          <a:ln w="19050">
+            <a:solidFill>
+              <a:schemeClr val="tx1"/>
+            </a:solidFill>
+          </a:ln>
+        </p:spPr>
+        <p:style>
+          <a:lnRef idx="2">
+            <a:schemeClr val="accent1">
+              <a:shade val="50000"/>
+            </a:schemeClr>
+          </a:lnRef>
+          <a:fillRef idx="1">
+            <a:schemeClr val="accent1"/>
+          </a:fillRef>
+          <a:effectRef idx="0">
+            <a:schemeClr val="accent1"/>
+          </a:effectRef>
+          <a:fontRef idx="minor">
+            <a:schemeClr val="lt1"/>
+          </a:fontRef>
+        </p:style>
+        <p:txBody>
+          <a:bodyPr rtlCol="0" anchor="ctr"/>
+          <a:lstStyle/>
+          <a:p>
+            <a:pPr algn="ctr"/>
+            <a:r>
+              <a:rPr lang="fr-BE" dirty="0" err="1"/>
+              <a:t>Authorization</a:t>
+            </a:r>
+            <a:r>
+              <a:rPr lang="fr-BE" dirty="0"/>
+              <a:t> code </a:t>
+            </a:r>
+            <a:r>
+              <a:rPr lang="fr-BE" dirty="0" err="1"/>
+              <a:t>grant</a:t>
+            </a:r>
+            <a:r>
+              <a:rPr lang="fr-BE" dirty="0"/>
+              <a:t> </a:t>
+            </a:r>
+            <a:r>
+              <a:rPr lang="fr-BE" dirty="0" err="1"/>
+              <a:t>with</a:t>
+            </a:r>
+            <a:r>
+              <a:rPr lang="fr-BE" dirty="0"/>
+              <a:t> PKCE</a:t>
+            </a:r>
+          </a:p>
+        </p:txBody>
+      </p:sp>
+      <p:cxnSp>
+        <p:nvCxnSpPr>
+          <p:cNvPr id="40" name="Connecteur droit avec flèche 39">
+            <a:extLst>
+              <a:ext uri="{FF2B5EF4-FFF2-40B4-BE49-F238E27FC236}">
+                <a16:creationId xmlns:a16="http://schemas.microsoft.com/office/drawing/2014/main" id="{D95732E3-53BC-4314-B16C-F7B8C068D987}"/>
+              </a:ext>
+            </a:extLst>
+          </p:cNvPr>
+          <p:cNvCxnSpPr>
+            <a:cxnSpLocks/>
+            <a:stCxn id="7" idx="2"/>
+            <a:endCxn id="32" idx="0"/>
+          </p:cNvCxnSpPr>
+          <p:nvPr/>
+        </p:nvCxnSpPr>
+        <p:spPr>
+          <a:xfrm flipH="1">
+            <a:off x="5629130" y="2774576"/>
+            <a:ext cx="5187" cy="442910"/>
+          </a:xfrm>
+          <a:prstGeom prst="straightConnector1">
+            <a:avLst/>
+          </a:prstGeom>
+          <a:ln>
+            <a:solidFill>
+              <a:schemeClr val="tx1"/>
+            </a:solidFill>
+            <a:tailEnd type="triangle"/>
+          </a:ln>
+        </p:spPr>
+        <p:style>
+          <a:lnRef idx="1">
+            <a:schemeClr val="accent1"/>
+          </a:lnRef>
+          <a:fillRef idx="0">
+            <a:schemeClr val="accent1"/>
+          </a:fillRef>
+          <a:effectRef idx="0">
+            <a:schemeClr val="accent1"/>
+          </a:effectRef>
+          <a:fontRef idx="minor">
+            <a:schemeClr val="tx1"/>
+          </a:fontRef>
+        </p:style>
+      </p:cxnSp>
+      <p:cxnSp>
+        <p:nvCxnSpPr>
+          <p:cNvPr id="42" name="Connecteur droit avec flèche 41">
+            <a:extLst>
+              <a:ext uri="{FF2B5EF4-FFF2-40B4-BE49-F238E27FC236}">
+                <a16:creationId xmlns:a16="http://schemas.microsoft.com/office/drawing/2014/main" id="{4D604BFB-9ECA-4B23-B48B-9BA54D5FB418}"/>
+              </a:ext>
+            </a:extLst>
+          </p:cNvPr>
+          <p:cNvCxnSpPr>
+            <a:cxnSpLocks/>
+            <a:stCxn id="32" idx="2"/>
+            <a:endCxn id="5" idx="0"/>
+          </p:cNvCxnSpPr>
+          <p:nvPr/>
+        </p:nvCxnSpPr>
+        <p:spPr>
+          <a:xfrm flipH="1">
+            <a:off x="5629129" y="4170261"/>
+            <a:ext cx="1" cy="520523"/>
+          </a:xfrm>
+          <a:prstGeom prst="straightConnector1">
+            <a:avLst/>
+          </a:prstGeom>
+          <a:ln>
+            <a:solidFill>
+              <a:schemeClr val="tx1"/>
+            </a:solidFill>
+            <a:tailEnd type="triangle"/>
+          </a:ln>
+        </p:spPr>
+        <p:style>
+          <a:lnRef idx="1">
+            <a:schemeClr val="accent1"/>
+          </a:lnRef>
+          <a:fillRef idx="0">
+            <a:schemeClr val="accent1"/>
+          </a:fillRef>
+          <a:effectRef idx="0">
+            <a:schemeClr val="accent1"/>
+          </a:effectRef>
+          <a:fontRef idx="minor">
+            <a:schemeClr val="tx1"/>
+          </a:fontRef>
+        </p:style>
+      </p:cxnSp>
+      <p:sp>
+        <p:nvSpPr>
+          <p:cNvPr id="46" name="TextBox 64">
+            <a:extLst>
+              <a:ext uri="{FF2B5EF4-FFF2-40B4-BE49-F238E27FC236}">
+                <a16:creationId xmlns:a16="http://schemas.microsoft.com/office/drawing/2014/main" id="{F4562270-2BD0-4BDA-8D62-5543D8F75856}"/>
+              </a:ext>
+            </a:extLst>
+          </p:cNvPr>
+          <p:cNvSpPr txBox="1"/>
+          <p:nvPr/>
+        </p:nvSpPr>
+        <p:spPr>
+          <a:xfrm>
+            <a:off x="5662981" y="2774576"/>
+            <a:ext cx="1416895" cy="276999"/>
+          </a:xfrm>
+          <a:prstGeom prst="rect">
+            <a:avLst/>
+          </a:prstGeom>
+          <a:noFill/>
+        </p:spPr>
+        <p:txBody>
+          <a:bodyPr wrap="square" rtlCol="0">
+            <a:spAutoFit/>
+          </a:bodyPr>
+          <a:lstStyle/>
+          <a:p>
+            <a:r>
+              <a:rPr lang="en-US" sz="1200" dirty="0"/>
+              <a:t>Native application</a:t>
+            </a:r>
+          </a:p>
+        </p:txBody>
+      </p:sp>
+    </p:spTree>
+    <p:extLst>
+      <p:ext uri="{BB962C8B-B14F-4D97-AF65-F5344CB8AC3E}">
+        <p14:creationId xmlns:p14="http://schemas.microsoft.com/office/powerpoint/2010/main" val="3067089980"/>
+      </p:ext>
+    </p:extLst>
+  </p:cSld>
+  <p:clrMapOvr>
+    <a:masterClrMapping/>
+  </p:clrMapOvr>
+</p:sld>
+</file>
+
+<file path=ppt/slides/slide9.xml><?xml version="1.0" encoding="utf-8"?>
+<p:sld xmlns:a="http://schemas.openxmlformats.org/drawingml/2006/main" xmlns:r="http://schemas.openxmlformats.org/officeDocument/2006/relationships" xmlns:p="http://schemas.openxmlformats.org/presentationml/2006/main">
+  <p:cSld>
+    <p:spTree>
+      <p:nvGrpSpPr>
+        <p:cNvPr id="1" name=""/>
+        <p:cNvGrpSpPr/>
+        <p:nvPr/>
+      </p:nvGrpSpPr>
+      <p:grpSpPr>
+        <a:xfrm>
+          <a:off x="0" y="0"/>
+          <a:ext cx="0" cy="0"/>
+          <a:chOff x="0" y="0"/>
+          <a:chExt cx="0" cy="0"/>
+        </a:xfrm>
+      </p:grpSpPr>
+      <p:grpSp>
+        <p:nvGrpSpPr>
+          <p:cNvPr id="5" name="Groupe 4">
+            <a:extLst>
+              <a:ext uri="{FF2B5EF4-FFF2-40B4-BE49-F238E27FC236}">
+                <a16:creationId xmlns:a16="http://schemas.microsoft.com/office/drawing/2014/main" id="{D4BAB3B7-E787-4C3F-BD5D-32806A5A1939}"/>
+              </a:ext>
+            </a:extLst>
+          </p:cNvPr>
+          <p:cNvGrpSpPr/>
+          <p:nvPr/>
+        </p:nvGrpSpPr>
+        <p:grpSpPr>
+          <a:xfrm>
+            <a:off x="4867275" y="3725496"/>
+            <a:ext cx="1228725" cy="1099185"/>
+            <a:chOff x="4085211" y="4648861"/>
+            <a:chExt cx="1228725" cy="1099185"/>
+          </a:xfrm>
+        </p:grpSpPr>
+        <p:sp>
+          <p:nvSpPr>
+            <p:cNvPr id="3" name="Rectangle 2">
+              <a:extLst>
+                <a:ext uri="{FF2B5EF4-FFF2-40B4-BE49-F238E27FC236}">
+                  <a16:creationId xmlns:a16="http://schemas.microsoft.com/office/drawing/2014/main" id="{B4C1CA22-DABE-40E3-A2C5-E671469A94AF}"/>
+                </a:ext>
+              </a:extLst>
+            </p:cNvPr>
+            <p:cNvSpPr/>
+            <p:nvPr/>
+          </p:nvSpPr>
+          <p:spPr>
+            <a:xfrm>
+              <a:off x="4085211" y="4648861"/>
+              <a:ext cx="1228725" cy="1099185"/>
+            </a:xfrm>
+            <a:prstGeom prst="rect">
+              <a:avLst/>
+            </a:prstGeom>
+            <a:noFill/>
+            <a:ln>
+              <a:solidFill>
+                <a:schemeClr val="tx1"/>
+              </a:solidFill>
+            </a:ln>
+          </p:spPr>
+          <p:style>
+            <a:lnRef idx="2">
+              <a:schemeClr val="accent1">
+                <a:shade val="50000"/>
+              </a:schemeClr>
+            </a:lnRef>
+            <a:fillRef idx="1">
+              <a:schemeClr val="accent1"/>
+            </a:fillRef>
+            <a:effectRef idx="0">
+              <a:schemeClr val="accent1"/>
+            </a:effectRef>
+            <a:fontRef idx="minor">
+              <a:schemeClr val="lt1"/>
+            </a:fontRef>
+          </p:style>
+          <p:txBody>
+            <a:bodyPr rot="0" spcFirstLastPara="0" vert="horz" wrap="square" lIns="91440" tIns="45720" rIns="91440" bIns="45720" numCol="1" spcCol="0" rtlCol="0" fromWordArt="0" anchor="b" anchorCtr="0" forceAA="0" compatLnSpc="1">
+              <a:prstTxWarp prst="textNoShape">
+                <a:avLst/>
+              </a:prstTxWarp>
+              <a:noAutofit/>
+            </a:bodyPr>
+            <a:lstStyle/>
+            <a:p>
+              <a:pPr algn="ctr"/>
+              <a:r>
+                <a:rPr lang="en-US" sz="1600" dirty="0">
+                  <a:solidFill>
+                    <a:schemeClr val="tx1"/>
+                  </a:solidFill>
+                </a:rPr>
+                <a:t>Client</a:t>
+              </a:r>
+            </a:p>
+          </p:txBody>
+        </p:sp>
+        <p:pic>
+          <p:nvPicPr>
+            <p:cNvPr id="1026" name="Picture 2" descr="Résultat de recherche d'images pour &quot;angular logo&quot;&quot;">
+              <a:extLst>
+                <a:ext uri="{FF2B5EF4-FFF2-40B4-BE49-F238E27FC236}">
+                  <a16:creationId xmlns:a16="http://schemas.microsoft.com/office/drawing/2014/main" id="{0D978822-FC81-48C9-98B3-F9AF3E6D3E05}"/>
+                </a:ext>
+              </a:extLst>
+            </p:cNvPr>
+            <p:cNvPicPr>
+              <a:picLocks noChangeAspect="1" noChangeArrowheads="1"/>
+            </p:cNvPicPr>
+            <p:nvPr/>
+          </p:nvPicPr>
+          <p:blipFill>
+            <a:blip r:embed="rId2">
+              <a:extLst>
+                <a:ext uri="{28A0092B-C50C-407E-A947-70E740481C1C}">
+                  <a14:useLocalDpi xmlns:a14="http://schemas.microsoft.com/office/drawing/2010/main" val="0"/>
+                </a:ext>
+              </a:extLst>
+            </a:blip>
+            <a:srcRect/>
+            <a:stretch>
+              <a:fillRect/>
+            </a:stretch>
+          </p:blipFill>
+          <p:spPr bwMode="auto">
+            <a:xfrm>
+              <a:off x="4312690" y="4648861"/>
+              <a:ext cx="773766" cy="773766"/>
+            </a:xfrm>
+            <a:prstGeom prst="rect">
+              <a:avLst/>
+            </a:prstGeom>
+            <a:noFill/>
+            <a:extLst>
+              <a:ext uri="{909E8E84-426E-40DD-AFC4-6F175D3DCCD1}">
+                <a14:hiddenFill xmlns:a14="http://schemas.microsoft.com/office/drawing/2010/main">
+                  <a:solidFill>
+                    <a:srgbClr val="FFFFFF"/>
+                  </a:solidFill>
+                </a14:hiddenFill>
+              </a:ext>
+            </a:extLst>
+          </p:spPr>
+        </p:pic>
+      </p:grpSp>
+      <p:grpSp>
+        <p:nvGrpSpPr>
+          <p:cNvPr id="7" name="Group 1">
+            <a:extLst>
+              <a:ext uri="{FF2B5EF4-FFF2-40B4-BE49-F238E27FC236}">
+                <a16:creationId xmlns:a16="http://schemas.microsoft.com/office/drawing/2014/main" id="{42095AC3-F753-49AB-915E-2EB5B0467BE7}"/>
+              </a:ext>
+            </a:extLst>
+          </p:cNvPr>
+          <p:cNvGrpSpPr/>
+          <p:nvPr/>
+        </p:nvGrpSpPr>
+        <p:grpSpPr>
+          <a:xfrm>
+            <a:off x="4867275" y="1104215"/>
+            <a:ext cx="1228725" cy="1099185"/>
+            <a:chOff x="3957637" y="2879407"/>
+            <a:chExt cx="1228725" cy="1099185"/>
+          </a:xfrm>
+        </p:grpSpPr>
+        <p:sp>
+          <p:nvSpPr>
+            <p:cNvPr id="8" name="Rectangle 7">
+              <a:extLst>
+                <a:ext uri="{FF2B5EF4-FFF2-40B4-BE49-F238E27FC236}">
+                  <a16:creationId xmlns:a16="http://schemas.microsoft.com/office/drawing/2014/main" id="{89051808-E919-42AB-8566-5DAFFF63188F}"/>
+                </a:ext>
+              </a:extLst>
+            </p:cNvPr>
+            <p:cNvSpPr/>
+            <p:nvPr/>
+          </p:nvSpPr>
+          <p:spPr>
+            <a:xfrm>
+              <a:off x="3957637" y="2879407"/>
+              <a:ext cx="1228725" cy="1099185"/>
+            </a:xfrm>
+            <a:prstGeom prst="rect">
+              <a:avLst/>
+            </a:prstGeom>
+            <a:noFill/>
+            <a:ln>
+              <a:solidFill>
+                <a:schemeClr val="tx1"/>
+              </a:solidFill>
+            </a:ln>
+          </p:spPr>
+          <p:style>
+            <a:lnRef idx="2">
+              <a:schemeClr val="accent1">
+                <a:shade val="50000"/>
+              </a:schemeClr>
+            </a:lnRef>
+            <a:fillRef idx="1">
+              <a:schemeClr val="accent1"/>
+            </a:fillRef>
+            <a:effectRef idx="0">
+              <a:schemeClr val="accent1"/>
+            </a:effectRef>
+            <a:fontRef idx="minor">
+              <a:schemeClr val="lt1"/>
+            </a:fontRef>
+          </p:style>
+          <p:txBody>
+            <a:bodyPr rot="0" spcFirstLastPara="0" vert="horz" wrap="square" lIns="91440" tIns="45720" rIns="91440" bIns="45720" numCol="1" spcCol="0" rtlCol="0" fromWordArt="0" anchor="b" anchorCtr="0" forceAA="0" compatLnSpc="1">
+              <a:prstTxWarp prst="textNoShape">
+                <a:avLst/>
+              </a:prstTxWarp>
+              <a:noAutofit/>
+            </a:bodyPr>
+            <a:lstStyle/>
+            <a:p>
+              <a:pPr algn="ctr"/>
+              <a:r>
+                <a:rPr lang="en-US" sz="1600" dirty="0">
+                  <a:solidFill>
+                    <a:schemeClr val="tx1"/>
+                  </a:solidFill>
+                </a:rPr>
+                <a:t>Id Server</a:t>
+              </a:r>
+            </a:p>
+          </p:txBody>
+        </p:sp>
+        <p:pic>
+          <p:nvPicPr>
+            <p:cNvPr id="9" name="Picture 30" descr="C:\Users\TH9628\Desktop\openid-icon-250x250.png">
+              <a:extLst>
+                <a:ext uri="{FF2B5EF4-FFF2-40B4-BE49-F238E27FC236}">
+                  <a16:creationId xmlns:a16="http://schemas.microsoft.com/office/drawing/2014/main" id="{1F6B2485-BD04-42B8-896C-178FEB9AC28D}"/>
+                </a:ext>
+              </a:extLst>
+            </p:cNvPr>
+            <p:cNvPicPr/>
+            <p:nvPr/>
+          </p:nvPicPr>
+          <p:blipFill>
+            <a:blip r:embed="rId3" cstate="print">
+              <a:extLst>
+                <a:ext uri="{28A0092B-C50C-407E-A947-70E740481C1C}">
+                  <a14:useLocalDpi xmlns:a14="http://schemas.microsoft.com/office/drawing/2010/main" val="0"/>
+                </a:ext>
+              </a:extLst>
+            </a:blip>
+            <a:srcRect/>
+            <a:stretch>
+              <a:fillRect/>
+            </a:stretch>
+          </p:blipFill>
+          <p:spPr bwMode="auto">
+            <a:xfrm>
+              <a:off x="4306748" y="3095431"/>
+              <a:ext cx="514985" cy="514985"/>
+            </a:xfrm>
+            <a:prstGeom prst="rect">
+              <a:avLst/>
+            </a:prstGeom>
+            <a:noFill/>
+            <a:ln>
+              <a:noFill/>
+            </a:ln>
+          </p:spPr>
+        </p:pic>
+      </p:grpSp>
+      <p:cxnSp>
+        <p:nvCxnSpPr>
+          <p:cNvPr id="10" name="Connecteur : en angle 9">
+            <a:extLst>
+              <a:ext uri="{FF2B5EF4-FFF2-40B4-BE49-F238E27FC236}">
+                <a16:creationId xmlns:a16="http://schemas.microsoft.com/office/drawing/2014/main" id="{3C5653CB-8792-4140-A039-4E054F019CCA}"/>
+              </a:ext>
+            </a:extLst>
+          </p:cNvPr>
+          <p:cNvCxnSpPr>
+            <a:stCxn id="3" idx="1"/>
+            <a:endCxn id="8" idx="1"/>
+          </p:cNvCxnSpPr>
+          <p:nvPr/>
+        </p:nvCxnSpPr>
+        <p:spPr>
+          <a:xfrm rot="10800000">
+            <a:off x="4867275" y="1653809"/>
+            <a:ext cx="12700" cy="2621281"/>
+          </a:xfrm>
+          <a:prstGeom prst="bentConnector3">
+            <a:avLst>
+              <a:gd name="adj1" fmla="val 1800000"/>
+            </a:avLst>
+          </a:prstGeom>
+          <a:ln>
+            <a:solidFill>
+              <a:schemeClr val="tx1"/>
+            </a:solidFill>
+            <a:tailEnd type="triangle"/>
+          </a:ln>
+        </p:spPr>
+        <p:style>
+          <a:lnRef idx="1">
+            <a:schemeClr val="accent1"/>
+          </a:lnRef>
+          <a:fillRef idx="0">
+            <a:schemeClr val="accent1"/>
+          </a:fillRef>
+          <a:effectRef idx="0">
+            <a:schemeClr val="accent1"/>
+          </a:effectRef>
+          <a:fontRef idx="minor">
+            <a:schemeClr val="tx1"/>
+          </a:fontRef>
+        </p:style>
+      </p:cxnSp>
+      <p:sp>
+        <p:nvSpPr>
+          <p:cNvPr id="12" name="Flowchart: Connector 48">
+            <a:extLst>
+              <a:ext uri="{FF2B5EF4-FFF2-40B4-BE49-F238E27FC236}">
+                <a16:creationId xmlns:a16="http://schemas.microsoft.com/office/drawing/2014/main" id="{A1F03E03-4E26-4858-BF56-2633278FD07D}"/>
+              </a:ext>
+            </a:extLst>
+          </p:cNvPr>
+          <p:cNvSpPr>
+            <a:spLocks noChangeAspect="1"/>
+          </p:cNvSpPr>
+          <p:nvPr/>
+        </p:nvSpPr>
+        <p:spPr>
+          <a:xfrm>
+            <a:off x="4566790" y="2878745"/>
+            <a:ext cx="171409" cy="171409"/>
+          </a:xfrm>
+          <a:prstGeom prst="flowChartConnector">
+            <a:avLst/>
+          </a:prstGeom>
+          <a:solidFill>
+            <a:schemeClr val="tx1"/>
+          </a:solidFill>
+          <a:ln>
+            <a:solidFill>
+              <a:schemeClr val="tx1"/>
+            </a:solidFill>
+          </a:ln>
+        </p:spPr>
+        <p:style>
+          <a:lnRef idx="2">
+            <a:schemeClr val="accent1">
+              <a:shade val="50000"/>
+            </a:schemeClr>
+          </a:lnRef>
+          <a:fillRef idx="1">
+            <a:schemeClr val="accent1"/>
+          </a:fillRef>
+          <a:effectRef idx="0">
+            <a:schemeClr val="accent1"/>
+          </a:effectRef>
+          <a:fontRef idx="minor">
+            <a:schemeClr val="lt1"/>
+          </a:fontRef>
+        </p:style>
+        <p:txBody>
+          <a:bodyPr rtlCol="0" anchor="ctr"/>
+          <a:lstStyle>
+            <a:defPPr>
+              <a:defRPr lang="en-US"/>
+            </a:defPPr>
+            <a:lvl1pPr marL="0" algn="l" defTabSz="914400" rtl="0" eaLnBrk="1" latinLnBrk="0" hangingPunct="1">
+              <a:defRPr sz="1800" kern="1200">
+                <a:solidFill>
+                  <a:schemeClr val="lt1"/>
+                </a:solidFill>
+                <a:latin typeface="+mn-lt"/>
+                <a:ea typeface="+mn-ea"/>
+                <a:cs typeface="+mn-cs"/>
+              </a:defRPr>
+            </a:lvl1pPr>
+            <a:lvl2pPr marL="457200" algn="l" defTabSz="914400" rtl="0" eaLnBrk="1" latinLnBrk="0" hangingPunct="1">
+              <a:defRPr sz="1800" kern="1200">
+                <a:solidFill>
+                  <a:schemeClr val="lt1"/>
+                </a:solidFill>
+                <a:latin typeface="+mn-lt"/>
+                <a:ea typeface="+mn-ea"/>
+                <a:cs typeface="+mn-cs"/>
+              </a:defRPr>
+            </a:lvl2pPr>
+            <a:lvl3pPr marL="914400" algn="l" defTabSz="914400" rtl="0" eaLnBrk="1" latinLnBrk="0" hangingPunct="1">
+              <a:defRPr sz="1800" kern="1200">
+                <a:solidFill>
+                  <a:schemeClr val="lt1"/>
+                </a:solidFill>
+                <a:latin typeface="+mn-lt"/>
+                <a:ea typeface="+mn-ea"/>
+                <a:cs typeface="+mn-cs"/>
+              </a:defRPr>
+            </a:lvl3pPr>
+            <a:lvl4pPr marL="1371600" algn="l" defTabSz="914400" rtl="0" eaLnBrk="1" latinLnBrk="0" hangingPunct="1">
+              <a:defRPr sz="1800" kern="1200">
+                <a:solidFill>
+                  <a:schemeClr val="lt1"/>
+                </a:solidFill>
+                <a:latin typeface="+mn-lt"/>
+                <a:ea typeface="+mn-ea"/>
+                <a:cs typeface="+mn-cs"/>
+              </a:defRPr>
+            </a:lvl4pPr>
+            <a:lvl5pPr marL="1828800" algn="l" defTabSz="914400" rtl="0" eaLnBrk="1" latinLnBrk="0" hangingPunct="1">
+              <a:defRPr sz="1800" kern="1200">
+                <a:solidFill>
+                  <a:schemeClr val="lt1"/>
+                </a:solidFill>
+                <a:latin typeface="+mn-lt"/>
+                <a:ea typeface="+mn-ea"/>
+                <a:cs typeface="+mn-cs"/>
+              </a:defRPr>
+            </a:lvl5pPr>
+            <a:lvl6pPr marL="2286000" algn="l" defTabSz="914400" rtl="0" eaLnBrk="1" latinLnBrk="0" hangingPunct="1">
+              <a:defRPr sz="1800" kern="1200">
+                <a:solidFill>
+                  <a:schemeClr val="lt1"/>
+                </a:solidFill>
+                <a:latin typeface="+mn-lt"/>
+                <a:ea typeface="+mn-ea"/>
+                <a:cs typeface="+mn-cs"/>
+              </a:defRPr>
+            </a:lvl6pPr>
+            <a:lvl7pPr marL="2743200" algn="l" defTabSz="914400" rtl="0" eaLnBrk="1" latinLnBrk="0" hangingPunct="1">
+              <a:defRPr sz="1800" kern="1200">
+                <a:solidFill>
+                  <a:schemeClr val="lt1"/>
+                </a:solidFill>
+                <a:latin typeface="+mn-lt"/>
+                <a:ea typeface="+mn-ea"/>
+                <a:cs typeface="+mn-cs"/>
+              </a:defRPr>
+            </a:lvl7pPr>
+            <a:lvl8pPr marL="3200400" algn="l" defTabSz="914400" rtl="0" eaLnBrk="1" latinLnBrk="0" hangingPunct="1">
+              <a:defRPr sz="1800" kern="1200">
+                <a:solidFill>
+                  <a:schemeClr val="lt1"/>
+                </a:solidFill>
+                <a:latin typeface="+mn-lt"/>
+                <a:ea typeface="+mn-ea"/>
+                <a:cs typeface="+mn-cs"/>
+              </a:defRPr>
+            </a:lvl8pPr>
+            <a:lvl9pPr marL="3657600" algn="l" defTabSz="914400" rtl="0" eaLnBrk="1" latinLnBrk="0" hangingPunct="1">
+              <a:defRPr sz="1800" kern="1200">
+                <a:solidFill>
+                  <a:schemeClr val="lt1"/>
+                </a:solidFill>
+                <a:latin typeface="+mn-lt"/>
+                <a:ea typeface="+mn-ea"/>
+                <a:cs typeface="+mn-cs"/>
+              </a:defRPr>
+            </a:lvl9pPr>
+          </a:lstStyle>
+          <a:p>
+            <a:pPr algn="ctr"/>
+            <a:r>
+              <a:rPr lang="en-US" sz="1200" b="1" dirty="0"/>
+              <a:t>1</a:t>
+            </a:r>
+            <a:endParaRPr lang="en-US" b="1" dirty="0"/>
+          </a:p>
+        </p:txBody>
+      </p:sp>
+      <p:sp>
+        <p:nvSpPr>
+          <p:cNvPr id="13" name="TextBox 64">
+            <a:extLst>
+              <a:ext uri="{FF2B5EF4-FFF2-40B4-BE49-F238E27FC236}">
+                <a16:creationId xmlns:a16="http://schemas.microsoft.com/office/drawing/2014/main" id="{56F0834E-700C-4D93-B540-26782FF5D104}"/>
+              </a:ext>
+            </a:extLst>
+          </p:cNvPr>
+          <p:cNvSpPr txBox="1"/>
+          <p:nvPr/>
+        </p:nvSpPr>
+        <p:spPr>
+          <a:xfrm>
+            <a:off x="3328925" y="2964449"/>
+            <a:ext cx="1409274" cy="646331"/>
+          </a:xfrm>
+          <a:prstGeom prst="rect">
+            <a:avLst/>
+          </a:prstGeom>
+          <a:noFill/>
+        </p:spPr>
+        <p:txBody>
+          <a:bodyPr wrap="square" rtlCol="0">
+            <a:spAutoFit/>
+          </a:bodyPr>
+          <a:lstStyle/>
+          <a:p>
+            <a:r>
+              <a:rPr lang="en-US" sz="1200" dirty="0"/>
+              <a:t>Use implicit grant-type to get identity token</a:t>
+            </a:r>
+          </a:p>
+        </p:txBody>
+      </p:sp>
+      <p:cxnSp>
+        <p:nvCxnSpPr>
+          <p:cNvPr id="14" name="Connecteur : en angle 13">
+            <a:extLst>
+              <a:ext uri="{FF2B5EF4-FFF2-40B4-BE49-F238E27FC236}">
+                <a16:creationId xmlns:a16="http://schemas.microsoft.com/office/drawing/2014/main" id="{F48E2405-098B-4A03-97C9-41B43E28308F}"/>
+              </a:ext>
+            </a:extLst>
+          </p:cNvPr>
+          <p:cNvCxnSpPr>
+            <a:stCxn id="8" idx="3"/>
+            <a:endCxn id="3" idx="3"/>
+          </p:cNvCxnSpPr>
+          <p:nvPr/>
+        </p:nvCxnSpPr>
+        <p:spPr>
+          <a:xfrm>
+            <a:off x="6096000" y="1653808"/>
+            <a:ext cx="12700" cy="2621281"/>
+          </a:xfrm>
+          <a:prstGeom prst="bentConnector3">
+            <a:avLst>
+              <a:gd name="adj1" fmla="val 1800000"/>
+            </a:avLst>
+          </a:prstGeom>
+          <a:ln>
+            <a:solidFill>
+              <a:schemeClr val="tx1"/>
+            </a:solidFill>
+            <a:tailEnd type="triangle"/>
+          </a:ln>
+        </p:spPr>
+        <p:style>
+          <a:lnRef idx="1">
+            <a:schemeClr val="accent1"/>
+          </a:lnRef>
+          <a:fillRef idx="0">
+            <a:schemeClr val="accent1"/>
+          </a:fillRef>
+          <a:effectRef idx="0">
+            <a:schemeClr val="accent1"/>
+          </a:effectRef>
+          <a:fontRef idx="minor">
+            <a:schemeClr val="tx1"/>
+          </a:fontRef>
+        </p:style>
+      </p:cxnSp>
+      <p:sp>
+        <p:nvSpPr>
+          <p:cNvPr id="16" name="Flowchart: Connector 48">
+            <a:extLst>
+              <a:ext uri="{FF2B5EF4-FFF2-40B4-BE49-F238E27FC236}">
+                <a16:creationId xmlns:a16="http://schemas.microsoft.com/office/drawing/2014/main" id="{3C4FE28A-970C-4A15-8426-B7229E22ACFE}"/>
+              </a:ext>
+            </a:extLst>
+          </p:cNvPr>
+          <p:cNvSpPr>
+            <a:spLocks noChangeAspect="1"/>
+          </p:cNvSpPr>
+          <p:nvPr/>
+        </p:nvSpPr>
+        <p:spPr>
+          <a:xfrm>
+            <a:off x="6250475" y="2878745"/>
+            <a:ext cx="171409" cy="171409"/>
+          </a:xfrm>
+          <a:prstGeom prst="flowChartConnector">
+            <a:avLst/>
+          </a:prstGeom>
+          <a:solidFill>
+            <a:schemeClr val="tx1"/>
+          </a:solidFill>
+          <a:ln>
+            <a:solidFill>
+              <a:schemeClr val="tx1"/>
+            </a:solidFill>
+          </a:ln>
+        </p:spPr>
+        <p:style>
+          <a:lnRef idx="2">
+            <a:schemeClr val="accent1">
+              <a:shade val="50000"/>
+            </a:schemeClr>
+          </a:lnRef>
+          <a:fillRef idx="1">
+            <a:schemeClr val="accent1"/>
+          </a:fillRef>
+          <a:effectRef idx="0">
+            <a:schemeClr val="accent1"/>
+          </a:effectRef>
+          <a:fontRef idx="minor">
+            <a:schemeClr val="lt1"/>
+          </a:fontRef>
+        </p:style>
+        <p:txBody>
+          <a:bodyPr rtlCol="0" anchor="ctr"/>
+          <a:lstStyle>
+            <a:defPPr>
+              <a:defRPr lang="en-US"/>
+            </a:defPPr>
+            <a:lvl1pPr marL="0" algn="l" defTabSz="914400" rtl="0" eaLnBrk="1" latinLnBrk="0" hangingPunct="1">
+              <a:defRPr sz="1800" kern="1200">
+                <a:solidFill>
+                  <a:schemeClr val="lt1"/>
+                </a:solidFill>
+                <a:latin typeface="+mn-lt"/>
+                <a:ea typeface="+mn-ea"/>
+                <a:cs typeface="+mn-cs"/>
+              </a:defRPr>
+            </a:lvl1pPr>
+            <a:lvl2pPr marL="457200" algn="l" defTabSz="914400" rtl="0" eaLnBrk="1" latinLnBrk="0" hangingPunct="1">
+              <a:defRPr sz="1800" kern="1200">
+                <a:solidFill>
+                  <a:schemeClr val="lt1"/>
+                </a:solidFill>
+                <a:latin typeface="+mn-lt"/>
+                <a:ea typeface="+mn-ea"/>
+                <a:cs typeface="+mn-cs"/>
+              </a:defRPr>
+            </a:lvl2pPr>
+            <a:lvl3pPr marL="914400" algn="l" defTabSz="914400" rtl="0" eaLnBrk="1" latinLnBrk="0" hangingPunct="1">
+              <a:defRPr sz="1800" kern="1200">
+                <a:solidFill>
+                  <a:schemeClr val="lt1"/>
+                </a:solidFill>
+                <a:latin typeface="+mn-lt"/>
+                <a:ea typeface="+mn-ea"/>
+                <a:cs typeface="+mn-cs"/>
+              </a:defRPr>
+            </a:lvl3pPr>
+            <a:lvl4pPr marL="1371600" algn="l" defTabSz="914400" rtl="0" eaLnBrk="1" latinLnBrk="0" hangingPunct="1">
+              <a:defRPr sz="1800" kern="1200">
+                <a:solidFill>
+                  <a:schemeClr val="lt1"/>
+                </a:solidFill>
+                <a:latin typeface="+mn-lt"/>
+                <a:ea typeface="+mn-ea"/>
+                <a:cs typeface="+mn-cs"/>
+              </a:defRPr>
+            </a:lvl4pPr>
+            <a:lvl5pPr marL="1828800" algn="l" defTabSz="914400" rtl="0" eaLnBrk="1" latinLnBrk="0" hangingPunct="1">
+              <a:defRPr sz="1800" kern="1200">
+                <a:solidFill>
+                  <a:schemeClr val="lt1"/>
+                </a:solidFill>
+                <a:latin typeface="+mn-lt"/>
+                <a:ea typeface="+mn-ea"/>
+                <a:cs typeface="+mn-cs"/>
+              </a:defRPr>
+            </a:lvl5pPr>
+            <a:lvl6pPr marL="2286000" algn="l" defTabSz="914400" rtl="0" eaLnBrk="1" latinLnBrk="0" hangingPunct="1">
+              <a:defRPr sz="1800" kern="1200">
+                <a:solidFill>
+                  <a:schemeClr val="lt1"/>
+                </a:solidFill>
+                <a:latin typeface="+mn-lt"/>
+                <a:ea typeface="+mn-ea"/>
+                <a:cs typeface="+mn-cs"/>
+              </a:defRPr>
+            </a:lvl6pPr>
+            <a:lvl7pPr marL="2743200" algn="l" defTabSz="914400" rtl="0" eaLnBrk="1" latinLnBrk="0" hangingPunct="1">
+              <a:defRPr sz="1800" kern="1200">
+                <a:solidFill>
+                  <a:schemeClr val="lt1"/>
+                </a:solidFill>
+                <a:latin typeface="+mn-lt"/>
+                <a:ea typeface="+mn-ea"/>
+                <a:cs typeface="+mn-cs"/>
+              </a:defRPr>
+            </a:lvl7pPr>
+            <a:lvl8pPr marL="3200400" algn="l" defTabSz="914400" rtl="0" eaLnBrk="1" latinLnBrk="0" hangingPunct="1">
+              <a:defRPr sz="1800" kern="1200">
+                <a:solidFill>
+                  <a:schemeClr val="lt1"/>
+                </a:solidFill>
+                <a:latin typeface="+mn-lt"/>
+                <a:ea typeface="+mn-ea"/>
+                <a:cs typeface="+mn-cs"/>
+              </a:defRPr>
+            </a:lvl8pPr>
+            <a:lvl9pPr marL="3657600" algn="l" defTabSz="914400" rtl="0" eaLnBrk="1" latinLnBrk="0" hangingPunct="1">
+              <a:defRPr sz="1800" kern="1200">
+                <a:solidFill>
+                  <a:schemeClr val="lt1"/>
+                </a:solidFill>
+                <a:latin typeface="+mn-lt"/>
+                <a:ea typeface="+mn-ea"/>
+                <a:cs typeface="+mn-cs"/>
+              </a:defRPr>
+            </a:lvl9pPr>
+          </a:lstStyle>
+          <a:p>
+            <a:pPr algn="ctr"/>
+            <a:r>
+              <a:rPr lang="en-US" sz="1200" b="1" dirty="0"/>
+              <a:t>2</a:t>
+            </a:r>
+            <a:endParaRPr lang="en-US" b="1" dirty="0"/>
+          </a:p>
+        </p:txBody>
+      </p:sp>
+      <p:sp>
+        <p:nvSpPr>
+          <p:cNvPr id="17" name="TextBox 64">
+            <a:extLst>
+              <a:ext uri="{FF2B5EF4-FFF2-40B4-BE49-F238E27FC236}">
+                <a16:creationId xmlns:a16="http://schemas.microsoft.com/office/drawing/2014/main" id="{E3F578FE-FCD3-4E8D-8E71-315BA457D0F5}"/>
+              </a:ext>
+            </a:extLst>
+          </p:cNvPr>
+          <p:cNvSpPr txBox="1"/>
+          <p:nvPr/>
+        </p:nvSpPr>
+        <p:spPr>
+          <a:xfrm>
+            <a:off x="6336179" y="2964449"/>
+            <a:ext cx="1409274" cy="461665"/>
+          </a:xfrm>
+          <a:prstGeom prst="rect">
+            <a:avLst/>
+          </a:prstGeom>
+          <a:noFill/>
+        </p:spPr>
+        <p:txBody>
+          <a:bodyPr wrap="square" rtlCol="0">
+            <a:spAutoFit/>
+          </a:bodyPr>
+          <a:lstStyle/>
+          <a:p>
+            <a:r>
+              <a:rPr lang="en-US" sz="1200" dirty="0"/>
+              <a:t>Returns identity token</a:t>
+            </a:r>
+          </a:p>
+        </p:txBody>
+      </p:sp>
+    </p:spTree>
+    <p:extLst>
+      <p:ext uri="{BB962C8B-B14F-4D97-AF65-F5344CB8AC3E}">
+        <p14:creationId xmlns:p14="http://schemas.microsoft.com/office/powerpoint/2010/main" val="2954210409"/>
       </p:ext>
     </p:extLst>
   </p:cSld>
